--- a/ECOX5004 Pres 2 Proforma Slides - Jack O'Callaghan.pptx
+++ b/ECOX5004 Pres 2 Proforma Slides - Jack O'Callaghan.pptx
@@ -8,11 +8,12 @@
     <p:sldId id="256" r:id="rId2"/>
     <p:sldId id="257" r:id="rId3"/>
     <p:sldId id="258" r:id="rId4"/>
-    <p:sldId id="259" r:id="rId5"/>
-    <p:sldId id="260" r:id="rId6"/>
-    <p:sldId id="262" r:id="rId7"/>
-    <p:sldId id="261" r:id="rId8"/>
-    <p:sldId id="263" r:id="rId9"/>
+    <p:sldId id="264" r:id="rId5"/>
+    <p:sldId id="259" r:id="rId6"/>
+    <p:sldId id="260" r:id="rId7"/>
+    <p:sldId id="262" r:id="rId8"/>
+    <p:sldId id="261" r:id="rId9"/>
+    <p:sldId id="263" r:id="rId10"/>
   </p:sldIdLst>
   <p:sldSz cx="12192000" cy="6858000"/>
   <p:notesSz cx="6858000" cy="9144000"/>
@@ -119,10 +120,16 @@
 </p:presentation>
 </file>
 
+<file path=ppt/authors.xml><?xml version="1.0" encoding="utf-8"?>
+<p188:authorLst xmlns:a="http://schemas.openxmlformats.org/drawingml/2006/main" xmlns:r="http://schemas.openxmlformats.org/officeDocument/2006/relationships" xmlns:p188="http://schemas.microsoft.com/office/powerpoint/2018/8/main">
+  <p188:author id="{B752151B-AA12-A8AB-274D-0784E0FEE4AF}" name="Jack O'Callaghan" initials="JO" userId="7fd06676eeea000b" providerId="Windows Live"/>
+</p188:authorLst>
+</file>
+
 <file path=ppt/revisionInfo.xml><?xml version="1.0" encoding="utf-8"?>
 <p1510:revInfo xmlns:a="http://schemas.openxmlformats.org/drawingml/2006/main" xmlns:r="http://schemas.openxmlformats.org/officeDocument/2006/relationships" xmlns:p1510="http://schemas.microsoft.com/office/powerpoint/2015/10/main">
   <p1510:revLst>
-    <p1510:client id="{E8519C8F-C1AC-443B-BA58-2E1958F20972}" v="58" dt="2023-10-11T07:43:35.167"/>
+    <p1510:client id="{E8519C8F-C1AC-443B-BA58-2E1958F20972}" v="238" dt="2023-10-12T14:23:00.012"/>
   </p1510:revLst>
 </p1510:revInfo>
 </file>
@@ -131,8 +138,8 @@
 <pc:chgInfo xmlns:a="http://schemas.openxmlformats.org/drawingml/2006/main" xmlns:r="http://schemas.openxmlformats.org/officeDocument/2006/relationships" xmlns:ac="http://schemas.microsoft.com/office/drawing/2013/main/command" xmlns:pc="http://schemas.microsoft.com/office/powerpoint/2013/main/command">
   <pc:docChgLst>
     <pc:chgData name="Jack O'Callaghan" userId="7fd06676eeea000b" providerId="LiveId" clId="{E8519C8F-C1AC-443B-BA58-2E1958F20972}"/>
-    <pc:docChg chg="custSel delSld modSld">
-      <pc:chgData name="Jack O'Callaghan" userId="7fd06676eeea000b" providerId="LiveId" clId="{E8519C8F-C1AC-443B-BA58-2E1958F20972}" dt="2023-10-11T07:47:38.044" v="1351" actId="207"/>
+    <pc:docChg chg="undo custSel addSld delSld modSld">
+      <pc:chgData name="Jack O'Callaghan" userId="7fd06676eeea000b" providerId="LiveId" clId="{E8519C8F-C1AC-443B-BA58-2E1958F20972}" dt="2023-10-12T15:05:31.844" v="9865"/>
       <pc:docMkLst>
         <pc:docMk/>
       </pc:docMkLst>
@@ -152,13 +159,36 @@
         </pc:spChg>
       </pc:sldChg>
       <pc:sldChg chg="modSp mod">
-        <pc:chgData name="Jack O'Callaghan" userId="7fd06676eeea000b" providerId="LiveId" clId="{E8519C8F-C1AC-443B-BA58-2E1958F20972}" dt="2023-10-11T06:44:45.177" v="605" actId="20577"/>
+        <pc:chgData name="Jack O'Callaghan" userId="7fd06676eeea000b" providerId="LiveId" clId="{E8519C8F-C1AC-443B-BA58-2E1958F20972}" dt="2023-10-12T14:54:55.026" v="9547" actId="20577"/>
+        <pc:sldMkLst>
+          <pc:docMk/>
+          <pc:sldMk cId="4199852819" sldId="257"/>
+        </pc:sldMkLst>
+        <pc:spChg chg="mod">
+          <ac:chgData name="Jack O'Callaghan" userId="7fd06676eeea000b" providerId="LiveId" clId="{E8519C8F-C1AC-443B-BA58-2E1958F20972}" dt="2023-10-12T14:54:55.026" v="9547" actId="20577"/>
+          <ac:spMkLst>
+            <pc:docMk/>
+            <pc:sldMk cId="4199852819" sldId="257"/>
+            <ac:spMk id="3" creationId="{00000000-0000-0000-0000-000000000000}"/>
+          </ac:spMkLst>
+        </pc:spChg>
+      </pc:sldChg>
+      <pc:sldChg chg="modSp mod">
+        <pc:chgData name="Jack O'Callaghan" userId="7fd06676eeea000b" providerId="LiveId" clId="{E8519C8F-C1AC-443B-BA58-2E1958F20972}" dt="2023-10-12T15:00:20.610" v="9852" actId="14100"/>
         <pc:sldMkLst>
           <pc:docMk/>
           <pc:sldMk cId="1749773873" sldId="258"/>
         </pc:sldMkLst>
         <pc:spChg chg="mod">
-          <ac:chgData name="Jack O'Callaghan" userId="7fd06676eeea000b" providerId="LiveId" clId="{E8519C8F-C1AC-443B-BA58-2E1958F20972}" dt="2023-10-11T06:44:45.177" v="605" actId="20577"/>
+          <ac:chgData name="Jack O'Callaghan" userId="7fd06676eeea000b" providerId="LiveId" clId="{E8519C8F-C1AC-443B-BA58-2E1958F20972}" dt="2023-10-12T13:43:08.230" v="6780" actId="20577"/>
+          <ac:spMkLst>
+            <pc:docMk/>
+            <pc:sldMk cId="1749773873" sldId="258"/>
+            <ac:spMk id="2" creationId="{00000000-0000-0000-0000-000000000000}"/>
+          </ac:spMkLst>
+        </pc:spChg>
+        <pc:spChg chg="mod">
+          <ac:chgData name="Jack O'Callaghan" userId="7fd06676eeea000b" providerId="LiveId" clId="{E8519C8F-C1AC-443B-BA58-2E1958F20972}" dt="2023-10-12T15:00:20.610" v="9852" actId="14100"/>
           <ac:spMkLst>
             <pc:docMk/>
             <pc:sldMk cId="1749773873" sldId="258"/>
@@ -166,8 +196,8 @@
           </ac:spMkLst>
         </pc:spChg>
       </pc:sldChg>
-      <pc:sldChg chg="addSp modSp mod">
-        <pc:chgData name="Jack O'Callaghan" userId="7fd06676eeea000b" providerId="LiveId" clId="{E8519C8F-C1AC-443B-BA58-2E1958F20972}" dt="2023-10-11T07:47:38.044" v="1351" actId="207"/>
+      <pc:sldChg chg="addSp modSp mod addCm delCm modCm">
+        <pc:chgData name="Jack O'Callaghan" userId="7fd06676eeea000b" providerId="LiveId" clId="{E8519C8F-C1AC-443B-BA58-2E1958F20972}" dt="2023-10-12T15:01:56.403" v="9853"/>
         <pc:sldMkLst>
           <pc:docMk/>
           <pc:sldMk cId="3164196622" sldId="259"/>
@@ -181,7 +211,7 @@
           </ac:spMkLst>
         </pc:spChg>
         <pc:spChg chg="mod">
-          <ac:chgData name="Jack O'Callaghan" userId="7fd06676eeea000b" providerId="LiveId" clId="{E8519C8F-C1AC-443B-BA58-2E1958F20972}" dt="2023-10-11T07:47:38.044" v="1351" actId="207"/>
+          <ac:chgData name="Jack O'Callaghan" userId="7fd06676eeea000b" providerId="LiveId" clId="{E8519C8F-C1AC-443B-BA58-2E1958F20972}" dt="2023-10-12T13:58:25.488" v="7358" actId="27636"/>
           <ac:spMkLst>
             <pc:docMk/>
             <pc:sldMk cId="3164196622" sldId="259"/>
@@ -197,7 +227,7 @@
           </ac:spMkLst>
         </pc:spChg>
         <pc:graphicFrameChg chg="add mod modGraphic">
-          <ac:chgData name="Jack O'Callaghan" userId="7fd06676eeea000b" providerId="LiveId" clId="{E8519C8F-C1AC-443B-BA58-2E1958F20972}" dt="2023-10-11T07:36:38.295" v="715" actId="1076"/>
+          <ac:chgData name="Jack O'Callaghan" userId="7fd06676eeea000b" providerId="LiveId" clId="{E8519C8F-C1AC-443B-BA58-2E1958F20972}" dt="2023-10-12T13:45:05.610" v="6830"/>
           <ac:graphicFrameMkLst>
             <pc:docMk/>
             <pc:sldMk cId="3164196622" sldId="259"/>
@@ -220,6 +250,225 @@
             <ac:picMk id="8" creationId="{2752DB6F-DF32-C893-CEB7-CE6F944427E5}"/>
           </ac:picMkLst>
         </pc:picChg>
+        <pc:extLst>
+          <p:ext xmlns:p="http://schemas.openxmlformats.org/presentationml/2006/main" uri="{D6D511B9-2390-475A-947B-AFAB55BFBCF1}">
+            <pc226:cmChg xmlns:pc226="http://schemas.microsoft.com/office/powerpoint/2022/06/main/command" chg="add">
+              <pc226:chgData name="Jack O'Callaghan" userId="7fd06676eeea000b" providerId="LiveId" clId="{E8519C8F-C1AC-443B-BA58-2E1958F20972}" dt="2023-10-12T15:01:56.403" v="9853"/>
+              <pc2:cmMkLst xmlns:pc2="http://schemas.microsoft.com/office/powerpoint/2019/9/main/command">
+                <pc:docMk/>
+                <pc:sldMk cId="3164196622" sldId="259"/>
+                <pc2:cmMk id="{241A3956-D8BC-4F81-8B10-8A360E2C10C1}"/>
+              </pc2:cmMkLst>
+            </pc226:cmChg>
+            <pc226:cmChg xmlns:pc226="http://schemas.microsoft.com/office/powerpoint/2022/06/main/command" chg="add del mod">
+              <pc226:chgData name="Jack O'Callaghan" userId="7fd06676eeea000b" providerId="LiveId" clId="{E8519C8F-C1AC-443B-BA58-2E1958F20972}" dt="2023-10-12T13:50:45.072" v="7017"/>
+              <pc2:cmMkLst xmlns:pc2="http://schemas.microsoft.com/office/powerpoint/2019/9/main/command">
+                <pc:docMk/>
+                <pc:sldMk cId="3164196622" sldId="259"/>
+                <pc2:cmMk id="{A1C624C4-10AB-4EF0-88C6-DA7AD9371DA5}"/>
+              </pc2:cmMkLst>
+            </pc226:cmChg>
+          </p:ext>
+        </pc:extLst>
+      </pc:sldChg>
+      <pc:sldChg chg="addSp modSp mod addCm">
+        <pc:chgData name="Jack O'Callaghan" userId="7fd06676eeea000b" providerId="LiveId" clId="{E8519C8F-C1AC-443B-BA58-2E1958F20972}" dt="2023-10-12T15:03:06.753" v="9854"/>
+        <pc:sldMkLst>
+          <pc:docMk/>
+          <pc:sldMk cId="3400164036" sldId="260"/>
+        </pc:sldMkLst>
+        <pc:spChg chg="mod ord">
+          <ac:chgData name="Jack O'Callaghan" userId="7fd06676eeea000b" providerId="LiveId" clId="{E8519C8F-C1AC-443B-BA58-2E1958F20972}" dt="2023-10-12T10:05:29.088" v="1992" actId="14"/>
+          <ac:spMkLst>
+            <pc:docMk/>
+            <pc:sldMk cId="3400164036" sldId="260"/>
+            <ac:spMk id="3" creationId="{00000000-0000-0000-0000-000000000000}"/>
+          </ac:spMkLst>
+        </pc:spChg>
+        <pc:graphicFrameChg chg="add mod modGraphic">
+          <ac:chgData name="Jack O'Callaghan" userId="7fd06676eeea000b" providerId="LiveId" clId="{E8519C8F-C1AC-443B-BA58-2E1958F20972}" dt="2023-10-12T10:05:33.593" v="1993" actId="1076"/>
+          <ac:graphicFrameMkLst>
+            <pc:docMk/>
+            <pc:sldMk cId="3400164036" sldId="260"/>
+            <ac:graphicFrameMk id="4" creationId="{B8A264D4-8EDA-39FA-0F70-7F572C975B4E}"/>
+          </ac:graphicFrameMkLst>
+        </pc:graphicFrameChg>
+        <pc:graphicFrameChg chg="add mod modGraphic">
+          <ac:chgData name="Jack O'Callaghan" userId="7fd06676eeea000b" providerId="LiveId" clId="{E8519C8F-C1AC-443B-BA58-2E1958F20972}" dt="2023-10-12T10:05:39.137" v="1994" actId="1076"/>
+          <ac:graphicFrameMkLst>
+            <pc:docMk/>
+            <pc:sldMk cId="3400164036" sldId="260"/>
+            <ac:graphicFrameMk id="5" creationId="{BE72C86A-984E-E113-6744-ACDA942C1B62}"/>
+          </ac:graphicFrameMkLst>
+        </pc:graphicFrameChg>
+        <pc:graphicFrameChg chg="add mod modGraphic">
+          <ac:chgData name="Jack O'Callaghan" userId="7fd06676eeea000b" providerId="LiveId" clId="{E8519C8F-C1AC-443B-BA58-2E1958F20972}" dt="2023-10-12T14:23:29.770" v="7514" actId="20577"/>
+          <ac:graphicFrameMkLst>
+            <pc:docMk/>
+            <pc:sldMk cId="3400164036" sldId="260"/>
+            <ac:graphicFrameMk id="6" creationId="{50F437B6-D432-4D8D-FB69-CE650111F507}"/>
+          </ac:graphicFrameMkLst>
+        </pc:graphicFrameChg>
+        <pc:extLst>
+          <p:ext xmlns:p="http://schemas.openxmlformats.org/presentationml/2006/main" uri="{D6D511B9-2390-475A-947B-AFAB55BFBCF1}">
+            <pc226:cmChg xmlns:pc226="http://schemas.microsoft.com/office/powerpoint/2022/06/main/command" chg="add">
+              <pc226:chgData name="Jack O'Callaghan" userId="7fd06676eeea000b" providerId="LiveId" clId="{E8519C8F-C1AC-443B-BA58-2E1958F20972}" dt="2023-10-12T15:03:06.753" v="9854"/>
+              <pc2:cmMkLst xmlns:pc2="http://schemas.microsoft.com/office/powerpoint/2019/9/main/command">
+                <pc:docMk/>
+                <pc:sldMk cId="3400164036" sldId="260"/>
+                <pc2:cmMk id="{2DA086A7-5D77-4B52-923E-14F769065A17}"/>
+              </pc2:cmMkLst>
+            </pc226:cmChg>
+          </p:ext>
+        </pc:extLst>
+      </pc:sldChg>
+      <pc:sldChg chg="addSp modSp mod addCm">
+        <pc:chgData name="Jack O'Callaghan" userId="7fd06676eeea000b" providerId="LiveId" clId="{E8519C8F-C1AC-443B-BA58-2E1958F20972}" dt="2023-10-12T15:05:31.844" v="9865"/>
+        <pc:sldMkLst>
+          <pc:docMk/>
+          <pc:sldMk cId="2346731156" sldId="261"/>
+        </pc:sldMkLst>
+        <pc:spChg chg="mod">
+          <ac:chgData name="Jack O'Callaghan" userId="7fd06676eeea000b" providerId="LiveId" clId="{E8519C8F-C1AC-443B-BA58-2E1958F20972}" dt="2023-10-12T14:37:51.737" v="8543" actId="20577"/>
+          <ac:spMkLst>
+            <pc:docMk/>
+            <pc:sldMk cId="2346731156" sldId="261"/>
+            <ac:spMk id="3" creationId="{00000000-0000-0000-0000-000000000000}"/>
+          </ac:spMkLst>
+        </pc:spChg>
+        <pc:picChg chg="add mod modCrop">
+          <ac:chgData name="Jack O'Callaghan" userId="7fd06676eeea000b" providerId="LiveId" clId="{E8519C8F-C1AC-443B-BA58-2E1958F20972}" dt="2023-10-12T15:04:57.667" v="9864" actId="14100"/>
+          <ac:picMkLst>
+            <pc:docMk/>
+            <pc:sldMk cId="2346731156" sldId="261"/>
+            <ac:picMk id="5" creationId="{282A8C67-2033-56D7-E977-E2E25F494B2C}"/>
+          </ac:picMkLst>
+        </pc:picChg>
+        <pc:extLst>
+          <p:ext xmlns:p="http://schemas.openxmlformats.org/presentationml/2006/main" uri="{D6D511B9-2390-475A-947B-AFAB55BFBCF1}">
+            <pc226:cmChg xmlns:pc226="http://schemas.microsoft.com/office/powerpoint/2022/06/main/command" chg="add">
+              <pc226:chgData name="Jack O'Callaghan" userId="7fd06676eeea000b" providerId="LiveId" clId="{E8519C8F-C1AC-443B-BA58-2E1958F20972}" dt="2023-10-12T15:05:31.844" v="9865"/>
+              <pc2:cmMkLst xmlns:pc2="http://schemas.microsoft.com/office/powerpoint/2019/9/main/command">
+                <pc:docMk/>
+                <pc:sldMk cId="2346731156" sldId="261"/>
+                <pc2:cmMk id="{A547682B-73C8-4B59-8A6A-13B8AA5242BF}"/>
+              </pc2:cmMkLst>
+            </pc226:cmChg>
+          </p:ext>
+        </pc:extLst>
+      </pc:sldChg>
+      <pc:sldChg chg="modSp mod addCm modCm">
+        <pc:chgData name="Jack O'Callaghan" userId="7fd06676eeea000b" providerId="LiveId" clId="{E8519C8F-C1AC-443B-BA58-2E1958F20972}" dt="2023-10-12T15:03:59.413" v="9855"/>
+        <pc:sldMkLst>
+          <pc:docMk/>
+          <pc:sldMk cId="2017660607" sldId="262"/>
+        </pc:sldMkLst>
+        <pc:spChg chg="mod">
+          <ac:chgData name="Jack O'Callaghan" userId="7fd06676eeea000b" providerId="LiveId" clId="{E8519C8F-C1AC-443B-BA58-2E1958F20972}" dt="2023-10-12T14:53:36" v="9543" actId="14100"/>
+          <ac:spMkLst>
+            <pc:docMk/>
+            <pc:sldMk cId="2017660607" sldId="262"/>
+            <ac:spMk id="2" creationId="{00000000-0000-0000-0000-000000000000}"/>
+          </ac:spMkLst>
+        </pc:spChg>
+        <pc:spChg chg="mod">
+          <ac:chgData name="Jack O'Callaghan" userId="7fd06676eeea000b" providerId="LiveId" clId="{E8519C8F-C1AC-443B-BA58-2E1958F20972}" dt="2023-10-12T14:28:43.263" v="7884" actId="20577"/>
+          <ac:spMkLst>
+            <pc:docMk/>
+            <pc:sldMk cId="2017660607" sldId="262"/>
+            <ac:spMk id="3" creationId="{00000000-0000-0000-0000-000000000000}"/>
+          </ac:spMkLst>
+        </pc:spChg>
+        <pc:extLst>
+          <p:ext xmlns:p="http://schemas.openxmlformats.org/presentationml/2006/main" uri="{D6D511B9-2390-475A-947B-AFAB55BFBCF1}">
+            <pc226:cmChg xmlns:pc226="http://schemas.microsoft.com/office/powerpoint/2022/06/main/command" chg="add">
+              <pc226:chgData name="Jack O'Callaghan" userId="7fd06676eeea000b" providerId="LiveId" clId="{E8519C8F-C1AC-443B-BA58-2E1958F20972}" dt="2023-10-12T15:03:59.413" v="9855"/>
+              <pc2:cmMkLst xmlns:pc2="http://schemas.microsoft.com/office/powerpoint/2019/9/main/command">
+                <pc:docMk/>
+                <pc:sldMk cId="2017660607" sldId="262"/>
+                <pc2:cmMk id="{55A2F11E-422F-4AC8-B6B8-0CC356405F38}"/>
+              </pc2:cmMkLst>
+            </pc226:cmChg>
+            <pc226:cmChg xmlns:pc226="http://schemas.microsoft.com/office/powerpoint/2022/06/main/command" chg="add">
+              <pc226:chgData name="Jack O'Callaghan" userId="7fd06676eeea000b" providerId="LiveId" clId="{E8519C8F-C1AC-443B-BA58-2E1958F20972}" dt="2023-10-12T14:53:49.879" v="9544"/>
+              <pc2:cmMkLst xmlns:pc2="http://schemas.microsoft.com/office/powerpoint/2019/9/main/command">
+                <pc:docMk/>
+                <pc:sldMk cId="2017660607" sldId="262"/>
+                <pc2:cmMk id="{BEC4953B-4199-496A-B7A3-6D449BF598DA}"/>
+              </pc2:cmMkLst>
+            </pc226:cmChg>
+            <pc226:cmChg xmlns:pc226="http://schemas.microsoft.com/office/powerpoint/2022/06/main/command" chg="add">
+              <pc226:chgData name="Jack O'Callaghan" userId="7fd06676eeea000b" providerId="LiveId" clId="{E8519C8F-C1AC-443B-BA58-2E1958F20972}" dt="2023-10-12T14:56:00.295" v="9548"/>
+              <pc2:cmMkLst xmlns:pc2="http://schemas.microsoft.com/office/powerpoint/2019/9/main/command">
+                <pc:docMk/>
+                <pc:sldMk cId="2017660607" sldId="262"/>
+                <pc2:cmMk id="{B7B2C184-A7F7-4D2B-BC4F-09AD3AFC017C}"/>
+              </pc2:cmMkLst>
+            </pc226:cmChg>
+            <pc226:cmChg xmlns:pc226="http://schemas.microsoft.com/office/powerpoint/2022/06/main/command" chg="add mod">
+              <pc226:chgData name="Jack O'Callaghan" userId="7fd06676eeea000b" providerId="LiveId" clId="{E8519C8F-C1AC-443B-BA58-2E1958F20972}" dt="2023-10-12T14:54:47.455" v="9546"/>
+              <pc2:cmMkLst xmlns:pc2="http://schemas.microsoft.com/office/powerpoint/2019/9/main/command">
+                <pc:docMk/>
+                <pc:sldMk cId="2017660607" sldId="262"/>
+                <pc2:cmMk id="{68775F92-908D-4F84-A1F3-9D508121CFFD}"/>
+              </pc2:cmMkLst>
+            </pc226:cmChg>
+          </p:ext>
+        </pc:extLst>
+      </pc:sldChg>
+      <pc:sldChg chg="modSp mod">
+        <pc:chgData name="Jack O'Callaghan" userId="7fd06676eeea000b" providerId="LiveId" clId="{E8519C8F-C1AC-443B-BA58-2E1958F20972}" dt="2023-10-12T14:56:11.515" v="9549" actId="14100"/>
+        <pc:sldMkLst>
+          <pc:docMk/>
+          <pc:sldMk cId="1058678372" sldId="263"/>
+        </pc:sldMkLst>
+        <pc:spChg chg="mod">
+          <ac:chgData name="Jack O'Callaghan" userId="7fd06676eeea000b" providerId="LiveId" clId="{E8519C8F-C1AC-443B-BA58-2E1958F20972}" dt="2023-10-12T14:56:11.515" v="9549" actId="14100"/>
+          <ac:spMkLst>
+            <pc:docMk/>
+            <pc:sldMk cId="1058678372" sldId="263"/>
+            <ac:spMk id="3" creationId="{00000000-0000-0000-0000-000000000000}"/>
+          </ac:spMkLst>
+        </pc:spChg>
+      </pc:sldChg>
+      <pc:sldChg chg="addSp delSp modSp add mod">
+        <pc:chgData name="Jack O'Callaghan" userId="7fd06676eeea000b" providerId="LiveId" clId="{E8519C8F-C1AC-443B-BA58-2E1958F20972}" dt="2023-10-12T14:20:54.672" v="7392" actId="207"/>
+        <pc:sldMkLst>
+          <pc:docMk/>
+          <pc:sldMk cId="155989551" sldId="264"/>
+        </pc:sldMkLst>
+        <pc:spChg chg="mod">
+          <ac:chgData name="Jack O'Callaghan" userId="7fd06676eeea000b" providerId="LiveId" clId="{E8519C8F-C1AC-443B-BA58-2E1958F20972}" dt="2023-10-12T13:43:20.523" v="6800" actId="20577"/>
+          <ac:spMkLst>
+            <pc:docMk/>
+            <pc:sldMk cId="155989551" sldId="264"/>
+            <ac:spMk id="2" creationId="{00000000-0000-0000-0000-000000000000}"/>
+          </ac:spMkLst>
+        </pc:spChg>
+        <pc:spChg chg="del">
+          <ac:chgData name="Jack O'Callaghan" userId="7fd06676eeea000b" providerId="LiveId" clId="{E8519C8F-C1AC-443B-BA58-2E1958F20972}" dt="2023-10-12T13:44:28.312" v="6825" actId="478"/>
+          <ac:spMkLst>
+            <pc:docMk/>
+            <pc:sldMk cId="155989551" sldId="264"/>
+            <ac:spMk id="3" creationId="{00000000-0000-0000-0000-000000000000}"/>
+          </ac:spMkLst>
+        </pc:spChg>
+        <pc:spChg chg="add del mod">
+          <ac:chgData name="Jack O'Callaghan" userId="7fd06676eeea000b" providerId="LiveId" clId="{E8519C8F-C1AC-443B-BA58-2E1958F20972}" dt="2023-10-12T13:44:30.836" v="6826" actId="478"/>
+          <ac:spMkLst>
+            <pc:docMk/>
+            <pc:sldMk cId="155989551" sldId="264"/>
+            <ac:spMk id="5" creationId="{DC652B57-D3FC-7AF7-9825-C4813075CCEB}"/>
+          </ac:spMkLst>
+        </pc:spChg>
+        <pc:graphicFrameChg chg="add mod modGraphic">
+          <ac:chgData name="Jack O'Callaghan" userId="7fd06676eeea000b" providerId="LiveId" clId="{E8519C8F-C1AC-443B-BA58-2E1958F20972}" dt="2023-10-12T14:20:54.672" v="7392" actId="207"/>
+          <ac:graphicFrameMkLst>
+            <pc:docMk/>
+            <pc:sldMk cId="155989551" sldId="264"/>
+            <ac:graphicFrameMk id="6" creationId="{4BD385BF-C974-2C06-EDB5-D0EE85118A22}"/>
+          </ac:graphicFrameMkLst>
+        </pc:graphicFrameChg>
       </pc:sldChg>
       <pc:sldChg chg="del">
         <pc:chgData name="Jack O'Callaghan" userId="7fd06676eeea000b" providerId="LiveId" clId="{E8519C8F-C1AC-443B-BA58-2E1958F20972}" dt="2023-10-11T07:39:20.400" v="742" actId="47"/>
@@ -231,6 +480,140 @@
     </pc:docChg>
   </pc:docChgLst>
 </pc:chgInfo>
+</file>
+
+<file path=ppt/comments/modernComment_103_BC99CF0E.xml><?xml version="1.0" encoding="utf-8"?>
+<p188:cmLst xmlns:a="http://schemas.openxmlformats.org/drawingml/2006/main" xmlns:r="http://schemas.openxmlformats.org/officeDocument/2006/relationships" xmlns:p188="http://schemas.microsoft.com/office/powerpoint/2018/8/main">
+  <p188:cm id="{241A3956-D8BC-4F81-8B10-8A360E2C10C1}" authorId="{B752151B-AA12-A8AB-274D-0784E0FEE4AF}" created="2023-10-12T15:01:56.344">
+    <pc:sldMkLst xmlns:pc="http://schemas.microsoft.com/office/powerpoint/2013/main/command">
+      <pc:docMk/>
+      <pc:sldMk cId="3164196622" sldId="259"/>
+    </pc:sldMkLst>
+    <p188:txBody>
+      <a:bodyPr/>
+      <a:lstStyle/>
+      <a:p>
+        <a:r>
+          <a:rPr lang="en-GB"/>
+          <a:t>TODO Add IQR, Skew, Kurtosis to this table.</a:t>
+        </a:r>
+      </a:p>
+    </p188:txBody>
+  </p188:cm>
+</p188:cmLst>
+</file>
+
+<file path=ppt/comments/modernComment_104_CAAA62C4.xml><?xml version="1.0" encoding="utf-8"?>
+<p188:cmLst xmlns:a="http://schemas.openxmlformats.org/drawingml/2006/main" xmlns:r="http://schemas.openxmlformats.org/officeDocument/2006/relationships" xmlns:p188="http://schemas.microsoft.com/office/powerpoint/2018/8/main">
+  <p188:cm id="{2DA086A7-5D77-4B52-923E-14F769065A17}" authorId="{B752151B-AA12-A8AB-274D-0784E0FEE4AF}" created="2023-10-12T15:03:06.693">
+    <pc:sldMkLst xmlns:pc="http://schemas.microsoft.com/office/powerpoint/2013/main/command">
+      <pc:docMk/>
+      <pc:sldMk cId="3400164036" sldId="260"/>
+    </pc:sldMkLst>
+    <p188:txBody>
+      <a:bodyPr/>
+      <a:lstStyle/>
+      <a:p>
+        <a:r>
+          <a:rPr lang="en-GB"/>
+          <a:t>We only really need to show the coefficient and p-value here, perhaps it could be shown on a single table?</a:t>
+        </a:r>
+      </a:p>
+    </p188:txBody>
+  </p188:cm>
+</p188:cmLst>
+</file>
+
+<file path=ppt/comments/modernComment_105_8BE04694.xml><?xml version="1.0" encoding="utf-8"?>
+<p188:cmLst xmlns:a="http://schemas.openxmlformats.org/drawingml/2006/main" xmlns:r="http://schemas.openxmlformats.org/officeDocument/2006/relationships" xmlns:p188="http://schemas.microsoft.com/office/powerpoint/2018/8/main">
+  <p188:cm id="{A547682B-73C8-4B59-8A6A-13B8AA5242BF}" authorId="{B752151B-AA12-A8AB-274D-0784E0FEE4AF}" created="2023-10-12T15:05:31.812">
+    <ac:deMkLst xmlns:ac="http://schemas.microsoft.com/office/drawing/2013/main/command">
+      <pc:docMk xmlns:pc="http://schemas.microsoft.com/office/powerpoint/2013/main/command"/>
+      <pc:sldMk xmlns:pc="http://schemas.microsoft.com/office/powerpoint/2013/main/command" cId="2346731156" sldId="261"/>
+      <ac:picMk id="5" creationId="{282A8C67-2033-56D7-E977-E2E25F494B2C}"/>
+    </ac:deMkLst>
+    <p188:txBody>
+      <a:bodyPr/>
+      <a:lstStyle/>
+      <a:p>
+        <a:r>
+          <a:rPr lang="en-GB"/>
+          <a:t>TODO Check through HP's points and see if there's room for improvement here.</a:t>
+        </a:r>
+      </a:p>
+    </p188:txBody>
+  </p188:cm>
+</p188:cmLst>
+</file>
+
+<file path=ppt/comments/modernComment_106_78430EBF.xml><?xml version="1.0" encoding="utf-8"?>
+<p188:cmLst xmlns:a="http://schemas.openxmlformats.org/drawingml/2006/main" xmlns:r="http://schemas.openxmlformats.org/officeDocument/2006/relationships" xmlns:p188="http://schemas.microsoft.com/office/powerpoint/2018/8/main">
+  <p188:cm id="{BEC4953B-4199-496A-B7A3-6D449BF598DA}" authorId="{B752151B-AA12-A8AB-274D-0784E0FEE4AF}" created="2023-10-12T14:53:49.816">
+    <ac:deMkLst xmlns:ac="http://schemas.microsoft.com/office/drawing/2013/main/command">
+      <pc:docMk xmlns:pc="http://schemas.microsoft.com/office/powerpoint/2013/main/command"/>
+      <pc:sldMk xmlns:pc="http://schemas.microsoft.com/office/powerpoint/2013/main/command" cId="2017660607" sldId="262"/>
+      <ac:spMk id="2" creationId="{00000000-0000-0000-0000-000000000000}"/>
+    </ac:deMkLst>
+    <p188:txBody>
+      <a:bodyPr/>
+      <a:lstStyle/>
+      <a:p>
+        <a:r>
+          <a:rPr lang="en-GB"/>
+          <a:t>TODO Make this a lot more succinct</a:t>
+        </a:r>
+      </a:p>
+    </p188:txBody>
+  </p188:cm>
+  <p188:cm id="{68775F92-908D-4F84-A1F3-9D508121CFFD}" authorId="{B752151B-AA12-A8AB-274D-0784E0FEE4AF}" created="2023-10-12T14:54:27.340">
+    <pc:sldMkLst xmlns:pc="http://schemas.microsoft.com/office/powerpoint/2013/main/command">
+      <pc:docMk/>
+      <pc:sldMk cId="2017660607" sldId="262"/>
+    </pc:sldMkLst>
+    <p188:txBody>
+      <a:bodyPr/>
+      <a:lstStyle/>
+      <a:p>
+        <a:r>
+          <a:rPr lang="en-GB"/>
+          <a:t>More talk of the weaknesses of these initial results (data gaps, measurement problems, omitted variables…)</a:t>
+        </a:r>
+      </a:p>
+    </p188:txBody>
+  </p188:cm>
+  <p188:cm id="{B7B2C184-A7F7-4D2B-BC4F-09AD3AFC017C}" authorId="{B752151B-AA12-A8AB-274D-0784E0FEE4AF}" created="2023-10-12T14:56:00.230">
+    <pc:sldMkLst xmlns:pc="http://schemas.microsoft.com/office/powerpoint/2013/main/command">
+      <pc:docMk/>
+      <pc:sldMk cId="2017660607" sldId="262"/>
+    </pc:sldMkLst>
+    <p188:txBody>
+      <a:bodyPr/>
+      <a:lstStyle/>
+      <a:p>
+        <a:r>
+          <a:rPr lang="en-GB"/>
+          <a:t>Think a little bit more about what makes these results weak/strong, and what caveats and details of the analysis need to be highlighted to the audience.</a:t>
+        </a:r>
+      </a:p>
+    </p188:txBody>
+  </p188:cm>
+  <p188:cm id="{55A2F11E-422F-4AC8-B6B8-0CC356405F38}" authorId="{B752151B-AA12-A8AB-274D-0784E0FEE4AF}" created="2023-10-12T15:03:59.396">
+    <pc:sldMkLst xmlns:pc="http://schemas.microsoft.com/office/powerpoint/2013/main/command">
+      <pc:docMk/>
+      <pc:sldMk cId="2017660607" sldId="262"/>
+    </pc:sldMkLst>
+    <p188:txBody>
+      <a:bodyPr/>
+      <a:lstStyle/>
+      <a:p>
+        <a:r>
+          <a:rPr lang="en-GB"/>
+          <a:t>Add a heterogeneity test?</a:t>
+        </a:r>
+      </a:p>
+    </p188:txBody>
+  </p188:cm>
+</p188:cmLst>
 </file>
 
 <file path=ppt/slideLayouts/slideLayout1.xml><?xml version="1.0" encoding="utf-8"?>
@@ -956,7 +1339,7 @@
             <a:fld id="{B61BEF0D-F0BB-DE4B-95CE-6DB70DBA9567}" type="datetimeFigureOut">
               <a:rPr lang="en-US" dirty="0"/>
               <a:pPr/>
-              <a:t>10/11/2023</a:t>
+              <a:t>10/12/2023</a:t>
             </a:fld>
             <a:endParaRPr lang="en-US" dirty="0"/>
           </a:p>
@@ -1204,7 +1587,7 @@
             <a:fld id="{B61BEF0D-F0BB-DE4B-95CE-6DB70DBA9567}" type="datetimeFigureOut">
               <a:rPr lang="en-US" dirty="0"/>
               <a:pPr/>
-              <a:t>10/11/2023</a:t>
+              <a:t>10/12/2023</a:t>
             </a:fld>
             <a:endParaRPr lang="en-US" dirty="0"/>
           </a:p>
@@ -1515,7 +1898,7 @@
             <a:fld id="{B61BEF0D-F0BB-DE4B-95CE-6DB70DBA9567}" type="datetimeFigureOut">
               <a:rPr lang="en-US" dirty="0"/>
               <a:pPr/>
-              <a:t>10/11/2023</a:t>
+              <a:t>10/12/2023</a:t>
             </a:fld>
             <a:endParaRPr lang="en-US" dirty="0"/>
           </a:p>
@@ -1853,7 +2236,7 @@
             <a:fld id="{B61BEF0D-F0BB-DE4B-95CE-6DB70DBA9567}" type="datetimeFigureOut">
               <a:rPr lang="en-US" dirty="0"/>
               <a:pPr/>
-              <a:t>10/11/2023</a:t>
+              <a:t>10/12/2023</a:t>
             </a:fld>
             <a:endParaRPr lang="en-US" dirty="0"/>
           </a:p>
@@ -2164,7 +2547,7 @@
             <a:fld id="{B61BEF0D-F0BB-DE4B-95CE-6DB70DBA9567}" type="datetimeFigureOut">
               <a:rPr lang="en-US" dirty="0"/>
               <a:pPr/>
-              <a:t>10/11/2023</a:t>
+              <a:t>10/12/2023</a:t>
             </a:fld>
             <a:endParaRPr lang="en-US" dirty="0"/>
           </a:p>
@@ -2554,7 +2937,7 @@
             <a:fld id="{B61BEF0D-F0BB-DE4B-95CE-6DB70DBA9567}" type="datetimeFigureOut">
               <a:rPr lang="en-US" dirty="0"/>
               <a:pPr/>
-              <a:t>10/11/2023</a:t>
+              <a:t>10/12/2023</a:t>
             </a:fld>
             <a:endParaRPr lang="en-US" dirty="0"/>
           </a:p>
@@ -2720,7 +3103,7 @@
           <a:p>
             <a:fld id="{55C6B4A9-1611-4792-9094-5F34BCA07E0B}" type="datetimeFigureOut">
               <a:rPr lang="en-US" dirty="0"/>
-              <a:t>10/11/2023</a:t>
+              <a:t>10/12/2023</a:t>
             </a:fld>
             <a:endParaRPr lang="en-US" dirty="0"/>
           </a:p>
@@ -2896,7 +3279,7 @@
             <a:fld id="{B61BEF0D-F0BB-DE4B-95CE-6DB70DBA9567}" type="datetimeFigureOut">
               <a:rPr lang="en-US" dirty="0"/>
               <a:pPr/>
-              <a:t>10/11/2023</a:t>
+              <a:t>10/12/2023</a:t>
             </a:fld>
             <a:endParaRPr lang="en-US" dirty="0"/>
           </a:p>
@@ -3069,7 +3452,7 @@
             <a:fld id="{B61BEF0D-F0BB-DE4B-95CE-6DB70DBA9567}" type="datetimeFigureOut">
               <a:rPr lang="en-US" dirty="0"/>
               <a:pPr/>
-              <a:t>10/11/2023</a:t>
+              <a:t>10/12/2023</a:t>
             </a:fld>
             <a:endParaRPr lang="en-US" dirty="0"/>
           </a:p>
@@ -3313,7 +3696,7 @@
             <a:fld id="{B61BEF0D-F0BB-DE4B-95CE-6DB70DBA9567}" type="datetimeFigureOut">
               <a:rPr lang="en-US" dirty="0"/>
               <a:pPr/>
-              <a:t>10/11/2023</a:t>
+              <a:t>10/12/2023</a:t>
             </a:fld>
             <a:endParaRPr lang="en-US" dirty="0"/>
           </a:p>
@@ -3541,7 +3924,7 @@
           <a:p>
             <a:fld id="{EB712588-04B1-427B-82EE-E8DB90309F08}" type="datetimeFigureOut">
               <a:rPr lang="en-US" dirty="0"/>
-              <a:t>10/11/2023</a:t>
+              <a:t>10/12/2023</a:t>
             </a:fld>
             <a:endParaRPr lang="en-US" dirty="0"/>
           </a:p>
@@ -3911,7 +4294,7 @@
             <a:fld id="{B61BEF0D-F0BB-DE4B-95CE-6DB70DBA9567}" type="datetimeFigureOut">
               <a:rPr lang="en-US" dirty="0"/>
               <a:pPr/>
-              <a:t>10/11/2023</a:t>
+              <a:t>10/12/2023</a:t>
             </a:fld>
             <a:endParaRPr lang="en-US" dirty="0"/>
           </a:p>
@@ -4031,7 +4414,7 @@
             <a:fld id="{B61BEF0D-F0BB-DE4B-95CE-6DB70DBA9567}" type="datetimeFigureOut">
               <a:rPr lang="en-US" dirty="0"/>
               <a:pPr/>
-              <a:t>10/11/2023</a:t>
+              <a:t>10/12/2023</a:t>
             </a:fld>
             <a:endParaRPr lang="en-US" dirty="0"/>
           </a:p>
@@ -4123,7 +4506,7 @@
             <a:fld id="{B61BEF0D-F0BB-DE4B-95CE-6DB70DBA9567}" type="datetimeFigureOut">
               <a:rPr lang="en-US" dirty="0"/>
               <a:pPr/>
-              <a:t>10/11/2023</a:t>
+              <a:t>10/12/2023</a:t>
             </a:fld>
             <a:endParaRPr lang="en-US" dirty="0"/>
           </a:p>
@@ -4374,7 +4757,7 @@
           <a:p>
             <a:fld id="{42A54C80-263E-416B-A8E0-580EDEADCBDC}" type="datetimeFigureOut">
               <a:rPr lang="en-US" dirty="0"/>
-              <a:t>10/11/2023</a:t>
+              <a:t>10/12/2023</a:t>
             </a:fld>
             <a:endParaRPr lang="en-US" dirty="0"/>
           </a:p>
@@ -4633,7 +5016,7 @@
             <a:fld id="{B61BEF0D-F0BB-DE4B-95CE-6DB70DBA9567}" type="datetimeFigureOut">
               <a:rPr lang="en-US" dirty="0"/>
               <a:pPr/>
-              <a:t>10/11/2023</a:t>
+              <a:t>10/12/2023</a:t>
             </a:fld>
             <a:endParaRPr lang="en-US" dirty="0"/>
           </a:p>
@@ -5373,7 +5756,7 @@
             <a:fld id="{B61BEF0D-F0BB-DE4B-95CE-6DB70DBA9567}" type="datetimeFigureOut">
               <a:rPr lang="en-US" dirty="0"/>
               <a:pPr/>
-              <a:t>10/11/2023</a:t>
+              <a:t>10/12/2023</a:t>
             </a:fld>
             <a:endParaRPr lang="en-US" dirty="0"/>
           </a:p>
@@ -6032,65 +6415,134 @@
           <a:lstStyle/>
           <a:p>
             <a:r>
-              <a:rPr lang="en-GB" dirty="0"/>
+              <a:rPr lang="en-GB" dirty="0">
+                <a:solidFill>
+                  <a:schemeClr val="accent5">
+                    <a:lumMod val="60000"/>
+                    <a:lumOff val="40000"/>
+                  </a:schemeClr>
+                </a:solidFill>
+              </a:rPr>
               <a:t>Briefly introduce your Policy Question. You're looking at the Impact of MWs (in what form?) ON  which Y(?)</a:t>
             </a:r>
           </a:p>
           <a:p>
             <a:pPr marL="400050"/>
             <a:r>
-              <a:rPr lang="en-GB" dirty="0"/>
+              <a:rPr lang="en-GB" dirty="0">
+                <a:solidFill>
+                  <a:schemeClr val="accent5">
+                    <a:lumMod val="60000"/>
+                    <a:lumOff val="40000"/>
+                  </a:schemeClr>
+                </a:solidFill>
+              </a:rPr>
               <a:t>Describe and convey the importance of your question succinctly. </a:t>
             </a:r>
           </a:p>
           <a:p>
             <a:pPr marL="400050"/>
             <a:r>
-              <a:rPr lang="en-GB" dirty="0"/>
+              <a:rPr lang="en-GB" dirty="0">
+                <a:solidFill>
+                  <a:schemeClr val="accent5">
+                    <a:lumMod val="60000"/>
+                    <a:lumOff val="40000"/>
+                  </a:schemeClr>
+                </a:solidFill>
+              </a:rPr>
               <a:t>Present your (preliminary) results in a clear and succinct way</a:t>
             </a:r>
           </a:p>
           <a:p>
             <a:pPr marL="400050"/>
             <a:r>
-              <a:rPr lang="en-GB" dirty="0"/>
-              <a:t>Describe the weaknesses and problems in these results (e.g. Measurement problems, omitted variables etc)</a:t>
+              <a:rPr lang="en-GB" dirty="0">
+                <a:solidFill>
+                  <a:schemeClr val="accent5">
+                    <a:lumMod val="60000"/>
+                    <a:lumOff val="40000"/>
+                  </a:schemeClr>
+                </a:solidFill>
+              </a:rPr>
+              <a:t>Describe the weaknesses and problems in these results (e.g., Measurement problems, omitted variables etc)</a:t>
             </a:r>
           </a:p>
           <a:p>
             <a:pPr marL="400050"/>
             <a:r>
-              <a:rPr lang="en-GB" dirty="0"/>
-              <a:t>Justify a plan for  an alternative estimation strategy that can address some of these problems, if you have attempted this, present preliminary results too</a:t>
+              <a:rPr lang="en-GB" dirty="0">
+                <a:solidFill>
+                  <a:schemeClr val="accent5">
+                    <a:lumMod val="60000"/>
+                    <a:lumOff val="40000"/>
+                  </a:schemeClr>
+                </a:solidFill>
+              </a:rPr>
+              <a:t>Justify a plan for an alternative estimation strategy that can address some of these problems, if you have attempted this, present preliminary results too</a:t>
             </a:r>
           </a:p>
           <a:p>
             <a:pPr marL="400050"/>
             <a:r>
-              <a:rPr lang="en-GB" dirty="0"/>
+              <a:rPr lang="en-GB" dirty="0">
+                <a:solidFill>
+                  <a:schemeClr val="accent5">
+                    <a:lumMod val="60000"/>
+                    <a:lumOff val="40000"/>
+                  </a:schemeClr>
+                </a:solidFill>
+              </a:rPr>
               <a:t>Do not worry about the ‘</a:t>
             </a:r>
             <a:r>
-              <a:rPr lang="en-GB" i="1" dirty="0"/>
+              <a:rPr lang="en-GB" i="1" dirty="0">
+                <a:solidFill>
+                  <a:schemeClr val="accent5">
+                    <a:lumMod val="60000"/>
+                    <a:lumOff val="40000"/>
+                  </a:schemeClr>
+                </a:solidFill>
+              </a:rPr>
               <a:t>quality</a:t>
             </a:r>
             <a:r>
-              <a:rPr lang="en-GB" dirty="0"/>
+              <a:rPr lang="en-GB" dirty="0">
+                <a:solidFill>
+                  <a:schemeClr val="accent5">
+                    <a:lumMod val="60000"/>
+                    <a:lumOff val="40000"/>
+                  </a:schemeClr>
+                </a:solidFill>
+              </a:rPr>
               <a:t>’ of your estimate, what matters is the care with which your report your results, </a:t>
             </a:r>
-            <a:endParaRPr lang="en-GB"/>
           </a:p>
           <a:p>
             <a:pPr lvl="1"/>
             <a:r>
-              <a:rPr lang="en-GB" dirty="0"/>
+              <a:rPr lang="en-GB" dirty="0">
+                <a:solidFill>
+                  <a:schemeClr val="accent5">
+                    <a:lumMod val="60000"/>
+                    <a:lumOff val="40000"/>
+                  </a:schemeClr>
+                </a:solidFill>
+              </a:rPr>
               <a:t>if you’re confident a result is good, then tell us so and briefly say why you think that </a:t>
             </a:r>
           </a:p>
           <a:p>
             <a:pPr lvl="1"/>
             <a:r>
-              <a:rPr lang="en-GB" dirty="0"/>
+              <a:rPr lang="en-GB" dirty="0">
+                <a:solidFill>
+                  <a:schemeClr val="accent5">
+                    <a:lumMod val="60000"/>
+                    <a:lumOff val="40000"/>
+                  </a:schemeClr>
+                </a:solidFill>
+              </a:rPr>
               <a:t>if you think the result is weak, or should not be trusted, then state why and be sure not to over-claim it’s importance! </a:t>
             </a:r>
           </a:p>
@@ -6146,7 +6598,7 @@
           <a:p>
             <a:r>
               <a:rPr lang="en-GB" dirty="0"/>
-              <a:t>1. To Recap, My Question is:</a:t>
+              <a:t>To Recap, My Question is:</a:t>
             </a:r>
           </a:p>
         </p:txBody>
@@ -6161,14 +6613,30 @@
             <p:ph idx="1"/>
           </p:nvPr>
         </p:nvSpPr>
-        <p:spPr/>
+        <p:spPr>
+          <a:xfrm>
+            <a:off x="677334" y="1689315"/>
+            <a:ext cx="8596668" cy="4352047"/>
+          </a:xfrm>
+        </p:spPr>
         <p:txBody>
-          <a:bodyPr/>
+          <a:bodyPr>
+            <a:normAutofit/>
+          </a:bodyPr>
           <a:lstStyle/>
           <a:p>
             <a:r>
               <a:rPr lang="en-GB" dirty="0"/>
-              <a:t>My hypothesis is that an increase in the average number of years of education that a citizen receives leads to an increase in a country’s per-capita output-side real GDP in US Dollars.</a:t>
+              <a:t>Does an increase in the average number of years of education lead to an increase in a country’s per-capita output-side real GDP in US Dollars?</a:t>
+            </a:r>
+          </a:p>
+          <a:p>
+            <a:endParaRPr lang="en-GB" dirty="0"/>
+          </a:p>
+          <a:p>
+            <a:r>
+              <a:rPr lang="en-GB" dirty="0"/>
+              <a:t>This question is crucial to policymakers when appraising the economic impact of education policy options, for example potential regulatory changes to the minimum number of years citizens must spend in full-time education.</a:t>
             </a:r>
           </a:p>
           <a:p>
@@ -6186,7 +6654,7 @@
           <a:p>
             <a:r>
               <a:rPr lang="en-GB" dirty="0"/>
-              <a:t>My analysis dataset is a joined combination of World Bank, Barro &amp; Lee, and Penn World Tables data.</a:t>
+              <a:t>My dataset joins data from World Bank, Barro &amp; Lee, and Penn World Tables.</a:t>
             </a:r>
           </a:p>
         </p:txBody>
@@ -6221,6 +6689,2163 @@
           <a:chExt cx="0" cy="0"/>
         </a:xfrm>
       </p:grpSpPr>
+      <p:sp>
+        <p:nvSpPr>
+          <p:cNvPr id="2" name="Title 1"/>
+          <p:cNvSpPr>
+            <a:spLocks noGrp="1"/>
+          </p:cNvSpPr>
+          <p:nvPr>
+            <p:ph type="title"/>
+          </p:nvPr>
+        </p:nvSpPr>
+        <p:spPr/>
+        <p:txBody>
+          <a:bodyPr/>
+          <a:lstStyle/>
+          <a:p>
+            <a:r>
+              <a:rPr lang="en-GB" dirty="0"/>
+              <a:t>Variable Definitions</a:t>
+            </a:r>
+          </a:p>
+        </p:txBody>
+      </p:sp>
+      <p:graphicFrame>
+        <p:nvGraphicFramePr>
+          <p:cNvPr id="6" name="Table 5">
+            <a:extLst>
+              <a:ext uri="{FF2B5EF4-FFF2-40B4-BE49-F238E27FC236}">
+                <a16:creationId xmlns:a16="http://schemas.microsoft.com/office/drawing/2014/main" id="{4BD385BF-C974-2C06-EDB5-D0EE85118A22}"/>
+              </a:ext>
+            </a:extLst>
+          </p:cNvPr>
+          <p:cNvGraphicFramePr>
+            <a:graphicFrameLocks noGrp="1"/>
+          </p:cNvGraphicFramePr>
+          <p:nvPr>
+            <p:extLst>
+              <p:ext uri="{D42A27DB-BD31-4B8C-83A1-F6EECF244321}">
+                <p14:modId xmlns:p14="http://schemas.microsoft.com/office/powerpoint/2010/main" val="937811283"/>
+              </p:ext>
+            </p:extLst>
+          </p:nvPr>
+        </p:nvGraphicFramePr>
+        <p:xfrm>
+          <a:off x="677334" y="1439333"/>
+          <a:ext cx="8064000" cy="4608000"/>
+        </p:xfrm>
+        <a:graphic>
+          <a:graphicData uri="http://schemas.openxmlformats.org/drawingml/2006/table">
+            <a:tbl>
+              <a:tblPr firstRow="1" firstCol="1" bandRow="1">
+                <a:tableStyleId>{5C22544A-7EE6-4342-B048-85BDC9FD1C3A}</a:tableStyleId>
+              </a:tblPr>
+              <a:tblGrid>
+                <a:gridCol w="1152000">
+                  <a:extLst>
+                    <a:ext uri="{9D8B030D-6E8A-4147-A177-3AD203B41FA5}">
+                      <a16:colId xmlns:a16="http://schemas.microsoft.com/office/drawing/2014/main" val="3853643581"/>
+                    </a:ext>
+                  </a:extLst>
+                </a:gridCol>
+                <a:gridCol w="4320000">
+                  <a:extLst>
+                    <a:ext uri="{9D8B030D-6E8A-4147-A177-3AD203B41FA5}">
+                      <a16:colId xmlns:a16="http://schemas.microsoft.com/office/drawing/2014/main" val="2667260702"/>
+                    </a:ext>
+                  </a:extLst>
+                </a:gridCol>
+                <a:gridCol w="936000">
+                  <a:extLst>
+                    <a:ext uri="{9D8B030D-6E8A-4147-A177-3AD203B41FA5}">
+                      <a16:colId xmlns:a16="http://schemas.microsoft.com/office/drawing/2014/main" val="101645085"/>
+                    </a:ext>
+                  </a:extLst>
+                </a:gridCol>
+                <a:gridCol w="1656000">
+                  <a:extLst>
+                    <a:ext uri="{9D8B030D-6E8A-4147-A177-3AD203B41FA5}">
+                      <a16:colId xmlns:a16="http://schemas.microsoft.com/office/drawing/2014/main" val="689910"/>
+                    </a:ext>
+                  </a:extLst>
+                </a:gridCol>
+              </a:tblGrid>
+              <a:tr h="288000">
+                <a:tc>
+                  <a:txBody>
+                    <a:bodyPr/>
+                    <a:lstStyle/>
+                    <a:p>
+                      <a:pPr algn="l">
+                        <a:lnSpc>
+                          <a:spcPct val="107000"/>
+                        </a:lnSpc>
+                        <a:spcAft>
+                          <a:spcPts val="800"/>
+                        </a:spcAft>
+                      </a:pPr>
+                      <a:r>
+                        <a:rPr lang="en-GB" sz="1050" b="0" kern="100" dirty="0">
+                          <a:solidFill>
+                            <a:schemeClr val="tx1">
+                              <a:lumMod val="50000"/>
+                              <a:lumOff val="50000"/>
+                            </a:schemeClr>
+                          </a:solidFill>
+                          <a:effectLst/>
+                        </a:rPr>
+                        <a:t>Variable</a:t>
+                      </a:r>
+                      <a:endParaRPr lang="en-GB" sz="1050" b="0" kern="100" dirty="0">
+                        <a:solidFill>
+                          <a:schemeClr val="tx1">
+                            <a:lumMod val="50000"/>
+                            <a:lumOff val="50000"/>
+                          </a:schemeClr>
+                        </a:solidFill>
+                        <a:effectLst/>
+                        <a:latin typeface="Calibri" panose="020F0502020204030204" pitchFamily="34" charset="0"/>
+                        <a:ea typeface="Calibri" panose="020F0502020204030204" pitchFamily="34" charset="0"/>
+                        <a:cs typeface="Times New Roman" panose="02020603050405020304" pitchFamily="18" charset="0"/>
+                      </a:endParaRPr>
+                    </a:p>
+                  </a:txBody>
+                  <a:tcPr marL="62057" marR="62057" marT="0" marB="0" anchor="ctr">
+                    <a:lnB w="12700" cap="flat" cmpd="sng" algn="ctr">
+                      <a:solidFill>
+                        <a:schemeClr val="tx1"/>
+                      </a:solidFill>
+                      <a:prstDash val="solid"/>
+                      <a:round/>
+                      <a:headEnd type="none" w="med" len="med"/>
+                      <a:tailEnd type="none" w="med" len="med"/>
+                    </a:lnB>
+                    <a:noFill/>
+                  </a:tcPr>
+                </a:tc>
+                <a:tc>
+                  <a:txBody>
+                    <a:bodyPr/>
+                    <a:lstStyle/>
+                    <a:p>
+                      <a:pPr algn="r">
+                        <a:lnSpc>
+                          <a:spcPct val="107000"/>
+                        </a:lnSpc>
+                        <a:spcAft>
+                          <a:spcPts val="800"/>
+                        </a:spcAft>
+                      </a:pPr>
+                      <a:r>
+                        <a:rPr lang="en-GB" sz="1050" b="0" kern="100" dirty="0">
+                          <a:solidFill>
+                            <a:schemeClr val="tx1">
+                              <a:lumMod val="50000"/>
+                              <a:lumOff val="50000"/>
+                            </a:schemeClr>
+                          </a:solidFill>
+                          <a:effectLst/>
+                        </a:rPr>
+                        <a:t>Description</a:t>
+                      </a:r>
+                      <a:endParaRPr lang="en-GB" sz="1050" b="0" kern="100" dirty="0">
+                        <a:solidFill>
+                          <a:schemeClr val="tx1">
+                            <a:lumMod val="50000"/>
+                            <a:lumOff val="50000"/>
+                          </a:schemeClr>
+                        </a:solidFill>
+                        <a:effectLst/>
+                        <a:latin typeface="Calibri" panose="020F0502020204030204" pitchFamily="34" charset="0"/>
+                        <a:ea typeface="Calibri" panose="020F0502020204030204" pitchFamily="34" charset="0"/>
+                        <a:cs typeface="Times New Roman" panose="02020603050405020304" pitchFamily="18" charset="0"/>
+                      </a:endParaRPr>
+                    </a:p>
+                  </a:txBody>
+                  <a:tcPr marL="62057" marR="62057" marT="0" marB="0" anchor="ctr">
+                    <a:lnB w="12700" cap="flat" cmpd="sng" algn="ctr">
+                      <a:solidFill>
+                        <a:schemeClr val="tx1"/>
+                      </a:solidFill>
+                      <a:prstDash val="solid"/>
+                      <a:round/>
+                      <a:headEnd type="none" w="med" len="med"/>
+                      <a:tailEnd type="none" w="med" len="med"/>
+                    </a:lnB>
+                    <a:noFill/>
+                  </a:tcPr>
+                </a:tc>
+                <a:tc>
+                  <a:txBody>
+                    <a:bodyPr/>
+                    <a:lstStyle/>
+                    <a:p>
+                      <a:pPr algn="r">
+                        <a:lnSpc>
+                          <a:spcPct val="107000"/>
+                        </a:lnSpc>
+                        <a:spcAft>
+                          <a:spcPts val="800"/>
+                        </a:spcAft>
+                      </a:pPr>
+                      <a:r>
+                        <a:rPr lang="en-GB" sz="1050" b="0" kern="100" dirty="0">
+                          <a:solidFill>
+                            <a:schemeClr val="tx1">
+                              <a:lumMod val="50000"/>
+                              <a:lumOff val="50000"/>
+                            </a:schemeClr>
+                          </a:solidFill>
+                          <a:effectLst/>
+                        </a:rPr>
+                        <a:t>Units</a:t>
+                      </a:r>
+                      <a:endParaRPr lang="en-GB" sz="1050" b="0" kern="100" dirty="0">
+                        <a:solidFill>
+                          <a:schemeClr val="tx1">
+                            <a:lumMod val="50000"/>
+                            <a:lumOff val="50000"/>
+                          </a:schemeClr>
+                        </a:solidFill>
+                        <a:effectLst/>
+                        <a:latin typeface="Calibri" panose="020F0502020204030204" pitchFamily="34" charset="0"/>
+                        <a:ea typeface="Calibri" panose="020F0502020204030204" pitchFamily="34" charset="0"/>
+                        <a:cs typeface="Times New Roman" panose="02020603050405020304" pitchFamily="18" charset="0"/>
+                      </a:endParaRPr>
+                    </a:p>
+                  </a:txBody>
+                  <a:tcPr marL="62057" marR="62057" marT="0" marB="0" anchor="ctr">
+                    <a:lnB w="12700" cap="flat" cmpd="sng" algn="ctr">
+                      <a:solidFill>
+                        <a:schemeClr val="tx1"/>
+                      </a:solidFill>
+                      <a:prstDash val="solid"/>
+                      <a:round/>
+                      <a:headEnd type="none" w="med" len="med"/>
+                      <a:tailEnd type="none" w="med" len="med"/>
+                    </a:lnB>
+                    <a:noFill/>
+                  </a:tcPr>
+                </a:tc>
+                <a:tc>
+                  <a:txBody>
+                    <a:bodyPr/>
+                    <a:lstStyle/>
+                    <a:p>
+                      <a:pPr algn="r">
+                        <a:lnSpc>
+                          <a:spcPct val="107000"/>
+                        </a:lnSpc>
+                        <a:spcAft>
+                          <a:spcPts val="800"/>
+                        </a:spcAft>
+                      </a:pPr>
+                      <a:r>
+                        <a:rPr lang="en-GB" sz="1050" b="0" kern="100" dirty="0">
+                          <a:solidFill>
+                            <a:schemeClr val="tx1">
+                              <a:lumMod val="50000"/>
+                              <a:lumOff val="50000"/>
+                            </a:schemeClr>
+                          </a:solidFill>
+                          <a:effectLst/>
+                        </a:rPr>
+                        <a:t>Source</a:t>
+                      </a:r>
+                      <a:endParaRPr lang="en-GB" sz="1050" b="0" kern="100" dirty="0">
+                        <a:solidFill>
+                          <a:schemeClr val="tx1">
+                            <a:lumMod val="50000"/>
+                            <a:lumOff val="50000"/>
+                          </a:schemeClr>
+                        </a:solidFill>
+                        <a:effectLst/>
+                        <a:latin typeface="Calibri" panose="020F0502020204030204" pitchFamily="34" charset="0"/>
+                        <a:ea typeface="Calibri" panose="020F0502020204030204" pitchFamily="34" charset="0"/>
+                        <a:cs typeface="Times New Roman" panose="02020603050405020304" pitchFamily="18" charset="0"/>
+                      </a:endParaRPr>
+                    </a:p>
+                  </a:txBody>
+                  <a:tcPr marL="62057" marR="62057" marT="0" marB="0" anchor="ctr">
+                    <a:lnB w="12700" cap="flat" cmpd="sng" algn="ctr">
+                      <a:solidFill>
+                        <a:schemeClr val="tx1"/>
+                      </a:solidFill>
+                      <a:prstDash val="solid"/>
+                      <a:round/>
+                      <a:headEnd type="none" w="med" len="med"/>
+                      <a:tailEnd type="none" w="med" len="med"/>
+                    </a:lnB>
+                    <a:noFill/>
+                  </a:tcPr>
+                </a:tc>
+                <a:extLst>
+                  <a:ext uri="{0D108BD9-81ED-4DB2-BD59-A6C34878D82A}">
+                    <a16:rowId xmlns:a16="http://schemas.microsoft.com/office/drawing/2014/main" val="1334945956"/>
+                  </a:ext>
+                </a:extLst>
+              </a:tr>
+              <a:tr h="432000">
+                <a:tc>
+                  <a:txBody>
+                    <a:bodyPr/>
+                    <a:lstStyle/>
+                    <a:p>
+                      <a:pPr algn="l">
+                        <a:lnSpc>
+                          <a:spcPct val="107000"/>
+                        </a:lnSpc>
+                        <a:spcAft>
+                          <a:spcPts val="800"/>
+                        </a:spcAft>
+                      </a:pPr>
+                      <a:r>
+                        <a:rPr lang="en-GB" sz="1050" b="0" kern="100" dirty="0">
+                          <a:solidFill>
+                            <a:schemeClr val="tx1">
+                              <a:lumMod val="50000"/>
+                              <a:lumOff val="50000"/>
+                            </a:schemeClr>
+                          </a:solidFill>
+                          <a:effectLst/>
+                        </a:rPr>
+                        <a:t>rgdpo.pop</a:t>
+                      </a:r>
+                      <a:endParaRPr lang="en-GB" sz="1050" b="0" kern="100" dirty="0">
+                        <a:solidFill>
+                          <a:schemeClr val="tx1">
+                            <a:lumMod val="50000"/>
+                            <a:lumOff val="50000"/>
+                          </a:schemeClr>
+                        </a:solidFill>
+                        <a:effectLst/>
+                        <a:latin typeface="Calibri" panose="020F0502020204030204" pitchFamily="34" charset="0"/>
+                        <a:ea typeface="Calibri" panose="020F0502020204030204" pitchFamily="34" charset="0"/>
+                        <a:cs typeface="Times New Roman" panose="02020603050405020304" pitchFamily="18" charset="0"/>
+                      </a:endParaRPr>
+                    </a:p>
+                  </a:txBody>
+                  <a:tcPr marL="62057" marR="62057" marT="0" marB="0" anchor="ctr">
+                    <a:lnT w="12700" cap="flat" cmpd="sng" algn="ctr">
+                      <a:solidFill>
+                        <a:schemeClr val="tx1"/>
+                      </a:solidFill>
+                      <a:prstDash val="solid"/>
+                      <a:round/>
+                      <a:headEnd type="none" w="med" len="med"/>
+                      <a:tailEnd type="none" w="med" len="med"/>
+                    </a:lnT>
+                    <a:noFill/>
+                  </a:tcPr>
+                </a:tc>
+                <a:tc>
+                  <a:txBody>
+                    <a:bodyPr/>
+                    <a:lstStyle/>
+                    <a:p>
+                      <a:pPr algn="r">
+                        <a:lnSpc>
+                          <a:spcPct val="107000"/>
+                        </a:lnSpc>
+                        <a:spcAft>
+                          <a:spcPts val="800"/>
+                        </a:spcAft>
+                      </a:pPr>
+                      <a:r>
+                        <a:rPr lang="en-GB" sz="1050" b="0" kern="100" dirty="0">
+                          <a:solidFill>
+                            <a:schemeClr val="tx1">
+                              <a:lumMod val="50000"/>
+                              <a:lumOff val="50000"/>
+                            </a:schemeClr>
+                          </a:solidFill>
+                          <a:effectLst/>
+                        </a:rPr>
+                        <a:t>Real GDP Output per Capita</a:t>
+                      </a:r>
+                      <a:endParaRPr lang="en-GB" sz="1050" b="0" kern="100" dirty="0">
+                        <a:solidFill>
+                          <a:schemeClr val="tx1">
+                            <a:lumMod val="50000"/>
+                            <a:lumOff val="50000"/>
+                          </a:schemeClr>
+                        </a:solidFill>
+                        <a:effectLst/>
+                        <a:latin typeface="Calibri" panose="020F0502020204030204" pitchFamily="34" charset="0"/>
+                        <a:ea typeface="Calibri" panose="020F0502020204030204" pitchFamily="34" charset="0"/>
+                        <a:cs typeface="Times New Roman" panose="02020603050405020304" pitchFamily="18" charset="0"/>
+                      </a:endParaRPr>
+                    </a:p>
+                  </a:txBody>
+                  <a:tcPr marL="62057" marR="62057" marT="0" marB="0" anchor="ctr">
+                    <a:lnT w="12700" cap="flat" cmpd="sng" algn="ctr">
+                      <a:solidFill>
+                        <a:schemeClr val="tx1"/>
+                      </a:solidFill>
+                      <a:prstDash val="solid"/>
+                      <a:round/>
+                      <a:headEnd type="none" w="med" len="med"/>
+                      <a:tailEnd type="none" w="med" len="med"/>
+                    </a:lnT>
+                    <a:noFill/>
+                  </a:tcPr>
+                </a:tc>
+                <a:tc>
+                  <a:txBody>
+                    <a:bodyPr/>
+                    <a:lstStyle/>
+                    <a:p>
+                      <a:pPr algn="r">
+                        <a:lnSpc>
+                          <a:spcPct val="107000"/>
+                        </a:lnSpc>
+                        <a:spcAft>
+                          <a:spcPts val="800"/>
+                        </a:spcAft>
+                      </a:pPr>
+                      <a:r>
+                        <a:rPr lang="en-GB" sz="1050" b="0" kern="100" dirty="0">
+                          <a:solidFill>
+                            <a:schemeClr val="tx1">
+                              <a:lumMod val="50000"/>
+                              <a:lumOff val="50000"/>
+                            </a:schemeClr>
+                          </a:solidFill>
+                          <a:effectLst/>
+                        </a:rPr>
+                        <a:t>2017 US$</a:t>
+                      </a:r>
+                      <a:endParaRPr lang="en-GB" sz="1050" b="0" kern="100" dirty="0">
+                        <a:solidFill>
+                          <a:schemeClr val="tx1">
+                            <a:lumMod val="50000"/>
+                            <a:lumOff val="50000"/>
+                          </a:schemeClr>
+                        </a:solidFill>
+                        <a:effectLst/>
+                        <a:latin typeface="Calibri" panose="020F0502020204030204" pitchFamily="34" charset="0"/>
+                        <a:ea typeface="Calibri" panose="020F0502020204030204" pitchFamily="34" charset="0"/>
+                        <a:cs typeface="Times New Roman" panose="02020603050405020304" pitchFamily="18" charset="0"/>
+                      </a:endParaRPr>
+                    </a:p>
+                  </a:txBody>
+                  <a:tcPr marL="62057" marR="62057" marT="0" marB="0" anchor="ctr">
+                    <a:lnT w="12700" cap="flat" cmpd="sng" algn="ctr">
+                      <a:solidFill>
+                        <a:schemeClr val="tx1"/>
+                      </a:solidFill>
+                      <a:prstDash val="solid"/>
+                      <a:round/>
+                      <a:headEnd type="none" w="med" len="med"/>
+                      <a:tailEnd type="none" w="med" len="med"/>
+                    </a:lnT>
+                    <a:noFill/>
+                  </a:tcPr>
+                </a:tc>
+                <a:tc>
+                  <a:txBody>
+                    <a:bodyPr/>
+                    <a:lstStyle/>
+                    <a:p>
+                      <a:pPr algn="r">
+                        <a:lnSpc>
+                          <a:spcPct val="107000"/>
+                        </a:lnSpc>
+                        <a:spcAft>
+                          <a:spcPts val="800"/>
+                        </a:spcAft>
+                      </a:pPr>
+                      <a:r>
+                        <a:rPr lang="en-GB" sz="1050" b="0" kern="100" dirty="0">
+                          <a:solidFill>
+                            <a:schemeClr val="tx1">
+                              <a:lumMod val="50000"/>
+                              <a:lumOff val="50000"/>
+                            </a:schemeClr>
+                          </a:solidFill>
+                          <a:effectLst/>
+                        </a:rPr>
+                        <a:t>Penn World Tables 10.01</a:t>
+                      </a:r>
+                      <a:endParaRPr lang="en-GB" sz="1050" b="0" kern="100" dirty="0">
+                        <a:solidFill>
+                          <a:schemeClr val="tx1">
+                            <a:lumMod val="50000"/>
+                            <a:lumOff val="50000"/>
+                          </a:schemeClr>
+                        </a:solidFill>
+                        <a:effectLst/>
+                        <a:latin typeface="Calibri" panose="020F0502020204030204" pitchFamily="34" charset="0"/>
+                        <a:ea typeface="Calibri" panose="020F0502020204030204" pitchFamily="34" charset="0"/>
+                        <a:cs typeface="Times New Roman" panose="02020603050405020304" pitchFamily="18" charset="0"/>
+                      </a:endParaRPr>
+                    </a:p>
+                  </a:txBody>
+                  <a:tcPr marL="62057" marR="62057" marT="0" marB="0" anchor="ctr">
+                    <a:lnT w="12700" cap="flat" cmpd="sng" algn="ctr">
+                      <a:solidFill>
+                        <a:schemeClr val="tx1"/>
+                      </a:solidFill>
+                      <a:prstDash val="solid"/>
+                      <a:round/>
+                      <a:headEnd type="none" w="med" len="med"/>
+                      <a:tailEnd type="none" w="med" len="med"/>
+                    </a:lnT>
+                    <a:noFill/>
+                  </a:tcPr>
+                </a:tc>
+                <a:extLst>
+                  <a:ext uri="{0D108BD9-81ED-4DB2-BD59-A6C34878D82A}">
+                    <a16:rowId xmlns:a16="http://schemas.microsoft.com/office/drawing/2014/main" val="1328026606"/>
+                  </a:ext>
+                </a:extLst>
+              </a:tr>
+              <a:tr h="432000">
+                <a:tc>
+                  <a:txBody>
+                    <a:bodyPr/>
+                    <a:lstStyle/>
+                    <a:p>
+                      <a:pPr algn="l">
+                        <a:lnSpc>
+                          <a:spcPct val="107000"/>
+                        </a:lnSpc>
+                        <a:spcAft>
+                          <a:spcPts val="800"/>
+                        </a:spcAft>
+                      </a:pPr>
+                      <a:r>
+                        <a:rPr lang="en-GB" sz="1050" b="0" kern="100" dirty="0">
+                          <a:solidFill>
+                            <a:schemeClr val="tx1">
+                              <a:lumMod val="50000"/>
+                              <a:lumOff val="50000"/>
+                            </a:schemeClr>
+                          </a:solidFill>
+                          <a:effectLst/>
+                        </a:rPr>
+                        <a:t>log.rgdpo.pop</a:t>
+                      </a:r>
+                      <a:endParaRPr lang="en-GB" sz="1050" b="0" kern="100" dirty="0">
+                        <a:solidFill>
+                          <a:schemeClr val="tx1">
+                            <a:lumMod val="50000"/>
+                            <a:lumOff val="50000"/>
+                          </a:schemeClr>
+                        </a:solidFill>
+                        <a:effectLst/>
+                        <a:latin typeface="Calibri" panose="020F0502020204030204" pitchFamily="34" charset="0"/>
+                        <a:ea typeface="Calibri" panose="020F0502020204030204" pitchFamily="34" charset="0"/>
+                        <a:cs typeface="Times New Roman" panose="02020603050405020304" pitchFamily="18" charset="0"/>
+                      </a:endParaRPr>
+                    </a:p>
+                  </a:txBody>
+                  <a:tcPr marL="62057" marR="62057" marT="0" marB="0" anchor="ctr">
+                    <a:noFill/>
+                  </a:tcPr>
+                </a:tc>
+                <a:tc>
+                  <a:txBody>
+                    <a:bodyPr/>
+                    <a:lstStyle/>
+                    <a:p>
+                      <a:pPr algn="r">
+                        <a:lnSpc>
+                          <a:spcPct val="107000"/>
+                        </a:lnSpc>
+                        <a:spcAft>
+                          <a:spcPts val="800"/>
+                        </a:spcAft>
+                      </a:pPr>
+                      <a:r>
+                        <a:rPr lang="en-GB" sz="1050" b="0" kern="100" dirty="0">
+                          <a:solidFill>
+                            <a:schemeClr val="tx1">
+                              <a:lumMod val="50000"/>
+                              <a:lumOff val="50000"/>
+                            </a:schemeClr>
+                          </a:solidFill>
+                          <a:effectLst/>
+                        </a:rPr>
+                        <a:t>Natural log of real GDP output per capita</a:t>
+                      </a:r>
+                      <a:endParaRPr lang="en-GB" sz="1050" b="0" kern="100" dirty="0">
+                        <a:solidFill>
+                          <a:schemeClr val="tx1">
+                            <a:lumMod val="50000"/>
+                            <a:lumOff val="50000"/>
+                          </a:schemeClr>
+                        </a:solidFill>
+                        <a:effectLst/>
+                        <a:latin typeface="Calibri" panose="020F0502020204030204" pitchFamily="34" charset="0"/>
+                        <a:ea typeface="Calibri" panose="020F0502020204030204" pitchFamily="34" charset="0"/>
+                        <a:cs typeface="Times New Roman" panose="02020603050405020304" pitchFamily="18" charset="0"/>
+                      </a:endParaRPr>
+                    </a:p>
+                  </a:txBody>
+                  <a:tcPr marL="62057" marR="62057" marT="0" marB="0" anchor="ctr">
+                    <a:noFill/>
+                  </a:tcPr>
+                </a:tc>
+                <a:tc>
+                  <a:txBody>
+                    <a:bodyPr/>
+                    <a:lstStyle/>
+                    <a:p>
+                      <a:pPr algn="r">
+                        <a:lnSpc>
+                          <a:spcPct val="107000"/>
+                        </a:lnSpc>
+                        <a:spcAft>
+                          <a:spcPts val="800"/>
+                        </a:spcAft>
+                      </a:pPr>
+                      <a:r>
+                        <a:rPr lang="en-GB" sz="1050" b="0" kern="100" dirty="0">
+                          <a:solidFill>
+                            <a:schemeClr val="tx1">
+                              <a:lumMod val="50000"/>
+                              <a:lumOff val="50000"/>
+                            </a:schemeClr>
+                          </a:solidFill>
+                          <a:effectLst/>
+                        </a:rPr>
+                        <a:t>2017 US$</a:t>
+                      </a:r>
+                      <a:endParaRPr lang="en-GB" sz="1050" b="0" kern="100" dirty="0">
+                        <a:solidFill>
+                          <a:schemeClr val="tx1">
+                            <a:lumMod val="50000"/>
+                            <a:lumOff val="50000"/>
+                          </a:schemeClr>
+                        </a:solidFill>
+                        <a:effectLst/>
+                        <a:latin typeface="Calibri" panose="020F0502020204030204" pitchFamily="34" charset="0"/>
+                        <a:ea typeface="Calibri" panose="020F0502020204030204" pitchFamily="34" charset="0"/>
+                        <a:cs typeface="Times New Roman" panose="02020603050405020304" pitchFamily="18" charset="0"/>
+                      </a:endParaRPr>
+                    </a:p>
+                  </a:txBody>
+                  <a:tcPr marL="62057" marR="62057" marT="0" marB="0" anchor="ctr">
+                    <a:noFill/>
+                  </a:tcPr>
+                </a:tc>
+                <a:tc>
+                  <a:txBody>
+                    <a:bodyPr/>
+                    <a:lstStyle/>
+                    <a:p>
+                      <a:pPr algn="r">
+                        <a:lnSpc>
+                          <a:spcPct val="107000"/>
+                        </a:lnSpc>
+                        <a:spcAft>
+                          <a:spcPts val="800"/>
+                        </a:spcAft>
+                      </a:pPr>
+                      <a:r>
+                        <a:rPr lang="en-GB" sz="1050" b="0" kern="100" dirty="0">
+                          <a:solidFill>
+                            <a:schemeClr val="tx1">
+                              <a:lumMod val="50000"/>
+                              <a:lumOff val="50000"/>
+                            </a:schemeClr>
+                          </a:solidFill>
+                          <a:effectLst/>
+                        </a:rPr>
+                        <a:t>Penn World Tables 10.01</a:t>
+                      </a:r>
+                      <a:endParaRPr lang="en-GB" sz="1050" b="0" kern="100" dirty="0">
+                        <a:solidFill>
+                          <a:schemeClr val="tx1">
+                            <a:lumMod val="50000"/>
+                            <a:lumOff val="50000"/>
+                          </a:schemeClr>
+                        </a:solidFill>
+                        <a:effectLst/>
+                        <a:latin typeface="Calibri" panose="020F0502020204030204" pitchFamily="34" charset="0"/>
+                        <a:ea typeface="Calibri" panose="020F0502020204030204" pitchFamily="34" charset="0"/>
+                        <a:cs typeface="Times New Roman" panose="02020603050405020304" pitchFamily="18" charset="0"/>
+                      </a:endParaRPr>
+                    </a:p>
+                  </a:txBody>
+                  <a:tcPr marL="62057" marR="62057" marT="0" marB="0" anchor="ctr">
+                    <a:noFill/>
+                  </a:tcPr>
+                </a:tc>
+                <a:extLst>
+                  <a:ext uri="{0D108BD9-81ED-4DB2-BD59-A6C34878D82A}">
+                    <a16:rowId xmlns:a16="http://schemas.microsoft.com/office/drawing/2014/main" val="3884292777"/>
+                  </a:ext>
+                </a:extLst>
+              </a:tr>
+              <a:tr h="432000">
+                <a:tc>
+                  <a:txBody>
+                    <a:bodyPr/>
+                    <a:lstStyle/>
+                    <a:p>
+                      <a:pPr algn="l">
+                        <a:lnSpc>
+                          <a:spcPct val="107000"/>
+                        </a:lnSpc>
+                        <a:spcAft>
+                          <a:spcPts val="800"/>
+                        </a:spcAft>
+                      </a:pPr>
+                      <a:r>
+                        <a:rPr lang="en-GB" sz="1050" b="0" kern="100" dirty="0">
+                          <a:solidFill>
+                            <a:schemeClr val="tx1">
+                              <a:lumMod val="50000"/>
+                              <a:lumOff val="50000"/>
+                            </a:schemeClr>
+                          </a:solidFill>
+                          <a:effectLst/>
+                        </a:rPr>
+                        <a:t>year_orig</a:t>
+                      </a:r>
+                      <a:endParaRPr lang="en-GB" sz="1050" b="0" kern="100" dirty="0">
+                        <a:solidFill>
+                          <a:schemeClr val="tx1">
+                            <a:lumMod val="50000"/>
+                            <a:lumOff val="50000"/>
+                          </a:schemeClr>
+                        </a:solidFill>
+                        <a:effectLst/>
+                        <a:latin typeface="Calibri" panose="020F0502020204030204" pitchFamily="34" charset="0"/>
+                        <a:ea typeface="Calibri" panose="020F0502020204030204" pitchFamily="34" charset="0"/>
+                        <a:cs typeface="Times New Roman" panose="02020603050405020304" pitchFamily="18" charset="0"/>
+                      </a:endParaRPr>
+                    </a:p>
+                  </a:txBody>
+                  <a:tcPr marL="62057" marR="62057" marT="0" marB="0" anchor="ctr">
+                    <a:noFill/>
+                  </a:tcPr>
+                </a:tc>
+                <a:tc>
+                  <a:txBody>
+                    <a:bodyPr/>
+                    <a:lstStyle/>
+                    <a:p>
+                      <a:pPr algn="r">
+                        <a:lnSpc>
+                          <a:spcPct val="107000"/>
+                        </a:lnSpc>
+                        <a:spcAft>
+                          <a:spcPts val="800"/>
+                        </a:spcAft>
+                      </a:pPr>
+                      <a:r>
+                        <a:rPr lang="en-GB" sz="1050" b="0" kern="100" dirty="0">
+                          <a:solidFill>
+                            <a:schemeClr val="tx1">
+                              <a:lumMod val="50000"/>
+                              <a:lumOff val="50000"/>
+                            </a:schemeClr>
+                          </a:solidFill>
+                          <a:effectLst/>
+                        </a:rPr>
+                        <a:t>Years since 1970</a:t>
+                      </a:r>
+                      <a:endParaRPr lang="en-GB" sz="1050" b="0" kern="100" dirty="0">
+                        <a:solidFill>
+                          <a:schemeClr val="tx1">
+                            <a:lumMod val="50000"/>
+                            <a:lumOff val="50000"/>
+                          </a:schemeClr>
+                        </a:solidFill>
+                        <a:effectLst/>
+                        <a:latin typeface="Calibri" panose="020F0502020204030204" pitchFamily="34" charset="0"/>
+                        <a:ea typeface="Calibri" panose="020F0502020204030204" pitchFamily="34" charset="0"/>
+                        <a:cs typeface="Times New Roman" panose="02020603050405020304" pitchFamily="18" charset="0"/>
+                      </a:endParaRPr>
+                    </a:p>
+                  </a:txBody>
+                  <a:tcPr marL="62057" marR="62057" marT="0" marB="0" anchor="ctr">
+                    <a:noFill/>
+                  </a:tcPr>
+                </a:tc>
+                <a:tc>
+                  <a:txBody>
+                    <a:bodyPr/>
+                    <a:lstStyle/>
+                    <a:p>
+                      <a:pPr algn="r">
+                        <a:lnSpc>
+                          <a:spcPct val="107000"/>
+                        </a:lnSpc>
+                        <a:spcAft>
+                          <a:spcPts val="800"/>
+                        </a:spcAft>
+                      </a:pPr>
+                      <a:r>
+                        <a:rPr lang="en-GB" sz="1050" b="0" kern="100">
+                          <a:solidFill>
+                            <a:schemeClr val="tx1">
+                              <a:lumMod val="50000"/>
+                              <a:lumOff val="50000"/>
+                            </a:schemeClr>
+                          </a:solidFill>
+                          <a:effectLst/>
+                        </a:rPr>
+                        <a:t>Years</a:t>
+                      </a:r>
+                      <a:endParaRPr lang="en-GB" sz="1050" b="0" kern="100">
+                        <a:solidFill>
+                          <a:schemeClr val="tx1">
+                            <a:lumMod val="50000"/>
+                            <a:lumOff val="50000"/>
+                          </a:schemeClr>
+                        </a:solidFill>
+                        <a:effectLst/>
+                        <a:latin typeface="Calibri" panose="020F0502020204030204" pitchFamily="34" charset="0"/>
+                        <a:ea typeface="Calibri" panose="020F0502020204030204" pitchFamily="34" charset="0"/>
+                        <a:cs typeface="Times New Roman" panose="02020603050405020304" pitchFamily="18" charset="0"/>
+                      </a:endParaRPr>
+                    </a:p>
+                  </a:txBody>
+                  <a:tcPr marL="62057" marR="62057" marT="0" marB="0" anchor="ctr">
+                    <a:noFill/>
+                  </a:tcPr>
+                </a:tc>
+                <a:tc>
+                  <a:txBody>
+                    <a:bodyPr/>
+                    <a:lstStyle/>
+                    <a:p>
+                      <a:pPr algn="r">
+                        <a:lnSpc>
+                          <a:spcPct val="107000"/>
+                        </a:lnSpc>
+                        <a:spcAft>
+                          <a:spcPts val="800"/>
+                        </a:spcAft>
+                      </a:pPr>
+                      <a:r>
+                        <a:rPr lang="en-GB" sz="1050" b="0" kern="100" dirty="0">
+                          <a:solidFill>
+                            <a:schemeClr val="tx1">
+                              <a:lumMod val="50000"/>
+                              <a:lumOff val="50000"/>
+                            </a:schemeClr>
+                          </a:solidFill>
+                          <a:effectLst/>
+                        </a:rPr>
+                        <a:t>Penn World Tables 10.01</a:t>
+                      </a:r>
+                      <a:endParaRPr lang="en-GB" sz="1050" b="0" kern="100" dirty="0">
+                        <a:solidFill>
+                          <a:schemeClr val="tx1">
+                            <a:lumMod val="50000"/>
+                            <a:lumOff val="50000"/>
+                          </a:schemeClr>
+                        </a:solidFill>
+                        <a:effectLst/>
+                        <a:latin typeface="Calibri" panose="020F0502020204030204" pitchFamily="34" charset="0"/>
+                        <a:ea typeface="Calibri" panose="020F0502020204030204" pitchFamily="34" charset="0"/>
+                        <a:cs typeface="Times New Roman" panose="02020603050405020304" pitchFamily="18" charset="0"/>
+                      </a:endParaRPr>
+                    </a:p>
+                  </a:txBody>
+                  <a:tcPr marL="62057" marR="62057" marT="0" marB="0" anchor="ctr">
+                    <a:noFill/>
+                  </a:tcPr>
+                </a:tc>
+                <a:extLst>
+                  <a:ext uri="{0D108BD9-81ED-4DB2-BD59-A6C34878D82A}">
+                    <a16:rowId xmlns:a16="http://schemas.microsoft.com/office/drawing/2014/main" val="2727694824"/>
+                  </a:ext>
+                </a:extLst>
+              </a:tr>
+              <a:tr h="432000">
+                <a:tc>
+                  <a:txBody>
+                    <a:bodyPr/>
+                    <a:lstStyle/>
+                    <a:p>
+                      <a:pPr algn="l">
+                        <a:lnSpc>
+                          <a:spcPct val="107000"/>
+                        </a:lnSpc>
+                        <a:spcAft>
+                          <a:spcPts val="800"/>
+                        </a:spcAft>
+                      </a:pPr>
+                      <a:r>
+                        <a:rPr lang="en-GB" sz="1050" b="0" kern="100">
+                          <a:solidFill>
+                            <a:schemeClr val="tx1">
+                              <a:lumMod val="50000"/>
+                              <a:lumOff val="50000"/>
+                            </a:schemeClr>
+                          </a:solidFill>
+                          <a:effectLst/>
+                        </a:rPr>
+                        <a:t>yrs_sch</a:t>
+                      </a:r>
+                      <a:endParaRPr lang="en-GB" sz="1050" b="0" kern="100">
+                        <a:solidFill>
+                          <a:schemeClr val="tx1">
+                            <a:lumMod val="50000"/>
+                            <a:lumOff val="50000"/>
+                          </a:schemeClr>
+                        </a:solidFill>
+                        <a:effectLst/>
+                        <a:latin typeface="Calibri" panose="020F0502020204030204" pitchFamily="34" charset="0"/>
+                        <a:ea typeface="Calibri" panose="020F0502020204030204" pitchFamily="34" charset="0"/>
+                        <a:cs typeface="Times New Roman" panose="02020603050405020304" pitchFamily="18" charset="0"/>
+                      </a:endParaRPr>
+                    </a:p>
+                  </a:txBody>
+                  <a:tcPr marL="62057" marR="62057" marT="0" marB="0" anchor="ctr">
+                    <a:noFill/>
+                  </a:tcPr>
+                </a:tc>
+                <a:tc>
+                  <a:txBody>
+                    <a:bodyPr/>
+                    <a:lstStyle/>
+                    <a:p>
+                      <a:pPr algn="r">
+                        <a:lnSpc>
+                          <a:spcPct val="107000"/>
+                        </a:lnSpc>
+                        <a:spcAft>
+                          <a:spcPts val="800"/>
+                        </a:spcAft>
+                      </a:pPr>
+                      <a:r>
+                        <a:rPr lang="en-GB" sz="1050" b="0" kern="100" dirty="0">
+                          <a:solidFill>
+                            <a:schemeClr val="tx1">
+                              <a:lumMod val="50000"/>
+                              <a:lumOff val="50000"/>
+                            </a:schemeClr>
+                          </a:solidFill>
+                          <a:effectLst/>
+                        </a:rPr>
+                        <a:t>Average number of years of education</a:t>
+                      </a:r>
+                      <a:endParaRPr lang="en-GB" sz="1050" b="0" kern="100" dirty="0">
+                        <a:solidFill>
+                          <a:schemeClr val="tx1">
+                            <a:lumMod val="50000"/>
+                            <a:lumOff val="50000"/>
+                          </a:schemeClr>
+                        </a:solidFill>
+                        <a:effectLst/>
+                        <a:latin typeface="Calibri" panose="020F0502020204030204" pitchFamily="34" charset="0"/>
+                        <a:ea typeface="Calibri" panose="020F0502020204030204" pitchFamily="34" charset="0"/>
+                        <a:cs typeface="Times New Roman" panose="02020603050405020304" pitchFamily="18" charset="0"/>
+                      </a:endParaRPr>
+                    </a:p>
+                  </a:txBody>
+                  <a:tcPr marL="62057" marR="62057" marT="0" marB="0" anchor="ctr">
+                    <a:noFill/>
+                  </a:tcPr>
+                </a:tc>
+                <a:tc>
+                  <a:txBody>
+                    <a:bodyPr/>
+                    <a:lstStyle/>
+                    <a:p>
+                      <a:pPr algn="r">
+                        <a:lnSpc>
+                          <a:spcPct val="107000"/>
+                        </a:lnSpc>
+                        <a:spcAft>
+                          <a:spcPts val="800"/>
+                        </a:spcAft>
+                      </a:pPr>
+                      <a:r>
+                        <a:rPr lang="en-GB" sz="1050" b="0" kern="100" dirty="0">
+                          <a:solidFill>
+                            <a:schemeClr val="tx1">
+                              <a:lumMod val="50000"/>
+                              <a:lumOff val="50000"/>
+                            </a:schemeClr>
+                          </a:solidFill>
+                          <a:effectLst/>
+                        </a:rPr>
+                        <a:t>Years</a:t>
+                      </a:r>
+                      <a:endParaRPr lang="en-GB" sz="1050" b="0" kern="100" dirty="0">
+                        <a:solidFill>
+                          <a:schemeClr val="tx1">
+                            <a:lumMod val="50000"/>
+                            <a:lumOff val="50000"/>
+                          </a:schemeClr>
+                        </a:solidFill>
+                        <a:effectLst/>
+                        <a:latin typeface="Calibri" panose="020F0502020204030204" pitchFamily="34" charset="0"/>
+                        <a:ea typeface="Calibri" panose="020F0502020204030204" pitchFamily="34" charset="0"/>
+                        <a:cs typeface="Times New Roman" panose="02020603050405020304" pitchFamily="18" charset="0"/>
+                      </a:endParaRPr>
+                    </a:p>
+                  </a:txBody>
+                  <a:tcPr marL="62057" marR="62057" marT="0" marB="0" anchor="ctr">
+                    <a:noFill/>
+                  </a:tcPr>
+                </a:tc>
+                <a:tc>
+                  <a:txBody>
+                    <a:bodyPr/>
+                    <a:lstStyle/>
+                    <a:p>
+                      <a:pPr algn="r">
+                        <a:lnSpc>
+                          <a:spcPct val="107000"/>
+                        </a:lnSpc>
+                        <a:spcAft>
+                          <a:spcPts val="800"/>
+                        </a:spcAft>
+                      </a:pPr>
+                      <a:r>
+                        <a:rPr lang="en-GB" sz="1050" b="0" kern="100" dirty="0">
+                          <a:solidFill>
+                            <a:schemeClr val="tx1">
+                              <a:lumMod val="50000"/>
+                              <a:lumOff val="50000"/>
+                            </a:schemeClr>
+                          </a:solidFill>
+                          <a:effectLst/>
+                        </a:rPr>
+                        <a:t>Barro &amp; Lee</a:t>
+                      </a:r>
+                      <a:endParaRPr lang="en-GB" sz="1050" b="0" kern="100" dirty="0">
+                        <a:solidFill>
+                          <a:schemeClr val="tx1">
+                            <a:lumMod val="50000"/>
+                            <a:lumOff val="50000"/>
+                          </a:schemeClr>
+                        </a:solidFill>
+                        <a:effectLst/>
+                        <a:latin typeface="Calibri" panose="020F0502020204030204" pitchFamily="34" charset="0"/>
+                        <a:ea typeface="Calibri" panose="020F0502020204030204" pitchFamily="34" charset="0"/>
+                        <a:cs typeface="Times New Roman" panose="02020603050405020304" pitchFamily="18" charset="0"/>
+                      </a:endParaRPr>
+                    </a:p>
+                  </a:txBody>
+                  <a:tcPr marL="62057" marR="62057" marT="0" marB="0" anchor="ctr">
+                    <a:noFill/>
+                  </a:tcPr>
+                </a:tc>
+                <a:extLst>
+                  <a:ext uri="{0D108BD9-81ED-4DB2-BD59-A6C34878D82A}">
+                    <a16:rowId xmlns:a16="http://schemas.microsoft.com/office/drawing/2014/main" val="2720180504"/>
+                  </a:ext>
+                </a:extLst>
+              </a:tr>
+              <a:tr h="432000">
+                <a:tc>
+                  <a:txBody>
+                    <a:bodyPr/>
+                    <a:lstStyle/>
+                    <a:p>
+                      <a:pPr algn="l">
+                        <a:lnSpc>
+                          <a:spcPct val="107000"/>
+                        </a:lnSpc>
+                        <a:spcAft>
+                          <a:spcPts val="800"/>
+                        </a:spcAft>
+                      </a:pPr>
+                      <a:r>
+                        <a:rPr lang="en-GB" sz="1050" b="0" kern="100" dirty="0">
+                          <a:solidFill>
+                            <a:schemeClr val="tx1">
+                              <a:lumMod val="50000"/>
+                              <a:lumOff val="50000"/>
+                            </a:schemeClr>
+                          </a:solidFill>
+                          <a:effectLst/>
+                        </a:rPr>
+                        <a:t>voc</a:t>
+                      </a:r>
+                      <a:endParaRPr lang="en-GB" sz="1050" b="0" kern="100" dirty="0">
+                        <a:solidFill>
+                          <a:schemeClr val="tx1">
+                            <a:lumMod val="50000"/>
+                            <a:lumOff val="50000"/>
+                          </a:schemeClr>
+                        </a:solidFill>
+                        <a:effectLst/>
+                        <a:latin typeface="Calibri" panose="020F0502020204030204" pitchFamily="34" charset="0"/>
+                        <a:ea typeface="Calibri" panose="020F0502020204030204" pitchFamily="34" charset="0"/>
+                        <a:cs typeface="Times New Roman" panose="02020603050405020304" pitchFamily="18" charset="0"/>
+                      </a:endParaRPr>
+                    </a:p>
+                  </a:txBody>
+                  <a:tcPr marL="62057" marR="62057" marT="0" marB="0" anchor="ctr">
+                    <a:noFill/>
+                  </a:tcPr>
+                </a:tc>
+                <a:tc>
+                  <a:txBody>
+                    <a:bodyPr/>
+                    <a:lstStyle/>
+                    <a:p>
+                      <a:pPr algn="r">
+                        <a:lnSpc>
+                          <a:spcPct val="107000"/>
+                        </a:lnSpc>
+                        <a:spcAft>
+                          <a:spcPts val="800"/>
+                        </a:spcAft>
+                      </a:pPr>
+                      <a:r>
+                        <a:rPr lang="en-GB" sz="1050" b="0" kern="100" dirty="0">
+                          <a:solidFill>
+                            <a:schemeClr val="tx1">
+                              <a:lumMod val="50000"/>
+                              <a:lumOff val="50000"/>
+                            </a:schemeClr>
+                          </a:solidFill>
+                          <a:effectLst/>
+                        </a:rPr>
+                        <a:t>Share of all students in secondary education enrolled in vocational programmes (binary: above EU average 0/1)</a:t>
+                      </a:r>
+                      <a:endParaRPr lang="en-GB" sz="1050" b="0" kern="100" dirty="0">
+                        <a:solidFill>
+                          <a:schemeClr val="tx1">
+                            <a:lumMod val="50000"/>
+                            <a:lumOff val="50000"/>
+                          </a:schemeClr>
+                        </a:solidFill>
+                        <a:effectLst/>
+                        <a:latin typeface="Calibri" panose="020F0502020204030204" pitchFamily="34" charset="0"/>
+                        <a:ea typeface="Calibri" panose="020F0502020204030204" pitchFamily="34" charset="0"/>
+                        <a:cs typeface="Times New Roman" panose="02020603050405020304" pitchFamily="18" charset="0"/>
+                      </a:endParaRPr>
+                    </a:p>
+                  </a:txBody>
+                  <a:tcPr marL="62057" marR="62057" marT="0" marB="0" anchor="ctr">
+                    <a:noFill/>
+                  </a:tcPr>
+                </a:tc>
+                <a:tc>
+                  <a:txBody>
+                    <a:bodyPr/>
+                    <a:lstStyle/>
+                    <a:p>
+                      <a:pPr algn="r">
+                        <a:lnSpc>
+                          <a:spcPct val="107000"/>
+                        </a:lnSpc>
+                        <a:spcAft>
+                          <a:spcPts val="800"/>
+                        </a:spcAft>
+                      </a:pPr>
+                      <a:r>
+                        <a:rPr lang="en-GB" sz="1050" b="0" kern="100" dirty="0">
+                          <a:solidFill>
+                            <a:schemeClr val="tx1">
+                              <a:lumMod val="50000"/>
+                              <a:lumOff val="50000"/>
+                            </a:schemeClr>
+                          </a:solidFill>
+                          <a:effectLst/>
+                        </a:rPr>
+                        <a:t>Numerical Factor</a:t>
+                      </a:r>
+                      <a:endParaRPr lang="en-GB" sz="1050" b="0" kern="100" dirty="0">
+                        <a:solidFill>
+                          <a:schemeClr val="tx1">
+                            <a:lumMod val="50000"/>
+                            <a:lumOff val="50000"/>
+                          </a:schemeClr>
+                        </a:solidFill>
+                        <a:effectLst/>
+                        <a:latin typeface="Calibri" panose="020F0502020204030204" pitchFamily="34" charset="0"/>
+                        <a:ea typeface="Calibri" panose="020F0502020204030204" pitchFamily="34" charset="0"/>
+                        <a:cs typeface="Times New Roman" panose="02020603050405020304" pitchFamily="18" charset="0"/>
+                      </a:endParaRPr>
+                    </a:p>
+                  </a:txBody>
+                  <a:tcPr marL="62057" marR="62057" marT="0" marB="0" anchor="ctr">
+                    <a:noFill/>
+                  </a:tcPr>
+                </a:tc>
+                <a:tc>
+                  <a:txBody>
+                    <a:bodyPr/>
+                    <a:lstStyle/>
+                    <a:p>
+                      <a:pPr algn="r">
+                        <a:lnSpc>
+                          <a:spcPct val="107000"/>
+                        </a:lnSpc>
+                        <a:spcAft>
+                          <a:spcPts val="800"/>
+                        </a:spcAft>
+                      </a:pPr>
+                      <a:r>
+                        <a:rPr lang="en-GB" sz="1050" b="0" kern="100" dirty="0">
+                          <a:solidFill>
+                            <a:schemeClr val="tx1">
+                              <a:lumMod val="50000"/>
+                              <a:lumOff val="50000"/>
+                            </a:schemeClr>
+                          </a:solidFill>
+                          <a:effectLst/>
+                        </a:rPr>
+                        <a:t>World Bank</a:t>
+                      </a:r>
+                      <a:endParaRPr lang="en-GB" sz="1050" b="0" kern="100" dirty="0">
+                        <a:solidFill>
+                          <a:schemeClr val="tx1">
+                            <a:lumMod val="50000"/>
+                            <a:lumOff val="50000"/>
+                          </a:schemeClr>
+                        </a:solidFill>
+                        <a:effectLst/>
+                        <a:latin typeface="Calibri" panose="020F0502020204030204" pitchFamily="34" charset="0"/>
+                        <a:ea typeface="Calibri" panose="020F0502020204030204" pitchFamily="34" charset="0"/>
+                        <a:cs typeface="Times New Roman" panose="02020603050405020304" pitchFamily="18" charset="0"/>
+                      </a:endParaRPr>
+                    </a:p>
+                  </a:txBody>
+                  <a:tcPr marL="62057" marR="62057" marT="0" marB="0" anchor="ctr">
+                    <a:noFill/>
+                  </a:tcPr>
+                </a:tc>
+                <a:extLst>
+                  <a:ext uri="{0D108BD9-81ED-4DB2-BD59-A6C34878D82A}">
+                    <a16:rowId xmlns:a16="http://schemas.microsoft.com/office/drawing/2014/main" val="4192838196"/>
+                  </a:ext>
+                </a:extLst>
+              </a:tr>
+              <a:tr h="432000">
+                <a:tc>
+                  <a:txBody>
+                    <a:bodyPr/>
+                    <a:lstStyle/>
+                    <a:p>
+                      <a:pPr algn="l">
+                        <a:lnSpc>
+                          <a:spcPct val="107000"/>
+                        </a:lnSpc>
+                        <a:spcAft>
+                          <a:spcPts val="800"/>
+                        </a:spcAft>
+                      </a:pPr>
+                      <a:r>
+                        <a:rPr lang="en-GB" sz="1050" b="0" kern="100" dirty="0">
+                          <a:solidFill>
+                            <a:schemeClr val="tx1">
+                              <a:lumMod val="50000"/>
+                              <a:lumOff val="50000"/>
+                            </a:schemeClr>
+                          </a:solidFill>
+                          <a:effectLst/>
+                        </a:rPr>
+                        <a:t>gen</a:t>
+                      </a:r>
+                      <a:endParaRPr lang="en-GB" sz="1050" b="0" kern="100" dirty="0">
+                        <a:solidFill>
+                          <a:schemeClr val="tx1">
+                            <a:lumMod val="50000"/>
+                            <a:lumOff val="50000"/>
+                          </a:schemeClr>
+                        </a:solidFill>
+                        <a:effectLst/>
+                        <a:latin typeface="Calibri" panose="020F0502020204030204" pitchFamily="34" charset="0"/>
+                        <a:ea typeface="Calibri" panose="020F0502020204030204" pitchFamily="34" charset="0"/>
+                        <a:cs typeface="Times New Roman" panose="02020603050405020304" pitchFamily="18" charset="0"/>
+                      </a:endParaRPr>
+                    </a:p>
+                  </a:txBody>
+                  <a:tcPr marL="62057" marR="62057" marT="0" marB="0" anchor="ctr">
+                    <a:noFill/>
+                  </a:tcPr>
+                </a:tc>
+                <a:tc>
+                  <a:txBody>
+                    <a:bodyPr/>
+                    <a:lstStyle/>
+                    <a:p>
+                      <a:pPr algn="r">
+                        <a:lnSpc>
+                          <a:spcPct val="107000"/>
+                        </a:lnSpc>
+                        <a:spcAft>
+                          <a:spcPts val="800"/>
+                        </a:spcAft>
+                      </a:pPr>
+                      <a:r>
+                        <a:rPr lang="en-GB" sz="1050" b="0" kern="100" dirty="0">
+                          <a:solidFill>
+                            <a:schemeClr val="tx1">
+                              <a:lumMod val="50000"/>
+                              <a:lumOff val="50000"/>
+                            </a:schemeClr>
+                          </a:solidFill>
+                          <a:effectLst/>
+                        </a:rPr>
+                        <a:t>Gender ratio for average years of schooling (binary: above European average 0/1)</a:t>
+                      </a:r>
+                      <a:endParaRPr lang="en-GB" sz="1050" b="0" kern="100" dirty="0">
+                        <a:solidFill>
+                          <a:schemeClr val="tx1">
+                            <a:lumMod val="50000"/>
+                            <a:lumOff val="50000"/>
+                          </a:schemeClr>
+                        </a:solidFill>
+                        <a:effectLst/>
+                        <a:latin typeface="Calibri" panose="020F0502020204030204" pitchFamily="34" charset="0"/>
+                        <a:ea typeface="Calibri" panose="020F0502020204030204" pitchFamily="34" charset="0"/>
+                        <a:cs typeface="Times New Roman" panose="02020603050405020304" pitchFamily="18" charset="0"/>
+                      </a:endParaRPr>
+                    </a:p>
+                  </a:txBody>
+                  <a:tcPr marL="62057" marR="62057" marT="0" marB="0" anchor="ctr">
+                    <a:noFill/>
+                  </a:tcPr>
+                </a:tc>
+                <a:tc>
+                  <a:txBody>
+                    <a:bodyPr/>
+                    <a:lstStyle/>
+                    <a:p>
+                      <a:pPr algn="r">
+                        <a:lnSpc>
+                          <a:spcPct val="107000"/>
+                        </a:lnSpc>
+                        <a:spcAft>
+                          <a:spcPts val="800"/>
+                        </a:spcAft>
+                      </a:pPr>
+                      <a:r>
+                        <a:rPr lang="en-GB" sz="1050" b="0" kern="100" dirty="0">
+                          <a:solidFill>
+                            <a:schemeClr val="tx1">
+                              <a:lumMod val="50000"/>
+                              <a:lumOff val="50000"/>
+                            </a:schemeClr>
+                          </a:solidFill>
+                          <a:effectLst/>
+                        </a:rPr>
+                        <a:t>Numerical Factor</a:t>
+                      </a:r>
+                      <a:endParaRPr lang="en-GB" sz="1050" b="0" kern="100" dirty="0">
+                        <a:solidFill>
+                          <a:schemeClr val="tx1">
+                            <a:lumMod val="50000"/>
+                            <a:lumOff val="50000"/>
+                          </a:schemeClr>
+                        </a:solidFill>
+                        <a:effectLst/>
+                        <a:latin typeface="Calibri" panose="020F0502020204030204" pitchFamily="34" charset="0"/>
+                        <a:ea typeface="Calibri" panose="020F0502020204030204" pitchFamily="34" charset="0"/>
+                        <a:cs typeface="Times New Roman" panose="02020603050405020304" pitchFamily="18" charset="0"/>
+                      </a:endParaRPr>
+                    </a:p>
+                  </a:txBody>
+                  <a:tcPr marL="62057" marR="62057" marT="0" marB="0" anchor="ctr">
+                    <a:noFill/>
+                  </a:tcPr>
+                </a:tc>
+                <a:tc>
+                  <a:txBody>
+                    <a:bodyPr/>
+                    <a:lstStyle/>
+                    <a:p>
+                      <a:pPr algn="r">
+                        <a:lnSpc>
+                          <a:spcPct val="107000"/>
+                        </a:lnSpc>
+                        <a:spcAft>
+                          <a:spcPts val="800"/>
+                        </a:spcAft>
+                      </a:pPr>
+                      <a:r>
+                        <a:rPr lang="en-GB" sz="1050" b="0" kern="100" dirty="0">
+                          <a:solidFill>
+                            <a:schemeClr val="tx1">
+                              <a:lumMod val="50000"/>
+                              <a:lumOff val="50000"/>
+                            </a:schemeClr>
+                          </a:solidFill>
+                          <a:effectLst/>
+                        </a:rPr>
+                        <a:t>Barro &amp; Lee</a:t>
+                      </a:r>
+                      <a:endParaRPr lang="en-GB" sz="1050" b="0" kern="100" dirty="0">
+                        <a:solidFill>
+                          <a:schemeClr val="tx1">
+                            <a:lumMod val="50000"/>
+                            <a:lumOff val="50000"/>
+                          </a:schemeClr>
+                        </a:solidFill>
+                        <a:effectLst/>
+                        <a:latin typeface="Calibri" panose="020F0502020204030204" pitchFamily="34" charset="0"/>
+                        <a:ea typeface="Calibri" panose="020F0502020204030204" pitchFamily="34" charset="0"/>
+                        <a:cs typeface="Times New Roman" panose="02020603050405020304" pitchFamily="18" charset="0"/>
+                      </a:endParaRPr>
+                    </a:p>
+                  </a:txBody>
+                  <a:tcPr marL="62057" marR="62057" marT="0" marB="0" anchor="ctr">
+                    <a:noFill/>
+                  </a:tcPr>
+                </a:tc>
+                <a:extLst>
+                  <a:ext uri="{0D108BD9-81ED-4DB2-BD59-A6C34878D82A}">
+                    <a16:rowId xmlns:a16="http://schemas.microsoft.com/office/drawing/2014/main" val="503931410"/>
+                  </a:ext>
+                </a:extLst>
+              </a:tr>
+              <a:tr h="432000">
+                <a:tc>
+                  <a:txBody>
+                    <a:bodyPr/>
+                    <a:lstStyle/>
+                    <a:p>
+                      <a:pPr algn="l">
+                        <a:lnSpc>
+                          <a:spcPct val="107000"/>
+                        </a:lnSpc>
+                        <a:spcAft>
+                          <a:spcPts val="800"/>
+                        </a:spcAft>
+                      </a:pPr>
+                      <a:r>
+                        <a:rPr lang="en-GB" sz="1050" b="0" kern="100" dirty="0">
+                          <a:solidFill>
+                            <a:schemeClr val="tx1">
+                              <a:lumMod val="50000"/>
+                              <a:lumOff val="50000"/>
+                            </a:schemeClr>
+                          </a:solidFill>
+                          <a:effectLst/>
+                        </a:rPr>
+                        <a:t>avh</a:t>
+                      </a:r>
+                      <a:endParaRPr lang="en-GB" sz="1050" b="0" kern="100" dirty="0">
+                        <a:solidFill>
+                          <a:schemeClr val="tx1">
+                            <a:lumMod val="50000"/>
+                            <a:lumOff val="50000"/>
+                          </a:schemeClr>
+                        </a:solidFill>
+                        <a:effectLst/>
+                        <a:latin typeface="Calibri" panose="020F0502020204030204" pitchFamily="34" charset="0"/>
+                        <a:ea typeface="Calibri" panose="020F0502020204030204" pitchFamily="34" charset="0"/>
+                        <a:cs typeface="Times New Roman" panose="02020603050405020304" pitchFamily="18" charset="0"/>
+                      </a:endParaRPr>
+                    </a:p>
+                  </a:txBody>
+                  <a:tcPr marL="62057" marR="62057" marT="0" marB="0" anchor="ctr">
+                    <a:noFill/>
+                  </a:tcPr>
+                </a:tc>
+                <a:tc>
+                  <a:txBody>
+                    <a:bodyPr/>
+                    <a:lstStyle/>
+                    <a:p>
+                      <a:pPr algn="r">
+                        <a:lnSpc>
+                          <a:spcPct val="107000"/>
+                        </a:lnSpc>
+                        <a:spcAft>
+                          <a:spcPts val="800"/>
+                        </a:spcAft>
+                      </a:pPr>
+                      <a:r>
+                        <a:rPr lang="en-GB" sz="1050" b="0" kern="100" dirty="0">
+                          <a:solidFill>
+                            <a:schemeClr val="tx1">
+                              <a:lumMod val="50000"/>
+                              <a:lumOff val="50000"/>
+                            </a:schemeClr>
+                          </a:solidFill>
+                          <a:effectLst/>
+                        </a:rPr>
+                        <a:t>Average annual hours worked by persons engaged (employed)</a:t>
+                      </a:r>
+                      <a:endParaRPr lang="en-GB" sz="1050" b="0" kern="100" dirty="0">
+                        <a:solidFill>
+                          <a:schemeClr val="tx1">
+                            <a:lumMod val="50000"/>
+                            <a:lumOff val="50000"/>
+                          </a:schemeClr>
+                        </a:solidFill>
+                        <a:effectLst/>
+                        <a:latin typeface="Calibri" panose="020F0502020204030204" pitchFamily="34" charset="0"/>
+                        <a:ea typeface="Calibri" panose="020F0502020204030204" pitchFamily="34" charset="0"/>
+                        <a:cs typeface="Times New Roman" panose="02020603050405020304" pitchFamily="18" charset="0"/>
+                      </a:endParaRPr>
+                    </a:p>
+                  </a:txBody>
+                  <a:tcPr marL="62057" marR="62057" marT="0" marB="0" anchor="ctr">
+                    <a:noFill/>
+                  </a:tcPr>
+                </a:tc>
+                <a:tc>
+                  <a:txBody>
+                    <a:bodyPr/>
+                    <a:lstStyle/>
+                    <a:p>
+                      <a:pPr algn="r">
+                        <a:lnSpc>
+                          <a:spcPct val="107000"/>
+                        </a:lnSpc>
+                        <a:spcAft>
+                          <a:spcPts val="800"/>
+                        </a:spcAft>
+                      </a:pPr>
+                      <a:r>
+                        <a:rPr lang="en-GB" sz="1050" b="0" kern="100" dirty="0">
+                          <a:solidFill>
+                            <a:schemeClr val="tx1">
+                              <a:lumMod val="50000"/>
+                              <a:lumOff val="50000"/>
+                            </a:schemeClr>
+                          </a:solidFill>
+                          <a:effectLst/>
+                        </a:rPr>
+                        <a:t>Hours</a:t>
+                      </a:r>
+                      <a:endParaRPr lang="en-GB" sz="1050" b="0" kern="100" dirty="0">
+                        <a:solidFill>
+                          <a:schemeClr val="tx1">
+                            <a:lumMod val="50000"/>
+                            <a:lumOff val="50000"/>
+                          </a:schemeClr>
+                        </a:solidFill>
+                        <a:effectLst/>
+                        <a:latin typeface="Calibri" panose="020F0502020204030204" pitchFamily="34" charset="0"/>
+                        <a:ea typeface="Calibri" panose="020F0502020204030204" pitchFamily="34" charset="0"/>
+                        <a:cs typeface="Times New Roman" panose="02020603050405020304" pitchFamily="18" charset="0"/>
+                      </a:endParaRPr>
+                    </a:p>
+                  </a:txBody>
+                  <a:tcPr marL="62057" marR="62057" marT="0" marB="0" anchor="ctr">
+                    <a:noFill/>
+                  </a:tcPr>
+                </a:tc>
+                <a:tc>
+                  <a:txBody>
+                    <a:bodyPr/>
+                    <a:lstStyle/>
+                    <a:p>
+                      <a:pPr algn="r">
+                        <a:lnSpc>
+                          <a:spcPct val="107000"/>
+                        </a:lnSpc>
+                        <a:spcAft>
+                          <a:spcPts val="800"/>
+                        </a:spcAft>
+                      </a:pPr>
+                      <a:r>
+                        <a:rPr lang="en-GB" sz="1050" b="0" kern="100" dirty="0">
+                          <a:solidFill>
+                            <a:schemeClr val="tx1">
+                              <a:lumMod val="50000"/>
+                              <a:lumOff val="50000"/>
+                            </a:schemeClr>
+                          </a:solidFill>
+                          <a:effectLst/>
+                        </a:rPr>
+                        <a:t>Penn World Tables 10.01</a:t>
+                      </a:r>
+                      <a:endParaRPr lang="en-GB" sz="1050" b="0" kern="100" dirty="0">
+                        <a:solidFill>
+                          <a:schemeClr val="tx1">
+                            <a:lumMod val="50000"/>
+                            <a:lumOff val="50000"/>
+                          </a:schemeClr>
+                        </a:solidFill>
+                        <a:effectLst/>
+                        <a:latin typeface="Calibri" panose="020F0502020204030204" pitchFamily="34" charset="0"/>
+                        <a:ea typeface="Calibri" panose="020F0502020204030204" pitchFamily="34" charset="0"/>
+                        <a:cs typeface="Times New Roman" panose="02020603050405020304" pitchFamily="18" charset="0"/>
+                      </a:endParaRPr>
+                    </a:p>
+                  </a:txBody>
+                  <a:tcPr marL="62057" marR="62057" marT="0" marB="0" anchor="ctr">
+                    <a:noFill/>
+                  </a:tcPr>
+                </a:tc>
+                <a:extLst>
+                  <a:ext uri="{0D108BD9-81ED-4DB2-BD59-A6C34878D82A}">
+                    <a16:rowId xmlns:a16="http://schemas.microsoft.com/office/drawing/2014/main" val="3848436073"/>
+                  </a:ext>
+                </a:extLst>
+              </a:tr>
+              <a:tr h="432000">
+                <a:tc>
+                  <a:txBody>
+                    <a:bodyPr/>
+                    <a:lstStyle/>
+                    <a:p>
+                      <a:pPr algn="l">
+                        <a:lnSpc>
+                          <a:spcPct val="107000"/>
+                        </a:lnSpc>
+                        <a:spcAft>
+                          <a:spcPts val="800"/>
+                        </a:spcAft>
+                      </a:pPr>
+                      <a:r>
+                        <a:rPr lang="en-GB" sz="1050" b="0" kern="100" dirty="0">
+                          <a:solidFill>
+                            <a:schemeClr val="tx1">
+                              <a:lumMod val="50000"/>
+                              <a:lumOff val="50000"/>
+                            </a:schemeClr>
+                          </a:solidFill>
+                          <a:effectLst/>
+                        </a:rPr>
+                        <a:t>csh_x</a:t>
+                      </a:r>
+                      <a:endParaRPr lang="en-GB" sz="1050" b="0" kern="100" dirty="0">
+                        <a:solidFill>
+                          <a:schemeClr val="tx1">
+                            <a:lumMod val="50000"/>
+                            <a:lumOff val="50000"/>
+                          </a:schemeClr>
+                        </a:solidFill>
+                        <a:effectLst/>
+                        <a:latin typeface="Calibri" panose="020F0502020204030204" pitchFamily="34" charset="0"/>
+                        <a:ea typeface="Calibri" panose="020F0502020204030204" pitchFamily="34" charset="0"/>
+                        <a:cs typeface="Times New Roman" panose="02020603050405020304" pitchFamily="18" charset="0"/>
+                      </a:endParaRPr>
+                    </a:p>
+                  </a:txBody>
+                  <a:tcPr marL="62057" marR="62057" marT="0" marB="0" anchor="ctr">
+                    <a:noFill/>
+                  </a:tcPr>
+                </a:tc>
+                <a:tc>
+                  <a:txBody>
+                    <a:bodyPr/>
+                    <a:lstStyle/>
+                    <a:p>
+                      <a:pPr algn="r">
+                        <a:lnSpc>
+                          <a:spcPct val="107000"/>
+                        </a:lnSpc>
+                        <a:spcAft>
+                          <a:spcPts val="800"/>
+                        </a:spcAft>
+                      </a:pPr>
+                      <a:r>
+                        <a:rPr lang="en-GB" sz="1050" b="0" kern="100" dirty="0">
+                          <a:solidFill>
+                            <a:schemeClr val="tx1">
+                              <a:lumMod val="50000"/>
+                              <a:lumOff val="50000"/>
+                            </a:schemeClr>
+                          </a:solidFill>
+                          <a:effectLst/>
+                        </a:rPr>
+                        <a:t>Share of merchandise exports at current PPPs</a:t>
+                      </a:r>
+                      <a:endParaRPr lang="en-GB" sz="1050" b="0" kern="100" dirty="0">
+                        <a:solidFill>
+                          <a:schemeClr val="tx1">
+                            <a:lumMod val="50000"/>
+                            <a:lumOff val="50000"/>
+                          </a:schemeClr>
+                        </a:solidFill>
+                        <a:effectLst/>
+                        <a:latin typeface="Calibri" panose="020F0502020204030204" pitchFamily="34" charset="0"/>
+                        <a:ea typeface="Calibri" panose="020F0502020204030204" pitchFamily="34" charset="0"/>
+                        <a:cs typeface="Times New Roman" panose="02020603050405020304" pitchFamily="18" charset="0"/>
+                      </a:endParaRPr>
+                    </a:p>
+                  </a:txBody>
+                  <a:tcPr marL="62057" marR="62057" marT="0" marB="0" anchor="ctr">
+                    <a:noFill/>
+                  </a:tcPr>
+                </a:tc>
+                <a:tc>
+                  <a:txBody>
+                    <a:bodyPr/>
+                    <a:lstStyle/>
+                    <a:p>
+                      <a:pPr algn="r">
+                        <a:lnSpc>
+                          <a:spcPct val="107000"/>
+                        </a:lnSpc>
+                        <a:spcAft>
+                          <a:spcPts val="800"/>
+                        </a:spcAft>
+                      </a:pPr>
+                      <a:r>
+                        <a:rPr lang="en-GB" sz="1050" b="0" kern="100" dirty="0">
+                          <a:solidFill>
+                            <a:schemeClr val="tx1">
+                              <a:lumMod val="50000"/>
+                              <a:lumOff val="50000"/>
+                            </a:schemeClr>
+                          </a:solidFill>
+                          <a:effectLst/>
+                        </a:rPr>
+                        <a:t>Numerical Factor</a:t>
+                      </a:r>
+                      <a:endParaRPr lang="en-GB" sz="1050" b="0" kern="100" dirty="0">
+                        <a:solidFill>
+                          <a:schemeClr val="tx1">
+                            <a:lumMod val="50000"/>
+                            <a:lumOff val="50000"/>
+                          </a:schemeClr>
+                        </a:solidFill>
+                        <a:effectLst/>
+                        <a:latin typeface="Calibri" panose="020F0502020204030204" pitchFamily="34" charset="0"/>
+                        <a:ea typeface="Calibri" panose="020F0502020204030204" pitchFamily="34" charset="0"/>
+                        <a:cs typeface="Times New Roman" panose="02020603050405020304" pitchFamily="18" charset="0"/>
+                      </a:endParaRPr>
+                    </a:p>
+                  </a:txBody>
+                  <a:tcPr marL="62057" marR="62057" marT="0" marB="0" anchor="ctr">
+                    <a:noFill/>
+                  </a:tcPr>
+                </a:tc>
+                <a:tc>
+                  <a:txBody>
+                    <a:bodyPr/>
+                    <a:lstStyle/>
+                    <a:p>
+                      <a:pPr algn="r">
+                        <a:lnSpc>
+                          <a:spcPct val="107000"/>
+                        </a:lnSpc>
+                        <a:spcAft>
+                          <a:spcPts val="800"/>
+                        </a:spcAft>
+                      </a:pPr>
+                      <a:r>
+                        <a:rPr lang="en-GB" sz="1050" b="0" kern="100" dirty="0">
+                          <a:solidFill>
+                            <a:schemeClr val="tx1">
+                              <a:lumMod val="50000"/>
+                              <a:lumOff val="50000"/>
+                            </a:schemeClr>
+                          </a:solidFill>
+                          <a:effectLst/>
+                        </a:rPr>
+                        <a:t>Penn World Tables 10.01</a:t>
+                      </a:r>
+                      <a:endParaRPr lang="en-GB" sz="1050" b="0" kern="100" dirty="0">
+                        <a:solidFill>
+                          <a:schemeClr val="tx1">
+                            <a:lumMod val="50000"/>
+                            <a:lumOff val="50000"/>
+                          </a:schemeClr>
+                        </a:solidFill>
+                        <a:effectLst/>
+                        <a:latin typeface="Calibri" panose="020F0502020204030204" pitchFamily="34" charset="0"/>
+                        <a:ea typeface="Calibri" panose="020F0502020204030204" pitchFamily="34" charset="0"/>
+                        <a:cs typeface="Times New Roman" panose="02020603050405020304" pitchFamily="18" charset="0"/>
+                      </a:endParaRPr>
+                    </a:p>
+                  </a:txBody>
+                  <a:tcPr marL="62057" marR="62057" marT="0" marB="0" anchor="ctr">
+                    <a:noFill/>
+                  </a:tcPr>
+                </a:tc>
+                <a:extLst>
+                  <a:ext uri="{0D108BD9-81ED-4DB2-BD59-A6C34878D82A}">
+                    <a16:rowId xmlns:a16="http://schemas.microsoft.com/office/drawing/2014/main" val="1003685255"/>
+                  </a:ext>
+                </a:extLst>
+              </a:tr>
+              <a:tr h="432000">
+                <a:tc>
+                  <a:txBody>
+                    <a:bodyPr/>
+                    <a:lstStyle/>
+                    <a:p>
+                      <a:pPr algn="l">
+                        <a:lnSpc>
+                          <a:spcPct val="107000"/>
+                        </a:lnSpc>
+                        <a:spcAft>
+                          <a:spcPts val="800"/>
+                        </a:spcAft>
+                      </a:pPr>
+                      <a:r>
+                        <a:rPr lang="en-GB" sz="1050" b="0" kern="100" dirty="0">
+                          <a:solidFill>
+                            <a:schemeClr val="tx1">
+                              <a:lumMod val="50000"/>
+                              <a:lumOff val="50000"/>
+                            </a:schemeClr>
+                          </a:solidFill>
+                          <a:effectLst/>
+                        </a:rPr>
+                        <a:t>fdi</a:t>
+                      </a:r>
+                      <a:endParaRPr lang="en-GB" sz="1050" b="0" kern="100" dirty="0">
+                        <a:solidFill>
+                          <a:schemeClr val="tx1">
+                            <a:lumMod val="50000"/>
+                            <a:lumOff val="50000"/>
+                          </a:schemeClr>
+                        </a:solidFill>
+                        <a:effectLst/>
+                        <a:latin typeface="Calibri" panose="020F0502020204030204" pitchFamily="34" charset="0"/>
+                        <a:ea typeface="Calibri" panose="020F0502020204030204" pitchFamily="34" charset="0"/>
+                        <a:cs typeface="Times New Roman" panose="02020603050405020304" pitchFamily="18" charset="0"/>
+                      </a:endParaRPr>
+                    </a:p>
+                  </a:txBody>
+                  <a:tcPr marL="62057" marR="62057" marT="0" marB="0" anchor="ctr">
+                    <a:noFill/>
+                  </a:tcPr>
+                </a:tc>
+                <a:tc>
+                  <a:txBody>
+                    <a:bodyPr/>
+                    <a:lstStyle/>
+                    <a:p>
+                      <a:pPr algn="r">
+                        <a:lnSpc>
+                          <a:spcPct val="107000"/>
+                        </a:lnSpc>
+                        <a:spcAft>
+                          <a:spcPts val="800"/>
+                        </a:spcAft>
+                      </a:pPr>
+                      <a:r>
+                        <a:rPr lang="en-GB" sz="1050" b="0" kern="100" dirty="0">
+                          <a:solidFill>
+                            <a:schemeClr val="tx1">
+                              <a:lumMod val="50000"/>
+                              <a:lumOff val="50000"/>
+                            </a:schemeClr>
+                          </a:solidFill>
+                          <a:effectLst/>
+                        </a:rPr>
+                        <a:t>Foreign Direct Investment (FDI), net inflows as a share of GDP</a:t>
+                      </a:r>
+                      <a:endParaRPr lang="en-GB" sz="1050" b="0" kern="100" dirty="0">
+                        <a:solidFill>
+                          <a:schemeClr val="tx1">
+                            <a:lumMod val="50000"/>
+                            <a:lumOff val="50000"/>
+                          </a:schemeClr>
+                        </a:solidFill>
+                        <a:effectLst/>
+                        <a:latin typeface="Calibri" panose="020F0502020204030204" pitchFamily="34" charset="0"/>
+                        <a:ea typeface="Calibri" panose="020F0502020204030204" pitchFamily="34" charset="0"/>
+                        <a:cs typeface="Times New Roman" panose="02020603050405020304" pitchFamily="18" charset="0"/>
+                      </a:endParaRPr>
+                    </a:p>
+                  </a:txBody>
+                  <a:tcPr marL="62057" marR="62057" marT="0" marB="0" anchor="ctr">
+                    <a:noFill/>
+                  </a:tcPr>
+                </a:tc>
+                <a:tc>
+                  <a:txBody>
+                    <a:bodyPr/>
+                    <a:lstStyle/>
+                    <a:p>
+                      <a:pPr algn="r">
+                        <a:lnSpc>
+                          <a:spcPct val="107000"/>
+                        </a:lnSpc>
+                        <a:spcAft>
+                          <a:spcPts val="800"/>
+                        </a:spcAft>
+                      </a:pPr>
+                      <a:r>
+                        <a:rPr lang="en-GB" sz="1050" b="0" kern="100" dirty="0">
+                          <a:solidFill>
+                            <a:schemeClr val="tx1">
+                              <a:lumMod val="50000"/>
+                              <a:lumOff val="50000"/>
+                            </a:schemeClr>
+                          </a:solidFill>
+                          <a:effectLst/>
+                        </a:rPr>
+                        <a:t>% of GDP</a:t>
+                      </a:r>
+                      <a:endParaRPr lang="en-GB" sz="1050" b="0" kern="100" dirty="0">
+                        <a:solidFill>
+                          <a:schemeClr val="tx1">
+                            <a:lumMod val="50000"/>
+                            <a:lumOff val="50000"/>
+                          </a:schemeClr>
+                        </a:solidFill>
+                        <a:effectLst/>
+                        <a:latin typeface="Calibri" panose="020F0502020204030204" pitchFamily="34" charset="0"/>
+                        <a:ea typeface="Calibri" panose="020F0502020204030204" pitchFamily="34" charset="0"/>
+                        <a:cs typeface="Times New Roman" panose="02020603050405020304" pitchFamily="18" charset="0"/>
+                      </a:endParaRPr>
+                    </a:p>
+                  </a:txBody>
+                  <a:tcPr marL="62057" marR="62057" marT="0" marB="0" anchor="ctr">
+                    <a:noFill/>
+                  </a:tcPr>
+                </a:tc>
+                <a:tc>
+                  <a:txBody>
+                    <a:bodyPr/>
+                    <a:lstStyle/>
+                    <a:p>
+                      <a:pPr algn="r">
+                        <a:lnSpc>
+                          <a:spcPct val="107000"/>
+                        </a:lnSpc>
+                        <a:spcAft>
+                          <a:spcPts val="800"/>
+                        </a:spcAft>
+                      </a:pPr>
+                      <a:r>
+                        <a:rPr lang="en-GB" sz="1050" b="0" kern="100" dirty="0">
+                          <a:solidFill>
+                            <a:schemeClr val="tx1">
+                              <a:lumMod val="50000"/>
+                              <a:lumOff val="50000"/>
+                            </a:schemeClr>
+                          </a:solidFill>
+                          <a:effectLst/>
+                        </a:rPr>
+                        <a:t>World Bank</a:t>
+                      </a:r>
+                      <a:endParaRPr lang="en-GB" sz="1050" b="0" kern="100" dirty="0">
+                        <a:solidFill>
+                          <a:schemeClr val="tx1">
+                            <a:lumMod val="50000"/>
+                            <a:lumOff val="50000"/>
+                          </a:schemeClr>
+                        </a:solidFill>
+                        <a:effectLst/>
+                        <a:latin typeface="Calibri" panose="020F0502020204030204" pitchFamily="34" charset="0"/>
+                        <a:ea typeface="Calibri" panose="020F0502020204030204" pitchFamily="34" charset="0"/>
+                        <a:cs typeface="Times New Roman" panose="02020603050405020304" pitchFamily="18" charset="0"/>
+                      </a:endParaRPr>
+                    </a:p>
+                  </a:txBody>
+                  <a:tcPr marL="62057" marR="62057" marT="0" marB="0" anchor="ctr">
+                    <a:noFill/>
+                  </a:tcPr>
+                </a:tc>
+                <a:extLst>
+                  <a:ext uri="{0D108BD9-81ED-4DB2-BD59-A6C34878D82A}">
+                    <a16:rowId xmlns:a16="http://schemas.microsoft.com/office/drawing/2014/main" val="2496424660"/>
+                  </a:ext>
+                </a:extLst>
+              </a:tr>
+              <a:tr h="432000">
+                <a:tc>
+                  <a:txBody>
+                    <a:bodyPr/>
+                    <a:lstStyle/>
+                    <a:p>
+                      <a:pPr algn="l">
+                        <a:lnSpc>
+                          <a:spcPct val="107000"/>
+                        </a:lnSpc>
+                        <a:spcAft>
+                          <a:spcPts val="800"/>
+                        </a:spcAft>
+                      </a:pPr>
+                      <a:r>
+                        <a:rPr lang="en-GB" sz="1050" b="0" kern="100" dirty="0">
+                          <a:solidFill>
+                            <a:schemeClr val="tx1">
+                              <a:lumMod val="50000"/>
+                              <a:lumOff val="50000"/>
+                            </a:schemeClr>
+                          </a:solidFill>
+                          <a:effectLst/>
+                        </a:rPr>
+                        <a:t>ctfp</a:t>
+                      </a:r>
+                      <a:endParaRPr lang="en-GB" sz="1050" b="0" kern="100" dirty="0">
+                        <a:solidFill>
+                          <a:schemeClr val="tx1">
+                            <a:lumMod val="50000"/>
+                            <a:lumOff val="50000"/>
+                          </a:schemeClr>
+                        </a:solidFill>
+                        <a:effectLst/>
+                        <a:latin typeface="Calibri" panose="020F0502020204030204" pitchFamily="34" charset="0"/>
+                        <a:ea typeface="Calibri" panose="020F0502020204030204" pitchFamily="34" charset="0"/>
+                        <a:cs typeface="Times New Roman" panose="02020603050405020304" pitchFamily="18" charset="0"/>
+                      </a:endParaRPr>
+                    </a:p>
+                  </a:txBody>
+                  <a:tcPr marL="62057" marR="62057" marT="0" marB="0" anchor="ctr">
+                    <a:noFill/>
+                  </a:tcPr>
+                </a:tc>
+                <a:tc>
+                  <a:txBody>
+                    <a:bodyPr/>
+                    <a:lstStyle/>
+                    <a:p>
+                      <a:pPr algn="r">
+                        <a:lnSpc>
+                          <a:spcPct val="107000"/>
+                        </a:lnSpc>
+                        <a:spcAft>
+                          <a:spcPts val="800"/>
+                        </a:spcAft>
+                      </a:pPr>
+                      <a:r>
+                        <a:rPr lang="en-GB" sz="1050" b="0" kern="100" dirty="0">
+                          <a:solidFill>
+                            <a:schemeClr val="tx1">
+                              <a:lumMod val="50000"/>
+                              <a:lumOff val="50000"/>
+                            </a:schemeClr>
+                          </a:solidFill>
+                          <a:effectLst/>
+                        </a:rPr>
+                        <a:t>TFP level at current PPPs (USA=1)</a:t>
+                      </a:r>
+                      <a:endParaRPr lang="en-GB" sz="1050" b="0" kern="100" dirty="0">
+                        <a:solidFill>
+                          <a:schemeClr val="tx1">
+                            <a:lumMod val="50000"/>
+                            <a:lumOff val="50000"/>
+                          </a:schemeClr>
+                        </a:solidFill>
+                        <a:effectLst/>
+                        <a:latin typeface="Calibri" panose="020F0502020204030204" pitchFamily="34" charset="0"/>
+                        <a:ea typeface="Calibri" panose="020F0502020204030204" pitchFamily="34" charset="0"/>
+                        <a:cs typeface="Times New Roman" panose="02020603050405020304" pitchFamily="18" charset="0"/>
+                      </a:endParaRPr>
+                    </a:p>
+                  </a:txBody>
+                  <a:tcPr marL="62057" marR="62057" marT="0" marB="0" anchor="ctr">
+                    <a:noFill/>
+                  </a:tcPr>
+                </a:tc>
+                <a:tc>
+                  <a:txBody>
+                    <a:bodyPr/>
+                    <a:lstStyle/>
+                    <a:p>
+                      <a:pPr algn="r">
+                        <a:lnSpc>
+                          <a:spcPct val="107000"/>
+                        </a:lnSpc>
+                        <a:spcAft>
+                          <a:spcPts val="800"/>
+                        </a:spcAft>
+                      </a:pPr>
+                      <a:r>
+                        <a:rPr lang="en-GB" sz="1050" b="0" kern="100" dirty="0">
+                          <a:solidFill>
+                            <a:schemeClr val="tx1">
+                              <a:lumMod val="50000"/>
+                              <a:lumOff val="50000"/>
+                            </a:schemeClr>
+                          </a:solidFill>
+                          <a:effectLst/>
+                        </a:rPr>
+                        <a:t>Numerical Factor</a:t>
+                      </a:r>
+                      <a:endParaRPr lang="en-GB" sz="1050" b="0" kern="100" dirty="0">
+                        <a:solidFill>
+                          <a:schemeClr val="tx1">
+                            <a:lumMod val="50000"/>
+                            <a:lumOff val="50000"/>
+                          </a:schemeClr>
+                        </a:solidFill>
+                        <a:effectLst/>
+                        <a:latin typeface="Calibri" panose="020F0502020204030204" pitchFamily="34" charset="0"/>
+                        <a:ea typeface="Calibri" panose="020F0502020204030204" pitchFamily="34" charset="0"/>
+                        <a:cs typeface="Times New Roman" panose="02020603050405020304" pitchFamily="18" charset="0"/>
+                      </a:endParaRPr>
+                    </a:p>
+                  </a:txBody>
+                  <a:tcPr marL="62057" marR="62057" marT="0" marB="0" anchor="ctr">
+                    <a:noFill/>
+                  </a:tcPr>
+                </a:tc>
+                <a:tc>
+                  <a:txBody>
+                    <a:bodyPr/>
+                    <a:lstStyle/>
+                    <a:p>
+                      <a:pPr algn="r">
+                        <a:lnSpc>
+                          <a:spcPct val="107000"/>
+                        </a:lnSpc>
+                        <a:spcAft>
+                          <a:spcPts val="800"/>
+                        </a:spcAft>
+                      </a:pPr>
+                      <a:r>
+                        <a:rPr lang="en-GB" sz="1050" b="0" kern="100" dirty="0">
+                          <a:solidFill>
+                            <a:schemeClr val="tx1">
+                              <a:lumMod val="50000"/>
+                              <a:lumOff val="50000"/>
+                            </a:schemeClr>
+                          </a:solidFill>
+                          <a:effectLst/>
+                        </a:rPr>
+                        <a:t>Penn World Tables 10.01</a:t>
+                      </a:r>
+                      <a:endParaRPr lang="en-GB" sz="1050" b="0" kern="100" dirty="0">
+                        <a:solidFill>
+                          <a:schemeClr val="tx1">
+                            <a:lumMod val="50000"/>
+                            <a:lumOff val="50000"/>
+                          </a:schemeClr>
+                        </a:solidFill>
+                        <a:effectLst/>
+                        <a:latin typeface="Calibri" panose="020F0502020204030204" pitchFamily="34" charset="0"/>
+                        <a:ea typeface="Calibri" panose="020F0502020204030204" pitchFamily="34" charset="0"/>
+                        <a:cs typeface="Times New Roman" panose="02020603050405020304" pitchFamily="18" charset="0"/>
+                      </a:endParaRPr>
+                    </a:p>
+                  </a:txBody>
+                  <a:tcPr marL="62057" marR="62057" marT="0" marB="0" anchor="ctr">
+                    <a:noFill/>
+                  </a:tcPr>
+                </a:tc>
+                <a:extLst>
+                  <a:ext uri="{0D108BD9-81ED-4DB2-BD59-A6C34878D82A}">
+                    <a16:rowId xmlns:a16="http://schemas.microsoft.com/office/drawing/2014/main" val="2341328273"/>
+                  </a:ext>
+                </a:extLst>
+              </a:tr>
+            </a:tbl>
+          </a:graphicData>
+        </a:graphic>
+      </p:graphicFrame>
+    </p:spTree>
+    <p:extLst>
+      <p:ext uri="{BB962C8B-B14F-4D97-AF65-F5344CB8AC3E}">
+        <p14:creationId xmlns:p14="http://schemas.microsoft.com/office/powerpoint/2010/main" val="155989551"/>
+      </p:ext>
+    </p:extLst>
+  </p:cSld>
+  <p:clrMapOvr>
+    <a:masterClrMapping/>
+  </p:clrMapOvr>
+</p:sld>
+</file>
+
+<file path=ppt/slides/slide5.xml><?xml version="1.0" encoding="utf-8"?>
+<p:sld xmlns:a="http://schemas.openxmlformats.org/drawingml/2006/main" xmlns:r="http://schemas.openxmlformats.org/officeDocument/2006/relationships" xmlns:p="http://schemas.openxmlformats.org/presentationml/2006/main">
+  <p:cSld>
+    <p:spTree>
+      <p:nvGrpSpPr>
+        <p:cNvPr id="1" name=""/>
+        <p:cNvGrpSpPr/>
+        <p:nvPr/>
+      </p:nvGrpSpPr>
+      <p:grpSpPr>
+        <a:xfrm>
+          <a:off x="0" y="0"/>
+          <a:ext cx="0" cy="0"/>
+          <a:chOff x="0" y="0"/>
+          <a:chExt cx="0" cy="0"/>
+        </a:xfrm>
+      </p:grpSpPr>
       <p:pic>
         <p:nvPicPr>
           <p:cNvPr id="8" name="Graphic 7">
@@ -6236,10 +8861,10 @@
           <p:nvPr/>
         </p:nvPicPr>
         <p:blipFill>
-          <a:blip r:embed="rId2">
+          <a:blip r:embed="rId3">
             <a:extLst>
               <a:ext uri="{96DAC541-7B7A-43D3-8B79-37D633B846F1}">
-                <asvg:svgBlip xmlns:asvg="http://schemas.microsoft.com/office/drawing/2016/SVG/main" r:embed="rId3"/>
+                <asvg:svgBlip xmlns:asvg="http://schemas.microsoft.com/office/drawing/2016/SVG/main" r:embed="rId4"/>
               </a:ext>
             </a:extLst>
           </a:blip>
@@ -6272,10 +8897,10 @@
           <p:nvPr/>
         </p:nvPicPr>
         <p:blipFill>
-          <a:blip r:embed="rId4">
+          <a:blip r:embed="rId5">
             <a:extLst>
               <a:ext uri="{96DAC541-7B7A-43D3-8B79-37D633B846F1}">
-                <asvg:svgBlip xmlns:asvg="http://schemas.microsoft.com/office/drawing/2016/SVG/main" r:embed="rId5"/>
+                <asvg:svgBlip xmlns:asvg="http://schemas.microsoft.com/office/drawing/2016/SVG/main" r:embed="rId6"/>
               </a:ext>
             </a:extLst>
           </a:blip>
@@ -6335,15 +8960,20 @@
         <p:spPr>
           <a:xfrm>
             <a:off x="7981024" y="-1"/>
-            <a:ext cx="4210976" cy="2584180"/>
+            <a:ext cx="4210976" cy="2934804"/>
           </a:xfrm>
           <a:solidFill>
             <a:schemeClr val="bg1"/>
           </a:solidFill>
         </p:spPr>
         <p:txBody>
-          <a:bodyPr/>
+          <a:bodyPr>
+            <a:normAutofit fontScale="92500"/>
+          </a:bodyPr>
           <a:lstStyle/>
+          <a:p>
+            <a:endParaRPr lang="en-GB" sz="1200" dirty="0"/>
+          </a:p>
           <a:p>
             <a:r>
               <a:rPr lang="en-GB" sz="1200" dirty="0"/>
@@ -6352,31 +8982,36 @@
             <a:r>
               <a:rPr lang="en-GB" sz="1200" dirty="0">
                 <a:solidFill>
-                  <a:srgbClr val="FF0000"/>
+                  <a:schemeClr val="tx1"/>
                 </a:solidFill>
               </a:rPr>
-              <a:t>Also there doesn’t seem to be much skew. Becoming more mesokurtic?</a:t>
+              <a:t>The data also seems to be becoming more leptokurtic over time, implying that while years in education has been increasing over time, the difference in this figure between different countries has also been declining. Upon visual inspection, there is very little skew to this data.</a:t>
             </a:r>
           </a:p>
           <a:p>
-            <a:r>
-              <a:rPr lang="en-GB" sz="1200" dirty="0"/>
-              <a:t>As one might expect, real GDP output per capita and the log-transformed version are highly correlated.</a:t>
-            </a:r>
-          </a:p>
-          <a:p>
-            <a:r>
-              <a:rPr lang="en-GB" sz="1200" dirty="0"/>
-              <a:t>Interestingly, both versions of the real GDP output per capita variable are highly correlated with both number of years since 1970 (year_orig) and years of education (yrs_sch). </a:t>
-            </a:r>
             <a:r>
               <a:rPr lang="en-GB" sz="1200" dirty="0">
                 <a:solidFill>
-                  <a:srgbClr val="FF0000"/>
+                  <a:schemeClr val="tx1"/>
                 </a:solidFill>
               </a:rPr>
-              <a:t>Add more here?</a:t>
+              <a:t>As one might expect</a:t>
             </a:r>
+            <a:r>
+              <a:rPr lang="en-GB" sz="1200" dirty="0"/>
+              <a:t>, real GDP output per capita and the log-transformed version are highly correlated.</a:t>
+            </a:r>
+          </a:p>
+          <a:p>
+            <a:r>
+              <a:rPr lang="en-GB" sz="1200" dirty="0"/>
+              <a:t>Both versions of the real GDP output per capita variable are highly correlated with both number of years since 1970 (year_orig) and years of education (yrs_sch).</a:t>
+            </a:r>
+            <a:endParaRPr lang="en-GB" sz="1200" dirty="0">
+              <a:solidFill>
+                <a:srgbClr val="FF0000"/>
+              </a:solidFill>
+            </a:endParaRPr>
           </a:p>
         </p:txBody>
       </p:sp>
@@ -6395,7 +9030,7 @@
           <p:nvPr>
             <p:extLst>
               <p:ext uri="{D42A27DB-BD31-4B8C-83A1-F6EECF244321}">
-                <p14:modId xmlns:p14="http://schemas.microsoft.com/office/powerpoint/2010/main" val="2953121483"/>
+                <p14:modId xmlns:p14="http://schemas.microsoft.com/office/powerpoint/2010/main" val="2157998694"/>
               </p:ext>
             </p:extLst>
           </p:nvPr>
@@ -6497,9 +9132,16 @@
                     </a:p>
                   </a:txBody>
                   <a:tcPr marL="68580" marR="68580" marT="0" marB="0" anchor="ctr">
-                    <a:solidFill>
-                      <a:schemeClr val="accent1"/>
-                    </a:solidFill>
+                    <a:lnB w="12700" cap="flat" cmpd="sng" algn="ctr">
+                      <a:solidFill>
+                        <a:schemeClr val="tx1"/>
+                      </a:solidFill>
+                      <a:prstDash val="solid"/>
+                      <a:round/>
+                      <a:headEnd type="none" w="med" len="med"/>
+                      <a:tailEnd type="none" w="med" len="med"/>
+                    </a:lnB>
+                    <a:noFill/>
                   </a:tcPr>
                 </a:tc>
                 <a:tc>
@@ -6530,9 +9172,16 @@
                     </a:p>
                   </a:txBody>
                   <a:tcPr marL="68580" marR="68580" marT="0" marB="0" anchor="ctr">
-                    <a:solidFill>
-                      <a:schemeClr val="accent1"/>
-                    </a:solidFill>
+                    <a:lnB w="12700" cap="flat" cmpd="sng" algn="ctr">
+                      <a:solidFill>
+                        <a:schemeClr val="tx1"/>
+                      </a:solidFill>
+                      <a:prstDash val="solid"/>
+                      <a:round/>
+                      <a:headEnd type="none" w="med" len="med"/>
+                      <a:tailEnd type="none" w="med" len="med"/>
+                    </a:lnB>
+                    <a:noFill/>
                   </a:tcPr>
                 </a:tc>
                 <a:tc>
@@ -6563,9 +9212,16 @@
                     </a:p>
                   </a:txBody>
                   <a:tcPr marL="68580" marR="68580" marT="0" marB="0" anchor="ctr">
-                    <a:solidFill>
-                      <a:schemeClr val="accent1"/>
-                    </a:solidFill>
+                    <a:lnB w="12700" cap="flat" cmpd="sng" algn="ctr">
+                      <a:solidFill>
+                        <a:schemeClr val="tx1"/>
+                      </a:solidFill>
+                      <a:prstDash val="solid"/>
+                      <a:round/>
+                      <a:headEnd type="none" w="med" len="med"/>
+                      <a:tailEnd type="none" w="med" len="med"/>
+                    </a:lnB>
+                    <a:noFill/>
                   </a:tcPr>
                 </a:tc>
                 <a:tc>
@@ -6596,9 +9252,16 @@
                     </a:p>
                   </a:txBody>
                   <a:tcPr marL="68580" marR="68580" marT="0" marB="0" anchor="ctr">
-                    <a:solidFill>
-                      <a:schemeClr val="accent1"/>
-                    </a:solidFill>
+                    <a:lnB w="12700" cap="flat" cmpd="sng" algn="ctr">
+                      <a:solidFill>
+                        <a:schemeClr val="tx1"/>
+                      </a:solidFill>
+                      <a:prstDash val="solid"/>
+                      <a:round/>
+                      <a:headEnd type="none" w="med" len="med"/>
+                      <a:tailEnd type="none" w="med" len="med"/>
+                    </a:lnB>
+                    <a:noFill/>
                   </a:tcPr>
                 </a:tc>
                 <a:tc>
@@ -6629,9 +9292,16 @@
                     </a:p>
                   </a:txBody>
                   <a:tcPr marL="68580" marR="68580" marT="0" marB="0" anchor="ctr">
-                    <a:solidFill>
-                      <a:schemeClr val="accent1"/>
-                    </a:solidFill>
+                    <a:lnB w="12700" cap="flat" cmpd="sng" algn="ctr">
+                      <a:solidFill>
+                        <a:schemeClr val="tx1"/>
+                      </a:solidFill>
+                      <a:prstDash val="solid"/>
+                      <a:round/>
+                      <a:headEnd type="none" w="med" len="med"/>
+                      <a:tailEnd type="none" w="med" len="med"/>
+                    </a:lnB>
+                    <a:noFill/>
                   </a:tcPr>
                 </a:tc>
                 <a:tc>
@@ -6662,9 +9332,16 @@
                     </a:p>
                   </a:txBody>
                   <a:tcPr marL="68580" marR="68580" marT="0" marB="0" anchor="ctr">
-                    <a:solidFill>
-                      <a:schemeClr val="accent1"/>
-                    </a:solidFill>
+                    <a:lnB w="12700" cap="flat" cmpd="sng" algn="ctr">
+                      <a:solidFill>
+                        <a:schemeClr val="tx1"/>
+                      </a:solidFill>
+                      <a:prstDash val="solid"/>
+                      <a:round/>
+                      <a:headEnd type="none" w="med" len="med"/>
+                      <a:tailEnd type="none" w="med" len="med"/>
+                    </a:lnB>
+                    <a:noFill/>
                   </a:tcPr>
                 </a:tc>
                 <a:tc>
@@ -6695,9 +9372,16 @@
                     </a:p>
                   </a:txBody>
                   <a:tcPr marL="68580" marR="68580" marT="0" marB="0" anchor="ctr">
-                    <a:solidFill>
-                      <a:schemeClr val="accent1"/>
-                    </a:solidFill>
+                    <a:lnB w="12700" cap="flat" cmpd="sng" algn="ctr">
+                      <a:solidFill>
+                        <a:schemeClr val="tx1"/>
+                      </a:solidFill>
+                      <a:prstDash val="solid"/>
+                      <a:round/>
+                      <a:headEnd type="none" w="med" len="med"/>
+                      <a:tailEnd type="none" w="med" len="med"/>
+                    </a:lnB>
+                    <a:noFill/>
                   </a:tcPr>
                 </a:tc>
                 <a:tc>
@@ -6728,9 +9412,16 @@
                     </a:p>
                   </a:txBody>
                   <a:tcPr marL="68580" marR="68580" marT="0" marB="0" anchor="ctr">
-                    <a:solidFill>
-                      <a:schemeClr val="accent1"/>
-                    </a:solidFill>
+                    <a:lnB w="12700" cap="flat" cmpd="sng" algn="ctr">
+                      <a:solidFill>
+                        <a:schemeClr val="tx1"/>
+                      </a:solidFill>
+                      <a:prstDash val="solid"/>
+                      <a:round/>
+                      <a:headEnd type="none" w="med" len="med"/>
+                      <a:tailEnd type="none" w="med" len="med"/>
+                    </a:lnB>
+                    <a:noFill/>
                   </a:tcPr>
                 </a:tc>
                 <a:extLst>
@@ -6767,7 +9458,17 @@
                       </a:endParaRPr>
                     </a:p>
                   </a:txBody>
-                  <a:tcPr marL="68580" marR="68580" marT="0" marB="0" anchor="ctr"/>
+                  <a:tcPr marL="68580" marR="68580" marT="0" marB="0" anchor="ctr">
+                    <a:lnT w="12700" cap="flat" cmpd="sng" algn="ctr">
+                      <a:solidFill>
+                        <a:schemeClr val="tx1"/>
+                      </a:solidFill>
+                      <a:prstDash val="solid"/>
+                      <a:round/>
+                      <a:headEnd type="none" w="med" len="med"/>
+                      <a:tailEnd type="none" w="med" len="med"/>
+                    </a:lnT>
+                  </a:tcPr>
                 </a:tc>
                 <a:tc>
                   <a:txBody>
@@ -6796,7 +9497,17 @@
                       </a:endParaRPr>
                     </a:p>
                   </a:txBody>
-                  <a:tcPr marL="68580" marR="68580" marT="0" marB="0" anchor="ctr"/>
+                  <a:tcPr marL="68580" marR="68580" marT="0" marB="0" anchor="ctr">
+                    <a:lnT w="12700" cap="flat" cmpd="sng" algn="ctr">
+                      <a:solidFill>
+                        <a:schemeClr val="tx1"/>
+                      </a:solidFill>
+                      <a:prstDash val="solid"/>
+                      <a:round/>
+                      <a:headEnd type="none" w="med" len="med"/>
+                      <a:tailEnd type="none" w="med" len="med"/>
+                    </a:lnT>
+                  </a:tcPr>
                 </a:tc>
                 <a:tc>
                   <a:txBody>
@@ -6825,7 +9536,17 @@
                       </a:endParaRPr>
                     </a:p>
                   </a:txBody>
-                  <a:tcPr marL="68580" marR="68580" marT="0" marB="0" anchor="ctr"/>
+                  <a:tcPr marL="68580" marR="68580" marT="0" marB="0" anchor="ctr">
+                    <a:lnT w="12700" cap="flat" cmpd="sng" algn="ctr">
+                      <a:solidFill>
+                        <a:schemeClr val="tx1"/>
+                      </a:solidFill>
+                      <a:prstDash val="solid"/>
+                      <a:round/>
+                      <a:headEnd type="none" w="med" len="med"/>
+                      <a:tailEnd type="none" w="med" len="med"/>
+                    </a:lnT>
+                  </a:tcPr>
                 </a:tc>
                 <a:tc>
                   <a:txBody>
@@ -6854,7 +9575,17 @@
                       </a:endParaRPr>
                     </a:p>
                   </a:txBody>
-                  <a:tcPr marL="68580" marR="68580" marT="0" marB="0" anchor="ctr"/>
+                  <a:tcPr marL="68580" marR="68580" marT="0" marB="0" anchor="ctr">
+                    <a:lnT w="12700" cap="flat" cmpd="sng" algn="ctr">
+                      <a:solidFill>
+                        <a:schemeClr val="tx1"/>
+                      </a:solidFill>
+                      <a:prstDash val="solid"/>
+                      <a:round/>
+                      <a:headEnd type="none" w="med" len="med"/>
+                      <a:tailEnd type="none" w="med" len="med"/>
+                    </a:lnT>
+                  </a:tcPr>
                 </a:tc>
                 <a:tc>
                   <a:txBody>
@@ -6883,7 +9614,17 @@
                       </a:endParaRPr>
                     </a:p>
                   </a:txBody>
-                  <a:tcPr marL="68580" marR="68580" marT="0" marB="0" anchor="ctr"/>
+                  <a:tcPr marL="68580" marR="68580" marT="0" marB="0" anchor="ctr">
+                    <a:lnT w="12700" cap="flat" cmpd="sng" algn="ctr">
+                      <a:solidFill>
+                        <a:schemeClr val="tx1"/>
+                      </a:solidFill>
+                      <a:prstDash val="solid"/>
+                      <a:round/>
+                      <a:headEnd type="none" w="med" len="med"/>
+                      <a:tailEnd type="none" w="med" len="med"/>
+                    </a:lnT>
+                  </a:tcPr>
                 </a:tc>
                 <a:tc>
                   <a:txBody>
@@ -6912,7 +9653,17 @@
                       </a:endParaRPr>
                     </a:p>
                   </a:txBody>
-                  <a:tcPr marL="68580" marR="68580" marT="0" marB="0" anchor="ctr"/>
+                  <a:tcPr marL="68580" marR="68580" marT="0" marB="0" anchor="ctr">
+                    <a:lnT w="12700" cap="flat" cmpd="sng" algn="ctr">
+                      <a:solidFill>
+                        <a:schemeClr val="tx1"/>
+                      </a:solidFill>
+                      <a:prstDash val="solid"/>
+                      <a:round/>
+                      <a:headEnd type="none" w="med" len="med"/>
+                      <a:tailEnd type="none" w="med" len="med"/>
+                    </a:lnT>
+                  </a:tcPr>
                 </a:tc>
                 <a:tc>
                   <a:txBody>
@@ -6941,7 +9692,17 @@
                       </a:endParaRPr>
                     </a:p>
                   </a:txBody>
-                  <a:tcPr marL="68580" marR="68580" marT="0" marB="0" anchor="ctr"/>
+                  <a:tcPr marL="68580" marR="68580" marT="0" marB="0" anchor="ctr">
+                    <a:lnT w="12700" cap="flat" cmpd="sng" algn="ctr">
+                      <a:solidFill>
+                        <a:schemeClr val="tx1"/>
+                      </a:solidFill>
+                      <a:prstDash val="solid"/>
+                      <a:round/>
+                      <a:headEnd type="none" w="med" len="med"/>
+                      <a:tailEnd type="none" w="med" len="med"/>
+                    </a:lnT>
+                  </a:tcPr>
                 </a:tc>
                 <a:tc>
                   <a:txBody>
@@ -6970,7 +9731,17 @@
                       </a:endParaRPr>
                     </a:p>
                   </a:txBody>
-                  <a:tcPr marL="68580" marR="68580" marT="0" marB="0" anchor="ctr"/>
+                  <a:tcPr marL="68580" marR="68580" marT="0" marB="0" anchor="ctr">
+                    <a:lnT w="12700" cap="flat" cmpd="sng" algn="ctr">
+                      <a:solidFill>
+                        <a:schemeClr val="tx1"/>
+                      </a:solidFill>
+                      <a:prstDash val="solid"/>
+                      <a:round/>
+                      <a:headEnd type="none" w="med" len="med"/>
+                      <a:tailEnd type="none" w="med" len="med"/>
+                    </a:lnT>
+                  </a:tcPr>
                 </a:tc>
                 <a:extLst>
                   <a:ext uri="{0D108BD9-81ED-4DB2-BD59-A6C34878D82A}">
@@ -7471,7 +10242,7 @@
                         </a:spcAft>
                       </a:pPr>
                       <a:r>
-                        <a:rPr lang="en-GB" sz="1100" kern="0" dirty="0" err="1">
+                        <a:rPr lang="en-GB" sz="1100" kern="0" dirty="0">
                           <a:effectLst/>
                         </a:rPr>
                         <a:t>avh</a:t>
@@ -7949,7 +10720,7 @@
                         </a:spcAft>
                       </a:pPr>
                       <a:r>
-                        <a:rPr lang="en-GB" sz="1100" kern="0" dirty="0" err="1">
+                        <a:rPr lang="en-GB" sz="1100" kern="0" dirty="0">
                           <a:effectLst/>
                         </a:rPr>
                         <a:t>fdi</a:t>
@@ -8188,7 +10959,7 @@
                         </a:spcAft>
                       </a:pPr>
                       <a:r>
-                        <a:rPr lang="en-GB" sz="1100" kern="0" dirty="0" err="1">
+                        <a:rPr lang="en-GB" sz="1100" kern="0" dirty="0">
                           <a:effectLst/>
                         </a:rPr>
                         <a:t>ctfp</a:t>
@@ -8691,97 +11462,11 @@
   <p:clrMapOvr>
     <a:masterClrMapping/>
   </p:clrMapOvr>
-</p:sld>
-</file>
-
-<file path=ppt/slides/slide5.xml><?xml version="1.0" encoding="utf-8"?>
-<p:sld xmlns:a="http://schemas.openxmlformats.org/drawingml/2006/main" xmlns:r="http://schemas.openxmlformats.org/officeDocument/2006/relationships" xmlns:p="http://schemas.openxmlformats.org/presentationml/2006/main">
-  <p:cSld>
-    <p:spTree>
-      <p:nvGrpSpPr>
-        <p:cNvPr id="1" name=""/>
-        <p:cNvGrpSpPr/>
-        <p:nvPr/>
-      </p:nvGrpSpPr>
-      <p:grpSpPr>
-        <a:xfrm>
-          <a:off x="0" y="0"/>
-          <a:ext cx="0" cy="0"/>
-          <a:chOff x="0" y="0"/>
-          <a:chExt cx="0" cy="0"/>
-        </a:xfrm>
-      </p:grpSpPr>
-      <p:sp>
-        <p:nvSpPr>
-          <p:cNvPr id="2" name="Title 1"/>
-          <p:cNvSpPr>
-            <a:spLocks noGrp="1"/>
-          </p:cNvSpPr>
-          <p:nvPr>
-            <p:ph type="title"/>
-          </p:nvPr>
-        </p:nvSpPr>
-        <p:spPr/>
-        <p:txBody>
-          <a:bodyPr/>
-          <a:lstStyle/>
-          <a:p>
-            <a:r>
-              <a:rPr lang="en-GB" dirty="0"/>
-              <a:t>Results from your first estimation</a:t>
-            </a:r>
-          </a:p>
-        </p:txBody>
-      </p:sp>
-      <p:sp>
-        <p:nvSpPr>
-          <p:cNvPr id="3" name="Content Placeholder 2"/>
-          <p:cNvSpPr>
-            <a:spLocks noGrp="1"/>
-          </p:cNvSpPr>
-          <p:nvPr>
-            <p:ph idx="1"/>
-          </p:nvPr>
-        </p:nvSpPr>
-        <p:spPr/>
-        <p:txBody>
-          <a:bodyPr vert="horz" lIns="91440" tIns="45720" rIns="91440" bIns="45720" rtlCol="0" anchor="t">
-            <a:normAutofit/>
-          </a:bodyPr>
-          <a:lstStyle/>
-          <a:p>
-            <a:r>
-              <a:rPr lang="en-GB" dirty="0"/>
-              <a:t>Input key results  - including Parameters, </a:t>
-            </a:r>
-            <a:r>
-              <a:rPr lang="en-GB" i="1" dirty="0"/>
-              <a:t>t</a:t>
-            </a:r>
-            <a:r>
-              <a:rPr lang="en-GB" dirty="0"/>
-              <a:t> statistics and other key statistics into a simple table here</a:t>
-            </a:r>
-            <a:endParaRPr lang="en-US"/>
-          </a:p>
-          <a:p>
-            <a:r>
-              <a:rPr lang="en-GB" dirty="0"/>
-              <a:t>If you have done more than one similar regression (e.g. some with controls, some without include this here)</a:t>
-            </a:r>
-          </a:p>
-        </p:txBody>
-      </p:sp>
-    </p:spTree>
-    <p:extLst>
-      <p:ext uri="{BB962C8B-B14F-4D97-AF65-F5344CB8AC3E}">
-        <p14:creationId xmlns:p14="http://schemas.microsoft.com/office/powerpoint/2010/main" val="3400164036"/>
-      </p:ext>
-    </p:extLst>
-  </p:cSld>
-  <p:clrMapOvr>
-    <a:masterClrMapping/>
-  </p:clrMapOvr>
+  <p:extLst>
+    <p:ext uri="{6950BFC3-D8DA-4A85-94F7-54DA5524770B}">
+      <p188:commentRel xmlns:p188="http://schemas.microsoft.com/office/powerpoint/2018/8/main" r:id="rId2"/>
+    </p:ext>
+  </p:extLst>
 </p:sld>
 </file>
 
@@ -8804,6 +11489,83 @@
       </p:grpSpPr>
       <p:sp>
         <p:nvSpPr>
+          <p:cNvPr id="3" name="Content Placeholder 2"/>
+          <p:cNvSpPr>
+            <a:spLocks noGrp="1"/>
+          </p:cNvSpPr>
+          <p:nvPr>
+            <p:ph idx="1"/>
+          </p:nvPr>
+        </p:nvSpPr>
+        <p:spPr>
+          <a:xfrm>
+            <a:off x="677334" y="1405467"/>
+            <a:ext cx="8596668" cy="4635895"/>
+          </a:xfrm>
+        </p:spPr>
+        <p:txBody>
+          <a:bodyPr vert="horz" lIns="91440" tIns="45720" rIns="91440" bIns="45720" rtlCol="0" anchor="t">
+            <a:normAutofit/>
+          </a:bodyPr>
+          <a:lstStyle/>
+          <a:p>
+            <a:pPr marL="0" indent="0">
+              <a:buNone/>
+            </a:pPr>
+            <a:r>
+              <a:rPr lang="en-GB" dirty="0">
+                <a:latin typeface="+mj-lt"/>
+              </a:rPr>
+              <a:t>rgdpo.pop = const + B1·year_orig + B2·yrs_sch + B3·voc</a:t>
+            </a:r>
+          </a:p>
+          <a:p>
+            <a:pPr marL="400050" lvl="1" indent="0">
+              <a:buNone/>
+            </a:pPr>
+            <a:endParaRPr lang="en-GB" dirty="0">
+              <a:latin typeface="+mj-lt"/>
+            </a:endParaRPr>
+          </a:p>
+          <a:p>
+            <a:pPr marL="400050" lvl="1" indent="0">
+              <a:buNone/>
+            </a:pPr>
+            <a:endParaRPr lang="en-GB" dirty="0">
+              <a:latin typeface="+mj-lt"/>
+            </a:endParaRPr>
+          </a:p>
+          <a:p>
+            <a:pPr marL="400050" lvl="1" indent="0">
+              <a:buNone/>
+            </a:pPr>
+            <a:endParaRPr lang="en-GB" dirty="0">
+              <a:latin typeface="+mj-lt"/>
+            </a:endParaRPr>
+          </a:p>
+          <a:p>
+            <a:pPr marL="400050" lvl="1" indent="0">
+              <a:buNone/>
+            </a:pPr>
+            <a:endParaRPr lang="en-GB" dirty="0">
+              <a:latin typeface="+mj-lt"/>
+            </a:endParaRPr>
+          </a:p>
+          <a:p>
+            <a:pPr marL="0" indent="0">
+              <a:buNone/>
+            </a:pPr>
+            <a:r>
+              <a:rPr lang="en-GB" dirty="0">
+                <a:latin typeface="+mj-lt"/>
+              </a:rPr>
+              <a:t>rgdpo.pop = const + B1·year_orig + B2·yrs_sch + B3·voc + B4·ctfp</a:t>
+            </a:r>
+          </a:p>
+        </p:txBody>
+      </p:sp>
+      <p:sp>
+        <p:nvSpPr>
           <p:cNvPr id="2" name="Title 1"/>
           <p:cNvSpPr>
             <a:spLocks noGrp="1"/>
@@ -8819,97 +11581,4679 @@
           <a:p>
             <a:r>
               <a:rPr lang="en-GB" dirty="0"/>
-              <a:t>Discussion of your results</a:t>
+              <a:t>Results from your first estimation</a:t>
             </a:r>
           </a:p>
         </p:txBody>
       </p:sp>
-      <p:sp>
-        <p:nvSpPr>
-          <p:cNvPr id="3" name="Content Placeholder 2"/>
-          <p:cNvSpPr>
-            <a:spLocks noGrp="1"/>
-          </p:cNvSpPr>
+      <p:graphicFrame>
+        <p:nvGraphicFramePr>
+          <p:cNvPr id="4" name="Table 3">
+            <a:extLst>
+              <a:ext uri="{FF2B5EF4-FFF2-40B4-BE49-F238E27FC236}">
+                <a16:creationId xmlns:a16="http://schemas.microsoft.com/office/drawing/2014/main" id="{B8A264D4-8EDA-39FA-0F70-7F572C975B4E}"/>
+              </a:ext>
+            </a:extLst>
+          </p:cNvPr>
+          <p:cNvGraphicFramePr>
+            <a:graphicFrameLocks noGrp="1"/>
+          </p:cNvGraphicFramePr>
           <p:nvPr>
-            <p:ph idx="1"/>
+            <p:extLst>
+              <p:ext uri="{D42A27DB-BD31-4B8C-83A1-F6EECF244321}">
+                <p14:modId xmlns:p14="http://schemas.microsoft.com/office/powerpoint/2010/main" val="3307137683"/>
+              </p:ext>
+            </p:extLst>
           </p:nvPr>
-        </p:nvSpPr>
-        <p:spPr/>
-        <p:txBody>
-          <a:bodyPr vert="horz" lIns="91440" tIns="45720" rIns="91440" bIns="45720" rtlCol="0" anchor="t">
-            <a:normAutofit/>
-          </a:bodyPr>
-          <a:lstStyle/>
-          <a:p>
-            <a:r>
-              <a:rPr lang="en-GB" dirty="0"/>
-              <a:t>Key take aways from these regression and a comparison of results where appropriate </a:t>
-            </a:r>
-            <a:endParaRPr lang="en-US" dirty="0">
-              <a:ea typeface="+mn-lt"/>
-              <a:cs typeface="+mn-lt"/>
-            </a:endParaRPr>
-          </a:p>
-          <a:p>
-            <a:pPr lvl="1"/>
-            <a:r>
-              <a:rPr lang="en-GB" dirty="0">
-                <a:ea typeface="+mn-lt"/>
-                <a:cs typeface="+mn-lt"/>
-              </a:rPr>
-              <a:t>If you have employed any pre-test or hypothesis testing procedure – just include the qualitative interpretation of the test (and the name of the test conducted)</a:t>
-            </a:r>
-            <a:endParaRPr lang="en-US">
-              <a:ea typeface="+mn-lt"/>
-              <a:cs typeface="+mn-lt"/>
-            </a:endParaRPr>
-          </a:p>
-          <a:p>
-            <a:r>
-              <a:rPr lang="en-GB" dirty="0"/>
-              <a:t>What do the results mean, </a:t>
-            </a:r>
-          </a:p>
-          <a:p>
-            <a:pPr lvl="1"/>
-            <a:r>
-              <a:rPr lang="en-GB" dirty="0"/>
-              <a:t>Are the results statistically significant</a:t>
-            </a:r>
-          </a:p>
-          <a:p>
-            <a:pPr lvl="1"/>
-            <a:r>
-              <a:rPr lang="en-GB" dirty="0"/>
-              <a:t>Are they economically important</a:t>
-            </a:r>
-          </a:p>
-          <a:p>
-            <a:pPr lvl="1"/>
-            <a:r>
-              <a:rPr lang="en-GB" dirty="0"/>
-              <a:t>can you use them to answer your question?</a:t>
-            </a:r>
-            <a:endParaRPr lang="en-GB"/>
-          </a:p>
-          <a:p>
-            <a:r>
-              <a:rPr lang="en-GB" dirty="0"/>
-              <a:t>A discussion of the problems/weaknesses of your methodology</a:t>
-            </a:r>
-          </a:p>
-        </p:txBody>
-      </p:sp>
+        </p:nvGraphicFramePr>
+        <p:xfrm>
+          <a:off x="1176863" y="1930400"/>
+          <a:ext cx="5400002" cy="1084265"/>
+        </p:xfrm>
+        <a:graphic>
+          <a:graphicData uri="http://schemas.openxmlformats.org/drawingml/2006/table">
+            <a:tbl>
+              <a:tblPr>
+                <a:tableStyleId>{5C22544A-7EE6-4342-B048-85BDC9FD1C3A}</a:tableStyleId>
+              </a:tblPr>
+              <a:tblGrid>
+                <a:gridCol w="1297883">
+                  <a:extLst>
+                    <a:ext uri="{9D8B030D-6E8A-4147-A177-3AD203B41FA5}">
+                      <a16:colId xmlns:a16="http://schemas.microsoft.com/office/drawing/2014/main" val="2271240763"/>
+                    </a:ext>
+                  </a:extLst>
+                </a:gridCol>
+                <a:gridCol w="941470">
+                  <a:extLst>
+                    <a:ext uri="{9D8B030D-6E8A-4147-A177-3AD203B41FA5}">
+                      <a16:colId xmlns:a16="http://schemas.microsoft.com/office/drawing/2014/main" val="349674893"/>
+                    </a:ext>
+                  </a:extLst>
+                </a:gridCol>
+                <a:gridCol w="941470">
+                  <a:extLst>
+                    <a:ext uri="{9D8B030D-6E8A-4147-A177-3AD203B41FA5}">
+                      <a16:colId xmlns:a16="http://schemas.microsoft.com/office/drawing/2014/main" val="4135150679"/>
+                    </a:ext>
+                  </a:extLst>
+                </a:gridCol>
+                <a:gridCol w="941470">
+                  <a:extLst>
+                    <a:ext uri="{9D8B030D-6E8A-4147-A177-3AD203B41FA5}">
+                      <a16:colId xmlns:a16="http://schemas.microsoft.com/office/drawing/2014/main" val="1150648570"/>
+                    </a:ext>
+                  </a:extLst>
+                </a:gridCol>
+                <a:gridCol w="941470">
+                  <a:extLst>
+                    <a:ext uri="{9D8B030D-6E8A-4147-A177-3AD203B41FA5}">
+                      <a16:colId xmlns:a16="http://schemas.microsoft.com/office/drawing/2014/main" val="3388781780"/>
+                    </a:ext>
+                  </a:extLst>
+                </a:gridCol>
+                <a:gridCol w="336239">
+                  <a:extLst>
+                    <a:ext uri="{9D8B030D-6E8A-4147-A177-3AD203B41FA5}">
+                      <a16:colId xmlns:a16="http://schemas.microsoft.com/office/drawing/2014/main" val="1939272700"/>
+                    </a:ext>
+                  </a:extLst>
+                </a:gridCol>
+              </a:tblGrid>
+              <a:tr h="79851">
+                <a:tc>
+                  <a:txBody>
+                    <a:bodyPr/>
+                    <a:lstStyle/>
+                    <a:p>
+                      <a:pPr algn="l">
+                        <a:lnSpc>
+                          <a:spcPct val="107000"/>
+                        </a:lnSpc>
+                        <a:spcAft>
+                          <a:spcPts val="800"/>
+                        </a:spcAft>
+                      </a:pPr>
+                      <a:r>
+                        <a:rPr lang="en-GB" sz="1400" kern="0" dirty="0">
+                          <a:solidFill>
+                            <a:schemeClr val="bg2">
+                              <a:lumMod val="25000"/>
+                            </a:schemeClr>
+                          </a:solidFill>
+                          <a:effectLst/>
+                        </a:rPr>
+                        <a:t> </a:t>
+                      </a:r>
+                      <a:endParaRPr lang="en-GB" sz="1400" kern="100" dirty="0">
+                        <a:solidFill>
+                          <a:schemeClr val="bg2">
+                            <a:lumMod val="25000"/>
+                          </a:schemeClr>
+                        </a:solidFill>
+                        <a:effectLst/>
+                        <a:latin typeface="Calibri" panose="020F0502020204030204" pitchFamily="34" charset="0"/>
+                        <a:ea typeface="Calibri" panose="020F0502020204030204" pitchFamily="34" charset="0"/>
+                        <a:cs typeface="Times New Roman" panose="02020603050405020304" pitchFamily="18" charset="0"/>
+                      </a:endParaRPr>
+                    </a:p>
+                  </a:txBody>
+                  <a:tcPr marL="19050" marR="19050" marT="0" marB="0" anchor="ctr">
+                    <a:lnB w="12700" cap="flat" cmpd="sng" algn="ctr">
+                      <a:solidFill>
+                        <a:schemeClr val="tx1"/>
+                      </a:solidFill>
+                      <a:prstDash val="solid"/>
+                      <a:round/>
+                      <a:headEnd type="none" w="med" len="med"/>
+                      <a:tailEnd type="none" w="med" len="med"/>
+                    </a:lnB>
+                    <a:noFill/>
+                  </a:tcPr>
+                </a:tc>
+                <a:tc>
+                  <a:txBody>
+                    <a:bodyPr/>
+                    <a:lstStyle/>
+                    <a:p>
+                      <a:pPr algn="r">
+                        <a:lnSpc>
+                          <a:spcPct val="107000"/>
+                        </a:lnSpc>
+                        <a:spcAft>
+                          <a:spcPts val="800"/>
+                        </a:spcAft>
+                      </a:pPr>
+                      <a:r>
+                        <a:rPr lang="en-GB" sz="1400" kern="0" dirty="0">
+                          <a:solidFill>
+                            <a:schemeClr val="bg2">
+                              <a:lumMod val="25000"/>
+                            </a:schemeClr>
+                          </a:solidFill>
+                          <a:effectLst/>
+                        </a:rPr>
+                        <a:t>Coefficient</a:t>
+                      </a:r>
+                      <a:endParaRPr lang="en-GB" sz="1400" kern="100" dirty="0">
+                        <a:solidFill>
+                          <a:schemeClr val="bg2">
+                            <a:lumMod val="25000"/>
+                          </a:schemeClr>
+                        </a:solidFill>
+                        <a:effectLst/>
+                        <a:latin typeface="Calibri" panose="020F0502020204030204" pitchFamily="34" charset="0"/>
+                        <a:ea typeface="Calibri" panose="020F0502020204030204" pitchFamily="34" charset="0"/>
+                        <a:cs typeface="Times New Roman" panose="02020603050405020304" pitchFamily="18" charset="0"/>
+                      </a:endParaRPr>
+                    </a:p>
+                  </a:txBody>
+                  <a:tcPr marL="19050" marR="19050" marT="0" marB="0" anchor="ctr">
+                    <a:lnB w="12700" cap="flat" cmpd="sng" algn="ctr">
+                      <a:solidFill>
+                        <a:schemeClr val="tx1"/>
+                      </a:solidFill>
+                      <a:prstDash val="solid"/>
+                      <a:round/>
+                      <a:headEnd type="none" w="med" len="med"/>
+                      <a:tailEnd type="none" w="med" len="med"/>
+                    </a:lnB>
+                    <a:noFill/>
+                  </a:tcPr>
+                </a:tc>
+                <a:tc>
+                  <a:txBody>
+                    <a:bodyPr/>
+                    <a:lstStyle/>
+                    <a:p>
+                      <a:pPr algn="r">
+                        <a:lnSpc>
+                          <a:spcPct val="107000"/>
+                        </a:lnSpc>
+                        <a:spcAft>
+                          <a:spcPts val="800"/>
+                        </a:spcAft>
+                      </a:pPr>
+                      <a:r>
+                        <a:rPr lang="en-GB" sz="1400" kern="0" dirty="0">
+                          <a:solidFill>
+                            <a:schemeClr val="bg2">
+                              <a:lumMod val="25000"/>
+                            </a:schemeClr>
+                          </a:solidFill>
+                          <a:effectLst/>
+                        </a:rPr>
+                        <a:t>Std. Error</a:t>
+                      </a:r>
+                      <a:endParaRPr lang="en-GB" sz="1400" kern="100" dirty="0">
+                        <a:solidFill>
+                          <a:schemeClr val="bg2">
+                            <a:lumMod val="25000"/>
+                          </a:schemeClr>
+                        </a:solidFill>
+                        <a:effectLst/>
+                        <a:latin typeface="Calibri" panose="020F0502020204030204" pitchFamily="34" charset="0"/>
+                        <a:ea typeface="Calibri" panose="020F0502020204030204" pitchFamily="34" charset="0"/>
+                        <a:cs typeface="Times New Roman" panose="02020603050405020304" pitchFamily="18" charset="0"/>
+                      </a:endParaRPr>
+                    </a:p>
+                  </a:txBody>
+                  <a:tcPr marL="19050" marR="19050" marT="0" marB="0" anchor="ctr">
+                    <a:lnB w="12700" cap="flat" cmpd="sng" algn="ctr">
+                      <a:solidFill>
+                        <a:schemeClr val="tx1"/>
+                      </a:solidFill>
+                      <a:prstDash val="solid"/>
+                      <a:round/>
+                      <a:headEnd type="none" w="med" len="med"/>
+                      <a:tailEnd type="none" w="med" len="med"/>
+                    </a:lnB>
+                    <a:noFill/>
+                  </a:tcPr>
+                </a:tc>
+                <a:tc>
+                  <a:txBody>
+                    <a:bodyPr/>
+                    <a:lstStyle/>
+                    <a:p>
+                      <a:pPr algn="r">
+                        <a:lnSpc>
+                          <a:spcPct val="107000"/>
+                        </a:lnSpc>
+                        <a:spcAft>
+                          <a:spcPts val="800"/>
+                        </a:spcAft>
+                      </a:pPr>
+                      <a:r>
+                        <a:rPr lang="en-GB" sz="1400" kern="0" dirty="0">
+                          <a:solidFill>
+                            <a:schemeClr val="bg2">
+                              <a:lumMod val="25000"/>
+                            </a:schemeClr>
+                          </a:solidFill>
+                          <a:effectLst/>
+                        </a:rPr>
+                        <a:t>t-ratio</a:t>
+                      </a:r>
+                      <a:endParaRPr lang="en-GB" sz="1400" kern="100" dirty="0">
+                        <a:solidFill>
+                          <a:schemeClr val="bg2">
+                            <a:lumMod val="25000"/>
+                          </a:schemeClr>
+                        </a:solidFill>
+                        <a:effectLst/>
+                        <a:latin typeface="Calibri" panose="020F0502020204030204" pitchFamily="34" charset="0"/>
+                        <a:ea typeface="Calibri" panose="020F0502020204030204" pitchFamily="34" charset="0"/>
+                        <a:cs typeface="Times New Roman" panose="02020603050405020304" pitchFamily="18" charset="0"/>
+                      </a:endParaRPr>
+                    </a:p>
+                  </a:txBody>
+                  <a:tcPr marL="19050" marR="19050" marT="0" marB="0" anchor="ctr">
+                    <a:lnB w="12700" cap="flat" cmpd="sng" algn="ctr">
+                      <a:solidFill>
+                        <a:schemeClr val="tx1"/>
+                      </a:solidFill>
+                      <a:prstDash val="solid"/>
+                      <a:round/>
+                      <a:headEnd type="none" w="med" len="med"/>
+                      <a:tailEnd type="none" w="med" len="med"/>
+                    </a:lnB>
+                    <a:noFill/>
+                  </a:tcPr>
+                </a:tc>
+                <a:tc>
+                  <a:txBody>
+                    <a:bodyPr/>
+                    <a:lstStyle/>
+                    <a:p>
+                      <a:pPr algn="r">
+                        <a:lnSpc>
+                          <a:spcPct val="107000"/>
+                        </a:lnSpc>
+                        <a:spcAft>
+                          <a:spcPts val="800"/>
+                        </a:spcAft>
+                      </a:pPr>
+                      <a:r>
+                        <a:rPr lang="en-GB" sz="1400" kern="0" dirty="0">
+                          <a:solidFill>
+                            <a:schemeClr val="bg2">
+                              <a:lumMod val="25000"/>
+                            </a:schemeClr>
+                          </a:solidFill>
+                          <a:effectLst/>
+                        </a:rPr>
+                        <a:t>p-value</a:t>
+                      </a:r>
+                      <a:endParaRPr lang="en-GB" sz="1400" kern="100" dirty="0">
+                        <a:solidFill>
+                          <a:schemeClr val="bg2">
+                            <a:lumMod val="25000"/>
+                          </a:schemeClr>
+                        </a:solidFill>
+                        <a:effectLst/>
+                        <a:latin typeface="Calibri" panose="020F0502020204030204" pitchFamily="34" charset="0"/>
+                        <a:ea typeface="Calibri" panose="020F0502020204030204" pitchFamily="34" charset="0"/>
+                        <a:cs typeface="Times New Roman" panose="02020603050405020304" pitchFamily="18" charset="0"/>
+                      </a:endParaRPr>
+                    </a:p>
+                  </a:txBody>
+                  <a:tcPr marL="19050" marR="19050" marT="0" marB="0" anchor="ctr">
+                    <a:lnB w="12700" cap="flat" cmpd="sng" algn="ctr">
+                      <a:solidFill>
+                        <a:schemeClr val="tx1"/>
+                      </a:solidFill>
+                      <a:prstDash val="solid"/>
+                      <a:round/>
+                      <a:headEnd type="none" w="med" len="med"/>
+                      <a:tailEnd type="none" w="med" len="med"/>
+                    </a:lnB>
+                    <a:noFill/>
+                  </a:tcPr>
+                </a:tc>
+                <a:tc>
+                  <a:txBody>
+                    <a:bodyPr/>
+                    <a:lstStyle/>
+                    <a:p>
+                      <a:pPr algn="ctr">
+                        <a:lnSpc>
+                          <a:spcPct val="107000"/>
+                        </a:lnSpc>
+                        <a:spcAft>
+                          <a:spcPts val="800"/>
+                        </a:spcAft>
+                      </a:pPr>
+                      <a:r>
+                        <a:rPr lang="en-GB" sz="1400" kern="0" dirty="0">
+                          <a:solidFill>
+                            <a:schemeClr val="bg2">
+                              <a:lumMod val="25000"/>
+                            </a:schemeClr>
+                          </a:solidFill>
+                          <a:effectLst/>
+                        </a:rPr>
+                        <a:t> </a:t>
+                      </a:r>
+                      <a:endParaRPr lang="en-GB" sz="1400" kern="100" dirty="0">
+                        <a:solidFill>
+                          <a:schemeClr val="bg2">
+                            <a:lumMod val="25000"/>
+                          </a:schemeClr>
+                        </a:solidFill>
+                        <a:effectLst/>
+                        <a:latin typeface="Calibri" panose="020F0502020204030204" pitchFamily="34" charset="0"/>
+                        <a:ea typeface="Calibri" panose="020F0502020204030204" pitchFamily="34" charset="0"/>
+                        <a:cs typeface="Times New Roman" panose="02020603050405020304" pitchFamily="18" charset="0"/>
+                      </a:endParaRPr>
+                    </a:p>
+                  </a:txBody>
+                  <a:tcPr marL="19050" marR="19050" marT="0" marB="0" anchor="ctr">
+                    <a:noFill/>
+                  </a:tcPr>
+                </a:tc>
+                <a:extLst>
+                  <a:ext uri="{0D108BD9-81ED-4DB2-BD59-A6C34878D82A}">
+                    <a16:rowId xmlns:a16="http://schemas.microsoft.com/office/drawing/2014/main" val="577462037"/>
+                  </a:ext>
+                </a:extLst>
+              </a:tr>
+              <a:tr h="166370">
+                <a:tc>
+                  <a:txBody>
+                    <a:bodyPr/>
+                    <a:lstStyle/>
+                    <a:p>
+                      <a:pPr algn="l">
+                        <a:lnSpc>
+                          <a:spcPct val="107000"/>
+                        </a:lnSpc>
+                        <a:spcAft>
+                          <a:spcPts val="800"/>
+                        </a:spcAft>
+                      </a:pPr>
+                      <a:r>
+                        <a:rPr lang="en-GB" sz="1400" kern="0" dirty="0">
+                          <a:solidFill>
+                            <a:schemeClr val="bg2">
+                              <a:lumMod val="25000"/>
+                            </a:schemeClr>
+                          </a:solidFill>
+                          <a:effectLst/>
+                        </a:rPr>
+                        <a:t>const</a:t>
+                      </a:r>
+                      <a:endParaRPr lang="en-GB" sz="1400" kern="100" dirty="0">
+                        <a:solidFill>
+                          <a:schemeClr val="bg2">
+                            <a:lumMod val="25000"/>
+                          </a:schemeClr>
+                        </a:solidFill>
+                        <a:effectLst/>
+                        <a:latin typeface="Calibri" panose="020F0502020204030204" pitchFamily="34" charset="0"/>
+                        <a:ea typeface="Calibri" panose="020F0502020204030204" pitchFamily="34" charset="0"/>
+                        <a:cs typeface="Times New Roman" panose="02020603050405020304" pitchFamily="18" charset="0"/>
+                      </a:endParaRPr>
+                    </a:p>
+                  </a:txBody>
+                  <a:tcPr marL="19050" marR="19050" marT="0" marB="0" anchor="ctr">
+                    <a:lnT w="12700" cap="flat" cmpd="sng" algn="ctr">
+                      <a:solidFill>
+                        <a:schemeClr val="tx1"/>
+                      </a:solidFill>
+                      <a:prstDash val="solid"/>
+                      <a:round/>
+                      <a:headEnd type="none" w="med" len="med"/>
+                      <a:tailEnd type="none" w="med" len="med"/>
+                    </a:lnT>
+                    <a:noFill/>
+                  </a:tcPr>
+                </a:tc>
+                <a:tc>
+                  <a:txBody>
+                    <a:bodyPr/>
+                    <a:lstStyle/>
+                    <a:p>
+                      <a:pPr algn="r">
+                        <a:lnSpc>
+                          <a:spcPct val="107000"/>
+                        </a:lnSpc>
+                        <a:spcAft>
+                          <a:spcPts val="800"/>
+                        </a:spcAft>
+                      </a:pPr>
+                      <a:r>
+                        <a:rPr lang="en-GB" sz="1400" kern="0" dirty="0">
+                          <a:solidFill>
+                            <a:schemeClr val="bg2">
+                              <a:lumMod val="25000"/>
+                            </a:schemeClr>
+                          </a:solidFill>
+                          <a:effectLst/>
+                        </a:rPr>
+                        <a:t>−934.22</a:t>
+                      </a:r>
+                      <a:endParaRPr lang="en-GB" sz="1400" kern="100" dirty="0">
+                        <a:solidFill>
+                          <a:schemeClr val="bg2">
+                            <a:lumMod val="25000"/>
+                          </a:schemeClr>
+                        </a:solidFill>
+                        <a:effectLst/>
+                        <a:latin typeface="Calibri" panose="020F0502020204030204" pitchFamily="34" charset="0"/>
+                        <a:ea typeface="Calibri" panose="020F0502020204030204" pitchFamily="34" charset="0"/>
+                        <a:cs typeface="Times New Roman" panose="02020603050405020304" pitchFamily="18" charset="0"/>
+                      </a:endParaRPr>
+                    </a:p>
+                  </a:txBody>
+                  <a:tcPr marL="19050" marR="19050" marT="0" marB="0" anchor="ctr">
+                    <a:lnT w="12700" cap="flat" cmpd="sng" algn="ctr">
+                      <a:solidFill>
+                        <a:schemeClr val="tx1"/>
+                      </a:solidFill>
+                      <a:prstDash val="solid"/>
+                      <a:round/>
+                      <a:headEnd type="none" w="med" len="med"/>
+                      <a:tailEnd type="none" w="med" len="med"/>
+                    </a:lnT>
+                    <a:noFill/>
+                  </a:tcPr>
+                </a:tc>
+                <a:tc>
+                  <a:txBody>
+                    <a:bodyPr/>
+                    <a:lstStyle/>
+                    <a:p>
+                      <a:pPr algn="r">
+                        <a:lnSpc>
+                          <a:spcPct val="107000"/>
+                        </a:lnSpc>
+                        <a:spcAft>
+                          <a:spcPts val="800"/>
+                        </a:spcAft>
+                      </a:pPr>
+                      <a:r>
+                        <a:rPr lang="en-GB" sz="1400" kern="0" dirty="0">
+                          <a:solidFill>
+                            <a:schemeClr val="bg2">
+                              <a:lumMod val="25000"/>
+                            </a:schemeClr>
+                          </a:solidFill>
+                          <a:effectLst/>
+                        </a:rPr>
+                        <a:t>4994.95</a:t>
+                      </a:r>
+                      <a:endParaRPr lang="en-GB" sz="1400" kern="100" dirty="0">
+                        <a:solidFill>
+                          <a:schemeClr val="bg2">
+                            <a:lumMod val="25000"/>
+                          </a:schemeClr>
+                        </a:solidFill>
+                        <a:effectLst/>
+                        <a:latin typeface="Calibri" panose="020F0502020204030204" pitchFamily="34" charset="0"/>
+                        <a:ea typeface="Calibri" panose="020F0502020204030204" pitchFamily="34" charset="0"/>
+                        <a:cs typeface="Times New Roman" panose="02020603050405020304" pitchFamily="18" charset="0"/>
+                      </a:endParaRPr>
+                    </a:p>
+                  </a:txBody>
+                  <a:tcPr marL="19050" marR="19050" marT="0" marB="0" anchor="ctr">
+                    <a:lnT w="12700" cap="flat" cmpd="sng" algn="ctr">
+                      <a:solidFill>
+                        <a:schemeClr val="tx1"/>
+                      </a:solidFill>
+                      <a:prstDash val="solid"/>
+                      <a:round/>
+                      <a:headEnd type="none" w="med" len="med"/>
+                      <a:tailEnd type="none" w="med" len="med"/>
+                    </a:lnT>
+                    <a:noFill/>
+                  </a:tcPr>
+                </a:tc>
+                <a:tc>
+                  <a:txBody>
+                    <a:bodyPr/>
+                    <a:lstStyle/>
+                    <a:p>
+                      <a:pPr algn="r">
+                        <a:lnSpc>
+                          <a:spcPct val="107000"/>
+                        </a:lnSpc>
+                        <a:spcAft>
+                          <a:spcPts val="800"/>
+                        </a:spcAft>
+                      </a:pPr>
+                      <a:r>
+                        <a:rPr lang="en-GB" sz="1400" kern="0" dirty="0">
+                          <a:solidFill>
+                            <a:schemeClr val="bg2">
+                              <a:lumMod val="25000"/>
+                            </a:schemeClr>
+                          </a:solidFill>
+                          <a:effectLst/>
+                        </a:rPr>
+                        <a:t>−0.19</a:t>
+                      </a:r>
+                      <a:endParaRPr lang="en-GB" sz="1400" kern="100" dirty="0">
+                        <a:solidFill>
+                          <a:schemeClr val="bg2">
+                            <a:lumMod val="25000"/>
+                          </a:schemeClr>
+                        </a:solidFill>
+                        <a:effectLst/>
+                        <a:latin typeface="Calibri" panose="020F0502020204030204" pitchFamily="34" charset="0"/>
+                        <a:ea typeface="Calibri" panose="020F0502020204030204" pitchFamily="34" charset="0"/>
+                        <a:cs typeface="Times New Roman" panose="02020603050405020304" pitchFamily="18" charset="0"/>
+                      </a:endParaRPr>
+                    </a:p>
+                  </a:txBody>
+                  <a:tcPr marL="19050" marR="19050" marT="0" marB="0" anchor="ctr">
+                    <a:lnT w="12700" cap="flat" cmpd="sng" algn="ctr">
+                      <a:solidFill>
+                        <a:schemeClr val="tx1"/>
+                      </a:solidFill>
+                      <a:prstDash val="solid"/>
+                      <a:round/>
+                      <a:headEnd type="none" w="med" len="med"/>
+                      <a:tailEnd type="none" w="med" len="med"/>
+                    </a:lnT>
+                    <a:noFill/>
+                  </a:tcPr>
+                </a:tc>
+                <a:tc>
+                  <a:txBody>
+                    <a:bodyPr/>
+                    <a:lstStyle/>
+                    <a:p>
+                      <a:pPr algn="r">
+                        <a:lnSpc>
+                          <a:spcPct val="107000"/>
+                        </a:lnSpc>
+                        <a:spcAft>
+                          <a:spcPts val="800"/>
+                        </a:spcAft>
+                      </a:pPr>
+                      <a:r>
+                        <a:rPr lang="en-GB" sz="1400" kern="0" dirty="0">
+                          <a:solidFill>
+                            <a:schemeClr val="bg2">
+                              <a:lumMod val="25000"/>
+                            </a:schemeClr>
+                          </a:solidFill>
+                          <a:effectLst/>
+                        </a:rPr>
+                        <a:t>0.8518</a:t>
+                      </a:r>
+                      <a:endParaRPr lang="en-GB" sz="1400" kern="100" dirty="0">
+                        <a:solidFill>
+                          <a:schemeClr val="bg2">
+                            <a:lumMod val="25000"/>
+                          </a:schemeClr>
+                        </a:solidFill>
+                        <a:effectLst/>
+                        <a:latin typeface="Calibri" panose="020F0502020204030204" pitchFamily="34" charset="0"/>
+                        <a:ea typeface="Calibri" panose="020F0502020204030204" pitchFamily="34" charset="0"/>
+                        <a:cs typeface="Times New Roman" panose="02020603050405020304" pitchFamily="18" charset="0"/>
+                      </a:endParaRPr>
+                    </a:p>
+                  </a:txBody>
+                  <a:tcPr marL="19050" marR="19050" marT="0" marB="0" anchor="ctr">
+                    <a:lnT w="12700" cap="flat" cmpd="sng" algn="ctr">
+                      <a:solidFill>
+                        <a:schemeClr val="tx1"/>
+                      </a:solidFill>
+                      <a:prstDash val="solid"/>
+                      <a:round/>
+                      <a:headEnd type="none" w="med" len="med"/>
+                      <a:tailEnd type="none" w="med" len="med"/>
+                    </a:lnT>
+                    <a:noFill/>
+                  </a:tcPr>
+                </a:tc>
+                <a:tc>
+                  <a:txBody>
+                    <a:bodyPr/>
+                    <a:lstStyle/>
+                    <a:p>
+                      <a:pPr algn="ctr">
+                        <a:lnSpc>
+                          <a:spcPct val="107000"/>
+                        </a:lnSpc>
+                        <a:spcAft>
+                          <a:spcPts val="800"/>
+                        </a:spcAft>
+                      </a:pPr>
+                      <a:r>
+                        <a:rPr lang="en-GB" sz="1400" kern="0" dirty="0">
+                          <a:solidFill>
+                            <a:schemeClr val="bg2">
+                              <a:lumMod val="25000"/>
+                            </a:schemeClr>
+                          </a:solidFill>
+                          <a:effectLst/>
+                        </a:rPr>
+                        <a:t> </a:t>
+                      </a:r>
+                      <a:endParaRPr lang="en-GB" sz="1400" kern="100" dirty="0">
+                        <a:solidFill>
+                          <a:schemeClr val="bg2">
+                            <a:lumMod val="25000"/>
+                          </a:schemeClr>
+                        </a:solidFill>
+                        <a:effectLst/>
+                        <a:latin typeface="Calibri" panose="020F0502020204030204" pitchFamily="34" charset="0"/>
+                        <a:ea typeface="Calibri" panose="020F0502020204030204" pitchFamily="34" charset="0"/>
+                        <a:cs typeface="Times New Roman" panose="02020603050405020304" pitchFamily="18" charset="0"/>
+                      </a:endParaRPr>
+                    </a:p>
+                  </a:txBody>
+                  <a:tcPr marL="19050" marR="19050" marT="0" marB="0" anchor="ctr">
+                    <a:noFill/>
+                  </a:tcPr>
+                </a:tc>
+                <a:extLst>
+                  <a:ext uri="{0D108BD9-81ED-4DB2-BD59-A6C34878D82A}">
+                    <a16:rowId xmlns:a16="http://schemas.microsoft.com/office/drawing/2014/main" val="3870460762"/>
+                  </a:ext>
+                </a:extLst>
+              </a:tr>
+              <a:tr h="166370">
+                <a:tc>
+                  <a:txBody>
+                    <a:bodyPr/>
+                    <a:lstStyle/>
+                    <a:p>
+                      <a:pPr algn="l">
+                        <a:lnSpc>
+                          <a:spcPct val="107000"/>
+                        </a:lnSpc>
+                        <a:spcAft>
+                          <a:spcPts val="800"/>
+                        </a:spcAft>
+                      </a:pPr>
+                      <a:r>
+                        <a:rPr lang="en-GB" sz="1400" kern="0" dirty="0">
+                          <a:solidFill>
+                            <a:schemeClr val="bg2">
+                              <a:lumMod val="25000"/>
+                            </a:schemeClr>
+                          </a:solidFill>
+                          <a:effectLst/>
+                        </a:rPr>
+                        <a:t>year_orig</a:t>
+                      </a:r>
+                      <a:endParaRPr lang="en-GB" sz="1400" kern="100" dirty="0">
+                        <a:solidFill>
+                          <a:schemeClr val="bg2">
+                            <a:lumMod val="25000"/>
+                          </a:schemeClr>
+                        </a:solidFill>
+                        <a:effectLst/>
+                        <a:latin typeface="Calibri" panose="020F0502020204030204" pitchFamily="34" charset="0"/>
+                        <a:ea typeface="Calibri" panose="020F0502020204030204" pitchFamily="34" charset="0"/>
+                        <a:cs typeface="Times New Roman" panose="02020603050405020304" pitchFamily="18" charset="0"/>
+                      </a:endParaRPr>
+                    </a:p>
+                  </a:txBody>
+                  <a:tcPr marL="19050" marR="19050" marT="0" marB="0" anchor="ctr">
+                    <a:noFill/>
+                  </a:tcPr>
+                </a:tc>
+                <a:tc>
+                  <a:txBody>
+                    <a:bodyPr/>
+                    <a:lstStyle/>
+                    <a:p>
+                      <a:pPr algn="r">
+                        <a:lnSpc>
+                          <a:spcPct val="107000"/>
+                        </a:lnSpc>
+                        <a:spcAft>
+                          <a:spcPts val="800"/>
+                        </a:spcAft>
+                      </a:pPr>
+                      <a:r>
+                        <a:rPr lang="en-GB" sz="1400" kern="0" dirty="0">
+                          <a:solidFill>
+                            <a:schemeClr val="bg2">
+                              <a:lumMod val="25000"/>
+                            </a:schemeClr>
+                          </a:solidFill>
+                          <a:effectLst/>
+                        </a:rPr>
+                        <a:t>507.57</a:t>
+                      </a:r>
+                      <a:endParaRPr lang="en-GB" sz="1400" kern="100" dirty="0">
+                        <a:solidFill>
+                          <a:schemeClr val="bg2">
+                            <a:lumMod val="25000"/>
+                          </a:schemeClr>
+                        </a:solidFill>
+                        <a:effectLst/>
+                        <a:latin typeface="Calibri" panose="020F0502020204030204" pitchFamily="34" charset="0"/>
+                        <a:ea typeface="Calibri" panose="020F0502020204030204" pitchFamily="34" charset="0"/>
+                        <a:cs typeface="Times New Roman" panose="02020603050405020304" pitchFamily="18" charset="0"/>
+                      </a:endParaRPr>
+                    </a:p>
+                  </a:txBody>
+                  <a:tcPr marL="19050" marR="19050" marT="0" marB="0" anchor="ctr">
+                    <a:noFill/>
+                  </a:tcPr>
+                </a:tc>
+                <a:tc>
+                  <a:txBody>
+                    <a:bodyPr/>
+                    <a:lstStyle/>
+                    <a:p>
+                      <a:pPr algn="r">
+                        <a:lnSpc>
+                          <a:spcPct val="107000"/>
+                        </a:lnSpc>
+                        <a:spcAft>
+                          <a:spcPts val="800"/>
+                        </a:spcAft>
+                      </a:pPr>
+                      <a:r>
+                        <a:rPr lang="en-GB" sz="1400" kern="0" dirty="0">
+                          <a:solidFill>
+                            <a:schemeClr val="bg2">
+                              <a:lumMod val="25000"/>
+                            </a:schemeClr>
+                          </a:solidFill>
+                          <a:effectLst/>
+                        </a:rPr>
+                        <a:t>87.72</a:t>
+                      </a:r>
+                      <a:endParaRPr lang="en-GB" sz="1400" kern="100" dirty="0">
+                        <a:solidFill>
+                          <a:schemeClr val="bg2">
+                            <a:lumMod val="25000"/>
+                          </a:schemeClr>
+                        </a:solidFill>
+                        <a:effectLst/>
+                        <a:latin typeface="Calibri" panose="020F0502020204030204" pitchFamily="34" charset="0"/>
+                        <a:ea typeface="Calibri" panose="020F0502020204030204" pitchFamily="34" charset="0"/>
+                        <a:cs typeface="Times New Roman" panose="02020603050405020304" pitchFamily="18" charset="0"/>
+                      </a:endParaRPr>
+                    </a:p>
+                  </a:txBody>
+                  <a:tcPr marL="19050" marR="19050" marT="0" marB="0" anchor="ctr">
+                    <a:noFill/>
+                  </a:tcPr>
+                </a:tc>
+                <a:tc>
+                  <a:txBody>
+                    <a:bodyPr/>
+                    <a:lstStyle/>
+                    <a:p>
+                      <a:pPr algn="r">
+                        <a:lnSpc>
+                          <a:spcPct val="107000"/>
+                        </a:lnSpc>
+                        <a:spcAft>
+                          <a:spcPts val="800"/>
+                        </a:spcAft>
+                      </a:pPr>
+                      <a:r>
+                        <a:rPr lang="en-GB" sz="1400" kern="0" dirty="0">
+                          <a:solidFill>
+                            <a:schemeClr val="bg2">
+                              <a:lumMod val="25000"/>
+                            </a:schemeClr>
+                          </a:solidFill>
+                          <a:effectLst/>
+                        </a:rPr>
+                        <a:t>5.79</a:t>
+                      </a:r>
+                      <a:endParaRPr lang="en-GB" sz="1400" kern="100" dirty="0">
+                        <a:solidFill>
+                          <a:schemeClr val="bg2">
+                            <a:lumMod val="25000"/>
+                          </a:schemeClr>
+                        </a:solidFill>
+                        <a:effectLst/>
+                        <a:latin typeface="Calibri" panose="020F0502020204030204" pitchFamily="34" charset="0"/>
+                        <a:ea typeface="Calibri" panose="020F0502020204030204" pitchFamily="34" charset="0"/>
+                        <a:cs typeface="Times New Roman" panose="02020603050405020304" pitchFamily="18" charset="0"/>
+                      </a:endParaRPr>
+                    </a:p>
+                  </a:txBody>
+                  <a:tcPr marL="19050" marR="19050" marT="0" marB="0" anchor="ctr">
+                    <a:noFill/>
+                  </a:tcPr>
+                </a:tc>
+                <a:tc>
+                  <a:txBody>
+                    <a:bodyPr/>
+                    <a:lstStyle/>
+                    <a:p>
+                      <a:pPr algn="r">
+                        <a:lnSpc>
+                          <a:spcPct val="107000"/>
+                        </a:lnSpc>
+                        <a:spcAft>
+                          <a:spcPts val="800"/>
+                        </a:spcAft>
+                      </a:pPr>
+                      <a:r>
+                        <a:rPr lang="en-GB" sz="1400" kern="0">
+                          <a:solidFill>
+                            <a:schemeClr val="bg2">
+                              <a:lumMod val="25000"/>
+                            </a:schemeClr>
+                          </a:solidFill>
+                          <a:effectLst/>
+                        </a:rPr>
+                        <a:t>&lt;0.0001</a:t>
+                      </a:r>
+                      <a:endParaRPr lang="en-GB" sz="1400" kern="100">
+                        <a:solidFill>
+                          <a:schemeClr val="bg2">
+                            <a:lumMod val="25000"/>
+                          </a:schemeClr>
+                        </a:solidFill>
+                        <a:effectLst/>
+                        <a:latin typeface="Calibri" panose="020F0502020204030204" pitchFamily="34" charset="0"/>
+                        <a:ea typeface="Calibri" panose="020F0502020204030204" pitchFamily="34" charset="0"/>
+                        <a:cs typeface="Times New Roman" panose="02020603050405020304" pitchFamily="18" charset="0"/>
+                      </a:endParaRPr>
+                    </a:p>
+                  </a:txBody>
+                  <a:tcPr marL="19050" marR="19050" marT="0" marB="0" anchor="ctr">
+                    <a:noFill/>
+                  </a:tcPr>
+                </a:tc>
+                <a:tc>
+                  <a:txBody>
+                    <a:bodyPr/>
+                    <a:lstStyle/>
+                    <a:p>
+                      <a:pPr algn="ctr">
+                        <a:lnSpc>
+                          <a:spcPct val="107000"/>
+                        </a:lnSpc>
+                        <a:spcAft>
+                          <a:spcPts val="800"/>
+                        </a:spcAft>
+                      </a:pPr>
+                      <a:r>
+                        <a:rPr lang="en-GB" sz="1400" kern="0" dirty="0">
+                          <a:solidFill>
+                            <a:schemeClr val="bg2">
+                              <a:lumMod val="25000"/>
+                            </a:schemeClr>
+                          </a:solidFill>
+                          <a:effectLst/>
+                        </a:rPr>
+                        <a:t>***</a:t>
+                      </a:r>
+                      <a:endParaRPr lang="en-GB" sz="1400" kern="100" dirty="0">
+                        <a:solidFill>
+                          <a:schemeClr val="bg2">
+                            <a:lumMod val="25000"/>
+                          </a:schemeClr>
+                        </a:solidFill>
+                        <a:effectLst/>
+                        <a:latin typeface="Calibri" panose="020F0502020204030204" pitchFamily="34" charset="0"/>
+                        <a:ea typeface="Calibri" panose="020F0502020204030204" pitchFamily="34" charset="0"/>
+                        <a:cs typeface="Times New Roman" panose="02020603050405020304" pitchFamily="18" charset="0"/>
+                      </a:endParaRPr>
+                    </a:p>
+                  </a:txBody>
+                  <a:tcPr marL="19050" marR="19050" marT="0" marB="0" anchor="ctr">
+                    <a:noFill/>
+                  </a:tcPr>
+                </a:tc>
+                <a:extLst>
+                  <a:ext uri="{0D108BD9-81ED-4DB2-BD59-A6C34878D82A}">
+                    <a16:rowId xmlns:a16="http://schemas.microsoft.com/office/drawing/2014/main" val="2417573529"/>
+                  </a:ext>
+                </a:extLst>
+              </a:tr>
+              <a:tr h="166370">
+                <a:tc>
+                  <a:txBody>
+                    <a:bodyPr/>
+                    <a:lstStyle/>
+                    <a:p>
+                      <a:pPr algn="l">
+                        <a:lnSpc>
+                          <a:spcPct val="107000"/>
+                        </a:lnSpc>
+                        <a:spcAft>
+                          <a:spcPts val="800"/>
+                        </a:spcAft>
+                      </a:pPr>
+                      <a:r>
+                        <a:rPr lang="en-GB" sz="1400" kern="0" dirty="0">
+                          <a:solidFill>
+                            <a:schemeClr val="bg2">
+                              <a:lumMod val="25000"/>
+                            </a:schemeClr>
+                          </a:solidFill>
+                          <a:effectLst/>
+                        </a:rPr>
+                        <a:t>yrs_sch</a:t>
+                      </a:r>
+                      <a:endParaRPr lang="en-GB" sz="1400" kern="100" dirty="0">
+                        <a:solidFill>
+                          <a:schemeClr val="bg2">
+                            <a:lumMod val="25000"/>
+                          </a:schemeClr>
+                        </a:solidFill>
+                        <a:effectLst/>
+                        <a:latin typeface="Calibri" panose="020F0502020204030204" pitchFamily="34" charset="0"/>
+                        <a:ea typeface="Calibri" panose="020F0502020204030204" pitchFamily="34" charset="0"/>
+                        <a:cs typeface="Times New Roman" panose="02020603050405020304" pitchFamily="18" charset="0"/>
+                      </a:endParaRPr>
+                    </a:p>
+                  </a:txBody>
+                  <a:tcPr marL="19050" marR="19050" marT="0" marB="0" anchor="ctr">
+                    <a:noFill/>
+                  </a:tcPr>
+                </a:tc>
+                <a:tc>
+                  <a:txBody>
+                    <a:bodyPr/>
+                    <a:lstStyle/>
+                    <a:p>
+                      <a:pPr algn="r">
+                        <a:lnSpc>
+                          <a:spcPct val="107000"/>
+                        </a:lnSpc>
+                        <a:spcAft>
+                          <a:spcPts val="800"/>
+                        </a:spcAft>
+                      </a:pPr>
+                      <a:r>
+                        <a:rPr lang="en-GB" sz="1400" kern="0" dirty="0">
+                          <a:solidFill>
+                            <a:schemeClr val="bg2">
+                              <a:lumMod val="25000"/>
+                            </a:schemeClr>
+                          </a:solidFill>
+                          <a:effectLst/>
+                        </a:rPr>
+                        <a:t>1488.12</a:t>
+                      </a:r>
+                      <a:endParaRPr lang="en-GB" sz="1400" kern="100" dirty="0">
+                        <a:solidFill>
+                          <a:schemeClr val="bg2">
+                            <a:lumMod val="25000"/>
+                          </a:schemeClr>
+                        </a:solidFill>
+                        <a:effectLst/>
+                        <a:latin typeface="Calibri" panose="020F0502020204030204" pitchFamily="34" charset="0"/>
+                        <a:ea typeface="Calibri" panose="020F0502020204030204" pitchFamily="34" charset="0"/>
+                        <a:cs typeface="Times New Roman" panose="02020603050405020304" pitchFamily="18" charset="0"/>
+                      </a:endParaRPr>
+                    </a:p>
+                  </a:txBody>
+                  <a:tcPr marL="19050" marR="19050" marT="0" marB="0" anchor="ctr">
+                    <a:noFill/>
+                  </a:tcPr>
+                </a:tc>
+                <a:tc>
+                  <a:txBody>
+                    <a:bodyPr/>
+                    <a:lstStyle/>
+                    <a:p>
+                      <a:pPr algn="r">
+                        <a:lnSpc>
+                          <a:spcPct val="107000"/>
+                        </a:lnSpc>
+                        <a:spcAft>
+                          <a:spcPts val="800"/>
+                        </a:spcAft>
+                      </a:pPr>
+                      <a:r>
+                        <a:rPr lang="en-GB" sz="1400" kern="0" dirty="0">
+                          <a:solidFill>
+                            <a:schemeClr val="bg2">
+                              <a:lumMod val="25000"/>
+                            </a:schemeClr>
+                          </a:solidFill>
+                          <a:effectLst/>
+                        </a:rPr>
+                        <a:t>684.63</a:t>
+                      </a:r>
+                      <a:endParaRPr lang="en-GB" sz="1400" kern="100" dirty="0">
+                        <a:solidFill>
+                          <a:schemeClr val="bg2">
+                            <a:lumMod val="25000"/>
+                          </a:schemeClr>
+                        </a:solidFill>
+                        <a:effectLst/>
+                        <a:latin typeface="Calibri" panose="020F0502020204030204" pitchFamily="34" charset="0"/>
+                        <a:ea typeface="Calibri" panose="020F0502020204030204" pitchFamily="34" charset="0"/>
+                        <a:cs typeface="Times New Roman" panose="02020603050405020304" pitchFamily="18" charset="0"/>
+                      </a:endParaRPr>
+                    </a:p>
+                  </a:txBody>
+                  <a:tcPr marL="19050" marR="19050" marT="0" marB="0" anchor="ctr">
+                    <a:noFill/>
+                  </a:tcPr>
+                </a:tc>
+                <a:tc>
+                  <a:txBody>
+                    <a:bodyPr/>
+                    <a:lstStyle/>
+                    <a:p>
+                      <a:pPr algn="r">
+                        <a:lnSpc>
+                          <a:spcPct val="107000"/>
+                        </a:lnSpc>
+                        <a:spcAft>
+                          <a:spcPts val="800"/>
+                        </a:spcAft>
+                      </a:pPr>
+                      <a:r>
+                        <a:rPr lang="en-GB" sz="1400" kern="0" dirty="0">
+                          <a:solidFill>
+                            <a:schemeClr val="bg2">
+                              <a:lumMod val="25000"/>
+                            </a:schemeClr>
+                          </a:solidFill>
+                          <a:effectLst/>
+                        </a:rPr>
+                        <a:t>2.17</a:t>
+                      </a:r>
+                      <a:endParaRPr lang="en-GB" sz="1400" kern="100" dirty="0">
+                        <a:solidFill>
+                          <a:schemeClr val="bg2">
+                            <a:lumMod val="25000"/>
+                          </a:schemeClr>
+                        </a:solidFill>
+                        <a:effectLst/>
+                        <a:latin typeface="Calibri" panose="020F0502020204030204" pitchFamily="34" charset="0"/>
+                        <a:ea typeface="Calibri" panose="020F0502020204030204" pitchFamily="34" charset="0"/>
+                        <a:cs typeface="Times New Roman" panose="02020603050405020304" pitchFamily="18" charset="0"/>
+                      </a:endParaRPr>
+                    </a:p>
+                  </a:txBody>
+                  <a:tcPr marL="19050" marR="19050" marT="0" marB="0" anchor="ctr">
+                    <a:noFill/>
+                  </a:tcPr>
+                </a:tc>
+                <a:tc>
+                  <a:txBody>
+                    <a:bodyPr/>
+                    <a:lstStyle/>
+                    <a:p>
+                      <a:pPr algn="r">
+                        <a:lnSpc>
+                          <a:spcPct val="107000"/>
+                        </a:lnSpc>
+                        <a:spcAft>
+                          <a:spcPts val="800"/>
+                        </a:spcAft>
+                      </a:pPr>
+                      <a:r>
+                        <a:rPr lang="en-GB" sz="1400" kern="0" dirty="0">
+                          <a:solidFill>
+                            <a:schemeClr val="bg2">
+                              <a:lumMod val="25000"/>
+                            </a:schemeClr>
+                          </a:solidFill>
+                          <a:effectLst/>
+                        </a:rPr>
+                        <a:t>0.0309</a:t>
+                      </a:r>
+                      <a:endParaRPr lang="en-GB" sz="1400" kern="100" dirty="0">
+                        <a:solidFill>
+                          <a:schemeClr val="bg2">
+                            <a:lumMod val="25000"/>
+                          </a:schemeClr>
+                        </a:solidFill>
+                        <a:effectLst/>
+                        <a:latin typeface="Calibri" panose="020F0502020204030204" pitchFamily="34" charset="0"/>
+                        <a:ea typeface="Calibri" panose="020F0502020204030204" pitchFamily="34" charset="0"/>
+                        <a:cs typeface="Times New Roman" panose="02020603050405020304" pitchFamily="18" charset="0"/>
+                      </a:endParaRPr>
+                    </a:p>
+                  </a:txBody>
+                  <a:tcPr marL="19050" marR="19050" marT="0" marB="0" anchor="ctr">
+                    <a:noFill/>
+                  </a:tcPr>
+                </a:tc>
+                <a:tc>
+                  <a:txBody>
+                    <a:bodyPr/>
+                    <a:lstStyle/>
+                    <a:p>
+                      <a:pPr algn="ctr">
+                        <a:lnSpc>
+                          <a:spcPct val="107000"/>
+                        </a:lnSpc>
+                        <a:spcAft>
+                          <a:spcPts val="800"/>
+                        </a:spcAft>
+                      </a:pPr>
+                      <a:r>
+                        <a:rPr lang="en-GB" sz="1400" kern="0" dirty="0">
+                          <a:solidFill>
+                            <a:schemeClr val="bg2">
+                              <a:lumMod val="25000"/>
+                            </a:schemeClr>
+                          </a:solidFill>
+                          <a:effectLst/>
+                        </a:rPr>
+                        <a:t>**</a:t>
+                      </a:r>
+                      <a:endParaRPr lang="en-GB" sz="1400" kern="100" dirty="0">
+                        <a:solidFill>
+                          <a:schemeClr val="bg2">
+                            <a:lumMod val="25000"/>
+                          </a:schemeClr>
+                        </a:solidFill>
+                        <a:effectLst/>
+                        <a:latin typeface="Calibri" panose="020F0502020204030204" pitchFamily="34" charset="0"/>
+                        <a:ea typeface="Calibri" panose="020F0502020204030204" pitchFamily="34" charset="0"/>
+                        <a:cs typeface="Times New Roman" panose="02020603050405020304" pitchFamily="18" charset="0"/>
+                      </a:endParaRPr>
+                    </a:p>
+                  </a:txBody>
+                  <a:tcPr marL="19050" marR="19050" marT="0" marB="0" anchor="ctr">
+                    <a:noFill/>
+                  </a:tcPr>
+                </a:tc>
+                <a:extLst>
+                  <a:ext uri="{0D108BD9-81ED-4DB2-BD59-A6C34878D82A}">
+                    <a16:rowId xmlns:a16="http://schemas.microsoft.com/office/drawing/2014/main" val="1235200109"/>
+                  </a:ext>
+                </a:extLst>
+              </a:tr>
+              <a:tr h="166370">
+                <a:tc>
+                  <a:txBody>
+                    <a:bodyPr/>
+                    <a:lstStyle/>
+                    <a:p>
+                      <a:pPr algn="l">
+                        <a:lnSpc>
+                          <a:spcPct val="107000"/>
+                        </a:lnSpc>
+                        <a:spcAft>
+                          <a:spcPts val="800"/>
+                        </a:spcAft>
+                      </a:pPr>
+                      <a:r>
+                        <a:rPr lang="en-GB" sz="1400" kern="0" dirty="0">
+                          <a:solidFill>
+                            <a:schemeClr val="bg2">
+                              <a:lumMod val="25000"/>
+                            </a:schemeClr>
+                          </a:solidFill>
+                          <a:effectLst/>
+                        </a:rPr>
+                        <a:t>voc</a:t>
+                      </a:r>
+                      <a:endParaRPr lang="en-GB" sz="1400" kern="100" dirty="0">
+                        <a:solidFill>
+                          <a:schemeClr val="bg2">
+                            <a:lumMod val="25000"/>
+                          </a:schemeClr>
+                        </a:solidFill>
+                        <a:effectLst/>
+                        <a:latin typeface="Calibri" panose="020F0502020204030204" pitchFamily="34" charset="0"/>
+                        <a:ea typeface="Calibri" panose="020F0502020204030204" pitchFamily="34" charset="0"/>
+                        <a:cs typeface="Times New Roman" panose="02020603050405020304" pitchFamily="18" charset="0"/>
+                      </a:endParaRPr>
+                    </a:p>
+                  </a:txBody>
+                  <a:tcPr marL="19050" marR="19050" marT="0" marB="0" anchor="ctr">
+                    <a:noFill/>
+                  </a:tcPr>
+                </a:tc>
+                <a:tc>
+                  <a:txBody>
+                    <a:bodyPr/>
+                    <a:lstStyle/>
+                    <a:p>
+                      <a:pPr algn="r">
+                        <a:lnSpc>
+                          <a:spcPct val="107000"/>
+                        </a:lnSpc>
+                        <a:spcAft>
+                          <a:spcPts val="800"/>
+                        </a:spcAft>
+                      </a:pPr>
+                      <a:r>
+                        <a:rPr lang="en-GB" sz="1400" kern="0" dirty="0">
+                          <a:solidFill>
+                            <a:schemeClr val="bg2">
+                              <a:lumMod val="25000"/>
+                            </a:schemeClr>
+                          </a:solidFill>
+                          <a:effectLst/>
+                        </a:rPr>
+                        <a:t>1973.48</a:t>
+                      </a:r>
+                      <a:endParaRPr lang="en-GB" sz="1400" kern="100" dirty="0">
+                        <a:solidFill>
+                          <a:schemeClr val="bg2">
+                            <a:lumMod val="25000"/>
+                          </a:schemeClr>
+                        </a:solidFill>
+                        <a:effectLst/>
+                        <a:latin typeface="Calibri" panose="020F0502020204030204" pitchFamily="34" charset="0"/>
+                        <a:ea typeface="Calibri" panose="020F0502020204030204" pitchFamily="34" charset="0"/>
+                        <a:cs typeface="Times New Roman" panose="02020603050405020304" pitchFamily="18" charset="0"/>
+                      </a:endParaRPr>
+                    </a:p>
+                  </a:txBody>
+                  <a:tcPr marL="19050" marR="19050" marT="0" marB="0" anchor="ctr">
+                    <a:noFill/>
+                  </a:tcPr>
+                </a:tc>
+                <a:tc>
+                  <a:txBody>
+                    <a:bodyPr/>
+                    <a:lstStyle/>
+                    <a:p>
+                      <a:pPr algn="r">
+                        <a:lnSpc>
+                          <a:spcPct val="107000"/>
+                        </a:lnSpc>
+                        <a:spcAft>
+                          <a:spcPts val="800"/>
+                        </a:spcAft>
+                      </a:pPr>
+                      <a:r>
+                        <a:rPr lang="en-GB" sz="1400" kern="0">
+                          <a:solidFill>
+                            <a:schemeClr val="bg2">
+                              <a:lumMod val="25000"/>
+                            </a:schemeClr>
+                          </a:solidFill>
+                          <a:effectLst/>
+                        </a:rPr>
+                        <a:t>1409.87</a:t>
+                      </a:r>
+                      <a:endParaRPr lang="en-GB" sz="1400" kern="100">
+                        <a:solidFill>
+                          <a:schemeClr val="bg2">
+                            <a:lumMod val="25000"/>
+                          </a:schemeClr>
+                        </a:solidFill>
+                        <a:effectLst/>
+                        <a:latin typeface="Calibri" panose="020F0502020204030204" pitchFamily="34" charset="0"/>
+                        <a:ea typeface="Calibri" panose="020F0502020204030204" pitchFamily="34" charset="0"/>
+                        <a:cs typeface="Times New Roman" panose="02020603050405020304" pitchFamily="18" charset="0"/>
+                      </a:endParaRPr>
+                    </a:p>
+                  </a:txBody>
+                  <a:tcPr marL="19050" marR="19050" marT="0" marB="0" anchor="ctr">
+                    <a:noFill/>
+                  </a:tcPr>
+                </a:tc>
+                <a:tc>
+                  <a:txBody>
+                    <a:bodyPr/>
+                    <a:lstStyle/>
+                    <a:p>
+                      <a:pPr algn="r">
+                        <a:lnSpc>
+                          <a:spcPct val="107000"/>
+                        </a:lnSpc>
+                        <a:spcAft>
+                          <a:spcPts val="800"/>
+                        </a:spcAft>
+                      </a:pPr>
+                      <a:r>
+                        <a:rPr lang="en-GB" sz="1400" kern="0" dirty="0">
+                          <a:solidFill>
+                            <a:schemeClr val="bg2">
+                              <a:lumMod val="25000"/>
+                            </a:schemeClr>
+                          </a:solidFill>
+                          <a:effectLst/>
+                        </a:rPr>
+                        <a:t>1.40</a:t>
+                      </a:r>
+                      <a:endParaRPr lang="en-GB" sz="1400" kern="100" dirty="0">
+                        <a:solidFill>
+                          <a:schemeClr val="bg2">
+                            <a:lumMod val="25000"/>
+                          </a:schemeClr>
+                        </a:solidFill>
+                        <a:effectLst/>
+                        <a:latin typeface="Calibri" panose="020F0502020204030204" pitchFamily="34" charset="0"/>
+                        <a:ea typeface="Calibri" panose="020F0502020204030204" pitchFamily="34" charset="0"/>
+                        <a:cs typeface="Times New Roman" panose="02020603050405020304" pitchFamily="18" charset="0"/>
+                      </a:endParaRPr>
+                    </a:p>
+                  </a:txBody>
+                  <a:tcPr marL="19050" marR="19050" marT="0" marB="0" anchor="ctr">
+                    <a:noFill/>
+                  </a:tcPr>
+                </a:tc>
+                <a:tc>
+                  <a:txBody>
+                    <a:bodyPr/>
+                    <a:lstStyle/>
+                    <a:p>
+                      <a:pPr algn="r">
+                        <a:lnSpc>
+                          <a:spcPct val="107000"/>
+                        </a:lnSpc>
+                        <a:spcAft>
+                          <a:spcPts val="800"/>
+                        </a:spcAft>
+                      </a:pPr>
+                      <a:r>
+                        <a:rPr lang="en-GB" sz="1400" kern="0" dirty="0">
+                          <a:solidFill>
+                            <a:schemeClr val="bg2">
+                              <a:lumMod val="25000"/>
+                            </a:schemeClr>
+                          </a:solidFill>
+                          <a:effectLst/>
+                        </a:rPr>
+                        <a:t>0.1631</a:t>
+                      </a:r>
+                      <a:endParaRPr lang="en-GB" sz="1400" kern="100" dirty="0">
+                        <a:solidFill>
+                          <a:schemeClr val="bg2">
+                            <a:lumMod val="25000"/>
+                          </a:schemeClr>
+                        </a:solidFill>
+                        <a:effectLst/>
+                        <a:latin typeface="Calibri" panose="020F0502020204030204" pitchFamily="34" charset="0"/>
+                        <a:ea typeface="Calibri" panose="020F0502020204030204" pitchFamily="34" charset="0"/>
+                        <a:cs typeface="Times New Roman" panose="02020603050405020304" pitchFamily="18" charset="0"/>
+                      </a:endParaRPr>
+                    </a:p>
+                  </a:txBody>
+                  <a:tcPr marL="19050" marR="19050" marT="0" marB="0" anchor="ctr">
+                    <a:noFill/>
+                  </a:tcPr>
+                </a:tc>
+                <a:tc>
+                  <a:txBody>
+                    <a:bodyPr/>
+                    <a:lstStyle/>
+                    <a:p>
+                      <a:pPr algn="ctr">
+                        <a:lnSpc>
+                          <a:spcPct val="107000"/>
+                        </a:lnSpc>
+                        <a:spcAft>
+                          <a:spcPts val="800"/>
+                        </a:spcAft>
+                      </a:pPr>
+                      <a:r>
+                        <a:rPr lang="en-GB" sz="1400" kern="0" dirty="0">
+                          <a:solidFill>
+                            <a:schemeClr val="bg2">
+                              <a:lumMod val="25000"/>
+                            </a:schemeClr>
+                          </a:solidFill>
+                          <a:effectLst/>
+                        </a:rPr>
+                        <a:t> </a:t>
+                      </a:r>
+                      <a:endParaRPr lang="en-GB" sz="1400" kern="100" dirty="0">
+                        <a:solidFill>
+                          <a:schemeClr val="bg2">
+                            <a:lumMod val="25000"/>
+                          </a:schemeClr>
+                        </a:solidFill>
+                        <a:effectLst/>
+                        <a:latin typeface="Calibri" panose="020F0502020204030204" pitchFamily="34" charset="0"/>
+                        <a:ea typeface="Calibri" panose="020F0502020204030204" pitchFamily="34" charset="0"/>
+                        <a:cs typeface="Times New Roman" panose="02020603050405020304" pitchFamily="18" charset="0"/>
+                      </a:endParaRPr>
+                    </a:p>
+                  </a:txBody>
+                  <a:tcPr marL="19050" marR="19050" marT="0" marB="0" anchor="ctr">
+                    <a:noFill/>
+                  </a:tcPr>
+                </a:tc>
+                <a:extLst>
+                  <a:ext uri="{0D108BD9-81ED-4DB2-BD59-A6C34878D82A}">
+                    <a16:rowId xmlns:a16="http://schemas.microsoft.com/office/drawing/2014/main" val="2855418375"/>
+                  </a:ext>
+                </a:extLst>
+              </a:tr>
+            </a:tbl>
+          </a:graphicData>
+        </a:graphic>
+      </p:graphicFrame>
+      <p:graphicFrame>
+        <p:nvGraphicFramePr>
+          <p:cNvPr id="5" name="Table 4">
+            <a:extLst>
+              <a:ext uri="{FF2B5EF4-FFF2-40B4-BE49-F238E27FC236}">
+                <a16:creationId xmlns:a16="http://schemas.microsoft.com/office/drawing/2014/main" id="{BE72C86A-984E-E113-6744-ACDA942C1B62}"/>
+              </a:ext>
+            </a:extLst>
+          </p:cNvPr>
+          <p:cNvGraphicFramePr>
+            <a:graphicFrameLocks noGrp="1"/>
+          </p:cNvGraphicFramePr>
+          <p:nvPr>
+            <p:extLst>
+              <p:ext uri="{D42A27DB-BD31-4B8C-83A1-F6EECF244321}">
+                <p14:modId xmlns:p14="http://schemas.microsoft.com/office/powerpoint/2010/main" val="1631790417"/>
+              </p:ext>
+            </p:extLst>
+          </p:nvPr>
+        </p:nvGraphicFramePr>
+        <p:xfrm>
+          <a:off x="1176863" y="3723414"/>
+          <a:ext cx="5399998" cy="1301118"/>
+        </p:xfrm>
+        <a:graphic>
+          <a:graphicData uri="http://schemas.openxmlformats.org/drawingml/2006/table">
+            <a:tbl>
+              <a:tblPr>
+                <a:tableStyleId>{5C22544A-7EE6-4342-B048-85BDC9FD1C3A}</a:tableStyleId>
+              </a:tblPr>
+              <a:tblGrid>
+                <a:gridCol w="1297883">
+                  <a:extLst>
+                    <a:ext uri="{9D8B030D-6E8A-4147-A177-3AD203B41FA5}">
+                      <a16:colId xmlns:a16="http://schemas.microsoft.com/office/drawing/2014/main" val="2614529828"/>
+                    </a:ext>
+                  </a:extLst>
+                </a:gridCol>
+                <a:gridCol w="941469">
+                  <a:extLst>
+                    <a:ext uri="{9D8B030D-6E8A-4147-A177-3AD203B41FA5}">
+                      <a16:colId xmlns:a16="http://schemas.microsoft.com/office/drawing/2014/main" val="2945313105"/>
+                    </a:ext>
+                  </a:extLst>
+                </a:gridCol>
+                <a:gridCol w="941469">
+                  <a:extLst>
+                    <a:ext uri="{9D8B030D-6E8A-4147-A177-3AD203B41FA5}">
+                      <a16:colId xmlns:a16="http://schemas.microsoft.com/office/drawing/2014/main" val="616811808"/>
+                    </a:ext>
+                  </a:extLst>
+                </a:gridCol>
+                <a:gridCol w="941469">
+                  <a:extLst>
+                    <a:ext uri="{9D8B030D-6E8A-4147-A177-3AD203B41FA5}">
+                      <a16:colId xmlns:a16="http://schemas.microsoft.com/office/drawing/2014/main" val="1624018467"/>
+                    </a:ext>
+                  </a:extLst>
+                </a:gridCol>
+                <a:gridCol w="941469">
+                  <a:extLst>
+                    <a:ext uri="{9D8B030D-6E8A-4147-A177-3AD203B41FA5}">
+                      <a16:colId xmlns:a16="http://schemas.microsoft.com/office/drawing/2014/main" val="2724771798"/>
+                    </a:ext>
+                  </a:extLst>
+                </a:gridCol>
+                <a:gridCol w="336239">
+                  <a:extLst>
+                    <a:ext uri="{9D8B030D-6E8A-4147-A177-3AD203B41FA5}">
+                      <a16:colId xmlns:a16="http://schemas.microsoft.com/office/drawing/2014/main" val="872399052"/>
+                    </a:ext>
+                  </a:extLst>
+                </a:gridCol>
+              </a:tblGrid>
+              <a:tr h="166370">
+                <a:tc>
+                  <a:txBody>
+                    <a:bodyPr/>
+                    <a:lstStyle/>
+                    <a:p>
+                      <a:pPr algn="l">
+                        <a:lnSpc>
+                          <a:spcPct val="107000"/>
+                        </a:lnSpc>
+                        <a:spcAft>
+                          <a:spcPts val="800"/>
+                        </a:spcAft>
+                      </a:pPr>
+                      <a:r>
+                        <a:rPr lang="en-GB" sz="1400" kern="0" dirty="0">
+                          <a:solidFill>
+                            <a:schemeClr val="bg2">
+                              <a:lumMod val="25000"/>
+                            </a:schemeClr>
+                          </a:solidFill>
+                          <a:effectLst/>
+                        </a:rPr>
+                        <a:t> </a:t>
+                      </a:r>
+                      <a:endParaRPr lang="en-GB" sz="1400" kern="100" dirty="0">
+                        <a:solidFill>
+                          <a:schemeClr val="bg2">
+                            <a:lumMod val="25000"/>
+                          </a:schemeClr>
+                        </a:solidFill>
+                        <a:effectLst/>
+                        <a:latin typeface="Calibri" panose="020F0502020204030204" pitchFamily="34" charset="0"/>
+                        <a:ea typeface="Calibri" panose="020F0502020204030204" pitchFamily="34" charset="0"/>
+                        <a:cs typeface="Times New Roman" panose="02020603050405020304" pitchFamily="18" charset="0"/>
+                      </a:endParaRPr>
+                    </a:p>
+                  </a:txBody>
+                  <a:tcPr marL="19050" marR="19050" marT="0" marB="0" anchor="ctr">
+                    <a:lnB w="12700" cap="flat" cmpd="sng" algn="ctr">
+                      <a:solidFill>
+                        <a:schemeClr val="tx1"/>
+                      </a:solidFill>
+                      <a:prstDash val="solid"/>
+                      <a:round/>
+                      <a:headEnd type="none" w="med" len="med"/>
+                      <a:tailEnd type="none" w="med" len="med"/>
+                    </a:lnB>
+                    <a:noFill/>
+                  </a:tcPr>
+                </a:tc>
+                <a:tc>
+                  <a:txBody>
+                    <a:bodyPr/>
+                    <a:lstStyle/>
+                    <a:p>
+                      <a:pPr algn="r">
+                        <a:lnSpc>
+                          <a:spcPct val="107000"/>
+                        </a:lnSpc>
+                        <a:spcAft>
+                          <a:spcPts val="800"/>
+                        </a:spcAft>
+                      </a:pPr>
+                      <a:r>
+                        <a:rPr lang="en-GB" sz="1400" kern="0" dirty="0">
+                          <a:solidFill>
+                            <a:schemeClr val="bg2">
+                              <a:lumMod val="25000"/>
+                            </a:schemeClr>
+                          </a:solidFill>
+                          <a:effectLst/>
+                        </a:rPr>
+                        <a:t>Coefficient</a:t>
+                      </a:r>
+                      <a:endParaRPr lang="en-GB" sz="1400" kern="100" dirty="0">
+                        <a:solidFill>
+                          <a:schemeClr val="bg2">
+                            <a:lumMod val="25000"/>
+                          </a:schemeClr>
+                        </a:solidFill>
+                        <a:effectLst/>
+                        <a:latin typeface="Calibri" panose="020F0502020204030204" pitchFamily="34" charset="0"/>
+                        <a:ea typeface="Calibri" panose="020F0502020204030204" pitchFamily="34" charset="0"/>
+                        <a:cs typeface="Times New Roman" panose="02020603050405020304" pitchFamily="18" charset="0"/>
+                      </a:endParaRPr>
+                    </a:p>
+                  </a:txBody>
+                  <a:tcPr marL="19050" marR="19050" marT="0" marB="0" anchor="ctr">
+                    <a:lnB w="12700" cap="flat" cmpd="sng" algn="ctr">
+                      <a:solidFill>
+                        <a:schemeClr val="tx1"/>
+                      </a:solidFill>
+                      <a:prstDash val="solid"/>
+                      <a:round/>
+                      <a:headEnd type="none" w="med" len="med"/>
+                      <a:tailEnd type="none" w="med" len="med"/>
+                    </a:lnB>
+                    <a:noFill/>
+                  </a:tcPr>
+                </a:tc>
+                <a:tc>
+                  <a:txBody>
+                    <a:bodyPr/>
+                    <a:lstStyle/>
+                    <a:p>
+                      <a:pPr algn="r">
+                        <a:lnSpc>
+                          <a:spcPct val="107000"/>
+                        </a:lnSpc>
+                        <a:spcAft>
+                          <a:spcPts val="800"/>
+                        </a:spcAft>
+                      </a:pPr>
+                      <a:r>
+                        <a:rPr lang="en-GB" sz="1400" kern="0" dirty="0">
+                          <a:solidFill>
+                            <a:schemeClr val="bg2">
+                              <a:lumMod val="25000"/>
+                            </a:schemeClr>
+                          </a:solidFill>
+                          <a:effectLst/>
+                        </a:rPr>
+                        <a:t>Std. Error</a:t>
+                      </a:r>
+                      <a:endParaRPr lang="en-GB" sz="1400" kern="100" dirty="0">
+                        <a:solidFill>
+                          <a:schemeClr val="bg2">
+                            <a:lumMod val="25000"/>
+                          </a:schemeClr>
+                        </a:solidFill>
+                        <a:effectLst/>
+                        <a:latin typeface="Calibri" panose="020F0502020204030204" pitchFamily="34" charset="0"/>
+                        <a:ea typeface="Calibri" panose="020F0502020204030204" pitchFamily="34" charset="0"/>
+                        <a:cs typeface="Times New Roman" panose="02020603050405020304" pitchFamily="18" charset="0"/>
+                      </a:endParaRPr>
+                    </a:p>
+                  </a:txBody>
+                  <a:tcPr marL="19050" marR="19050" marT="0" marB="0" anchor="ctr">
+                    <a:lnB w="12700" cap="flat" cmpd="sng" algn="ctr">
+                      <a:solidFill>
+                        <a:schemeClr val="tx1"/>
+                      </a:solidFill>
+                      <a:prstDash val="solid"/>
+                      <a:round/>
+                      <a:headEnd type="none" w="med" len="med"/>
+                      <a:tailEnd type="none" w="med" len="med"/>
+                    </a:lnB>
+                    <a:noFill/>
+                  </a:tcPr>
+                </a:tc>
+                <a:tc>
+                  <a:txBody>
+                    <a:bodyPr/>
+                    <a:lstStyle/>
+                    <a:p>
+                      <a:pPr algn="r">
+                        <a:lnSpc>
+                          <a:spcPct val="107000"/>
+                        </a:lnSpc>
+                        <a:spcAft>
+                          <a:spcPts val="800"/>
+                        </a:spcAft>
+                      </a:pPr>
+                      <a:r>
+                        <a:rPr lang="en-GB" sz="1400" kern="0" dirty="0">
+                          <a:solidFill>
+                            <a:schemeClr val="bg2">
+                              <a:lumMod val="25000"/>
+                            </a:schemeClr>
+                          </a:solidFill>
+                          <a:effectLst/>
+                        </a:rPr>
+                        <a:t>t-ratio</a:t>
+                      </a:r>
+                      <a:endParaRPr lang="en-GB" sz="1400" kern="100" dirty="0">
+                        <a:solidFill>
+                          <a:schemeClr val="bg2">
+                            <a:lumMod val="25000"/>
+                          </a:schemeClr>
+                        </a:solidFill>
+                        <a:effectLst/>
+                        <a:latin typeface="Calibri" panose="020F0502020204030204" pitchFamily="34" charset="0"/>
+                        <a:ea typeface="Calibri" panose="020F0502020204030204" pitchFamily="34" charset="0"/>
+                        <a:cs typeface="Times New Roman" panose="02020603050405020304" pitchFamily="18" charset="0"/>
+                      </a:endParaRPr>
+                    </a:p>
+                  </a:txBody>
+                  <a:tcPr marL="19050" marR="19050" marT="0" marB="0" anchor="ctr">
+                    <a:lnB w="12700" cap="flat" cmpd="sng" algn="ctr">
+                      <a:solidFill>
+                        <a:schemeClr val="tx1"/>
+                      </a:solidFill>
+                      <a:prstDash val="solid"/>
+                      <a:round/>
+                      <a:headEnd type="none" w="med" len="med"/>
+                      <a:tailEnd type="none" w="med" len="med"/>
+                    </a:lnB>
+                    <a:noFill/>
+                  </a:tcPr>
+                </a:tc>
+                <a:tc>
+                  <a:txBody>
+                    <a:bodyPr/>
+                    <a:lstStyle/>
+                    <a:p>
+                      <a:pPr algn="r">
+                        <a:lnSpc>
+                          <a:spcPct val="107000"/>
+                        </a:lnSpc>
+                        <a:spcAft>
+                          <a:spcPts val="800"/>
+                        </a:spcAft>
+                      </a:pPr>
+                      <a:r>
+                        <a:rPr lang="en-GB" sz="1400" kern="0" dirty="0">
+                          <a:solidFill>
+                            <a:schemeClr val="bg2">
+                              <a:lumMod val="25000"/>
+                            </a:schemeClr>
+                          </a:solidFill>
+                          <a:effectLst/>
+                        </a:rPr>
+                        <a:t>p-value</a:t>
+                      </a:r>
+                      <a:endParaRPr lang="en-GB" sz="1400" kern="100" dirty="0">
+                        <a:solidFill>
+                          <a:schemeClr val="bg2">
+                            <a:lumMod val="25000"/>
+                          </a:schemeClr>
+                        </a:solidFill>
+                        <a:effectLst/>
+                        <a:latin typeface="Calibri" panose="020F0502020204030204" pitchFamily="34" charset="0"/>
+                        <a:ea typeface="Calibri" panose="020F0502020204030204" pitchFamily="34" charset="0"/>
+                        <a:cs typeface="Times New Roman" panose="02020603050405020304" pitchFamily="18" charset="0"/>
+                      </a:endParaRPr>
+                    </a:p>
+                  </a:txBody>
+                  <a:tcPr marL="19050" marR="19050" marT="0" marB="0" anchor="ctr">
+                    <a:lnB w="12700" cap="flat" cmpd="sng" algn="ctr">
+                      <a:solidFill>
+                        <a:schemeClr val="tx1"/>
+                      </a:solidFill>
+                      <a:prstDash val="solid"/>
+                      <a:round/>
+                      <a:headEnd type="none" w="med" len="med"/>
+                      <a:tailEnd type="none" w="med" len="med"/>
+                    </a:lnB>
+                    <a:noFill/>
+                  </a:tcPr>
+                </a:tc>
+                <a:tc>
+                  <a:txBody>
+                    <a:bodyPr/>
+                    <a:lstStyle/>
+                    <a:p>
+                      <a:pPr algn="ctr">
+                        <a:lnSpc>
+                          <a:spcPct val="107000"/>
+                        </a:lnSpc>
+                        <a:spcAft>
+                          <a:spcPts val="800"/>
+                        </a:spcAft>
+                      </a:pPr>
+                      <a:r>
+                        <a:rPr lang="en-GB" sz="1400" kern="0" dirty="0">
+                          <a:solidFill>
+                            <a:schemeClr val="bg2">
+                              <a:lumMod val="25000"/>
+                            </a:schemeClr>
+                          </a:solidFill>
+                          <a:effectLst/>
+                        </a:rPr>
+                        <a:t> </a:t>
+                      </a:r>
+                      <a:endParaRPr lang="en-GB" sz="1400" kern="100" dirty="0">
+                        <a:solidFill>
+                          <a:schemeClr val="bg2">
+                            <a:lumMod val="25000"/>
+                          </a:schemeClr>
+                        </a:solidFill>
+                        <a:effectLst/>
+                        <a:latin typeface="Calibri" panose="020F0502020204030204" pitchFamily="34" charset="0"/>
+                        <a:ea typeface="Calibri" panose="020F0502020204030204" pitchFamily="34" charset="0"/>
+                        <a:cs typeface="Times New Roman" panose="02020603050405020304" pitchFamily="18" charset="0"/>
+                      </a:endParaRPr>
+                    </a:p>
+                  </a:txBody>
+                  <a:tcPr marL="19050" marR="19050" marT="0" marB="0" anchor="ctr">
+                    <a:noFill/>
+                  </a:tcPr>
+                </a:tc>
+                <a:extLst>
+                  <a:ext uri="{0D108BD9-81ED-4DB2-BD59-A6C34878D82A}">
+                    <a16:rowId xmlns:a16="http://schemas.microsoft.com/office/drawing/2014/main" val="218616681"/>
+                  </a:ext>
+                </a:extLst>
+              </a:tr>
+              <a:tr h="166370">
+                <a:tc>
+                  <a:txBody>
+                    <a:bodyPr/>
+                    <a:lstStyle/>
+                    <a:p>
+                      <a:pPr algn="l">
+                        <a:lnSpc>
+                          <a:spcPct val="107000"/>
+                        </a:lnSpc>
+                        <a:spcAft>
+                          <a:spcPts val="800"/>
+                        </a:spcAft>
+                      </a:pPr>
+                      <a:r>
+                        <a:rPr lang="en-GB" sz="1400" kern="0" dirty="0">
+                          <a:solidFill>
+                            <a:schemeClr val="bg2">
+                              <a:lumMod val="25000"/>
+                            </a:schemeClr>
+                          </a:solidFill>
+                          <a:effectLst/>
+                        </a:rPr>
+                        <a:t>const</a:t>
+                      </a:r>
+                      <a:endParaRPr lang="en-GB" sz="1400" kern="100" dirty="0">
+                        <a:solidFill>
+                          <a:schemeClr val="bg2">
+                            <a:lumMod val="25000"/>
+                          </a:schemeClr>
+                        </a:solidFill>
+                        <a:effectLst/>
+                        <a:latin typeface="Calibri" panose="020F0502020204030204" pitchFamily="34" charset="0"/>
+                        <a:ea typeface="Calibri" panose="020F0502020204030204" pitchFamily="34" charset="0"/>
+                        <a:cs typeface="Times New Roman" panose="02020603050405020304" pitchFamily="18" charset="0"/>
+                      </a:endParaRPr>
+                    </a:p>
+                  </a:txBody>
+                  <a:tcPr marL="19050" marR="19050" marT="0" marB="0" anchor="ctr">
+                    <a:lnT w="12700" cap="flat" cmpd="sng" algn="ctr">
+                      <a:solidFill>
+                        <a:schemeClr val="tx1"/>
+                      </a:solidFill>
+                      <a:prstDash val="solid"/>
+                      <a:round/>
+                      <a:headEnd type="none" w="med" len="med"/>
+                      <a:tailEnd type="none" w="med" len="med"/>
+                    </a:lnT>
+                    <a:noFill/>
+                  </a:tcPr>
+                </a:tc>
+                <a:tc>
+                  <a:txBody>
+                    <a:bodyPr/>
+                    <a:lstStyle/>
+                    <a:p>
+                      <a:pPr algn="r">
+                        <a:lnSpc>
+                          <a:spcPct val="107000"/>
+                        </a:lnSpc>
+                        <a:spcAft>
+                          <a:spcPts val="800"/>
+                        </a:spcAft>
+                      </a:pPr>
+                      <a:r>
+                        <a:rPr lang="en-GB" sz="1400" kern="0" dirty="0">
+                          <a:solidFill>
+                            <a:schemeClr val="bg2">
+                              <a:lumMod val="25000"/>
+                            </a:schemeClr>
+                          </a:solidFill>
+                          <a:effectLst/>
+                        </a:rPr>
+                        <a:t>−26984.10</a:t>
+                      </a:r>
+                      <a:endParaRPr lang="en-GB" sz="1400" kern="100" dirty="0">
+                        <a:solidFill>
+                          <a:schemeClr val="bg2">
+                            <a:lumMod val="25000"/>
+                          </a:schemeClr>
+                        </a:solidFill>
+                        <a:effectLst/>
+                        <a:latin typeface="Calibri" panose="020F0502020204030204" pitchFamily="34" charset="0"/>
+                        <a:ea typeface="Calibri" panose="020F0502020204030204" pitchFamily="34" charset="0"/>
+                        <a:cs typeface="Times New Roman" panose="02020603050405020304" pitchFamily="18" charset="0"/>
+                      </a:endParaRPr>
+                    </a:p>
+                  </a:txBody>
+                  <a:tcPr marL="19050" marR="19050" marT="0" marB="0" anchor="ctr">
+                    <a:lnT w="12700" cap="flat" cmpd="sng" algn="ctr">
+                      <a:solidFill>
+                        <a:schemeClr val="tx1"/>
+                      </a:solidFill>
+                      <a:prstDash val="solid"/>
+                      <a:round/>
+                      <a:headEnd type="none" w="med" len="med"/>
+                      <a:tailEnd type="none" w="med" len="med"/>
+                    </a:lnT>
+                    <a:noFill/>
+                  </a:tcPr>
+                </a:tc>
+                <a:tc>
+                  <a:txBody>
+                    <a:bodyPr/>
+                    <a:lstStyle/>
+                    <a:p>
+                      <a:pPr algn="r">
+                        <a:lnSpc>
+                          <a:spcPct val="107000"/>
+                        </a:lnSpc>
+                        <a:spcAft>
+                          <a:spcPts val="800"/>
+                        </a:spcAft>
+                      </a:pPr>
+                      <a:r>
+                        <a:rPr lang="en-GB" sz="1400" kern="0" dirty="0">
+                          <a:solidFill>
+                            <a:schemeClr val="bg2">
+                              <a:lumMod val="25000"/>
+                            </a:schemeClr>
+                          </a:solidFill>
+                          <a:effectLst/>
+                        </a:rPr>
+                        <a:t>5159.49</a:t>
+                      </a:r>
+                      <a:endParaRPr lang="en-GB" sz="1400" kern="100" dirty="0">
+                        <a:solidFill>
+                          <a:schemeClr val="bg2">
+                            <a:lumMod val="25000"/>
+                          </a:schemeClr>
+                        </a:solidFill>
+                        <a:effectLst/>
+                        <a:latin typeface="Calibri" panose="020F0502020204030204" pitchFamily="34" charset="0"/>
+                        <a:ea typeface="Calibri" panose="020F0502020204030204" pitchFamily="34" charset="0"/>
+                        <a:cs typeface="Times New Roman" panose="02020603050405020304" pitchFamily="18" charset="0"/>
+                      </a:endParaRPr>
+                    </a:p>
+                  </a:txBody>
+                  <a:tcPr marL="19050" marR="19050" marT="0" marB="0" anchor="ctr">
+                    <a:lnT w="12700" cap="flat" cmpd="sng" algn="ctr">
+                      <a:solidFill>
+                        <a:schemeClr val="tx1"/>
+                      </a:solidFill>
+                      <a:prstDash val="solid"/>
+                      <a:round/>
+                      <a:headEnd type="none" w="med" len="med"/>
+                      <a:tailEnd type="none" w="med" len="med"/>
+                    </a:lnT>
+                    <a:noFill/>
+                  </a:tcPr>
+                </a:tc>
+                <a:tc>
+                  <a:txBody>
+                    <a:bodyPr/>
+                    <a:lstStyle/>
+                    <a:p>
+                      <a:pPr algn="r">
+                        <a:lnSpc>
+                          <a:spcPct val="107000"/>
+                        </a:lnSpc>
+                        <a:spcAft>
+                          <a:spcPts val="800"/>
+                        </a:spcAft>
+                      </a:pPr>
+                      <a:r>
+                        <a:rPr lang="en-GB" sz="1400" kern="0" dirty="0">
+                          <a:solidFill>
+                            <a:schemeClr val="bg2">
+                              <a:lumMod val="25000"/>
+                            </a:schemeClr>
+                          </a:solidFill>
+                          <a:effectLst/>
+                        </a:rPr>
+                        <a:t>−5.23</a:t>
+                      </a:r>
+                      <a:endParaRPr lang="en-GB" sz="1400" kern="100" dirty="0">
+                        <a:solidFill>
+                          <a:schemeClr val="bg2">
+                            <a:lumMod val="25000"/>
+                          </a:schemeClr>
+                        </a:solidFill>
+                        <a:effectLst/>
+                        <a:latin typeface="Calibri" panose="020F0502020204030204" pitchFamily="34" charset="0"/>
+                        <a:ea typeface="Calibri" panose="020F0502020204030204" pitchFamily="34" charset="0"/>
+                        <a:cs typeface="Times New Roman" panose="02020603050405020304" pitchFamily="18" charset="0"/>
+                      </a:endParaRPr>
+                    </a:p>
+                  </a:txBody>
+                  <a:tcPr marL="19050" marR="19050" marT="0" marB="0" anchor="ctr">
+                    <a:lnT w="12700" cap="flat" cmpd="sng" algn="ctr">
+                      <a:solidFill>
+                        <a:schemeClr val="tx1"/>
+                      </a:solidFill>
+                      <a:prstDash val="solid"/>
+                      <a:round/>
+                      <a:headEnd type="none" w="med" len="med"/>
+                      <a:tailEnd type="none" w="med" len="med"/>
+                    </a:lnT>
+                    <a:noFill/>
+                  </a:tcPr>
+                </a:tc>
+                <a:tc>
+                  <a:txBody>
+                    <a:bodyPr/>
+                    <a:lstStyle/>
+                    <a:p>
+                      <a:pPr algn="r">
+                        <a:lnSpc>
+                          <a:spcPct val="107000"/>
+                        </a:lnSpc>
+                        <a:spcAft>
+                          <a:spcPts val="800"/>
+                        </a:spcAft>
+                      </a:pPr>
+                      <a:r>
+                        <a:rPr lang="en-GB" sz="1400" kern="0">
+                          <a:solidFill>
+                            <a:schemeClr val="bg2">
+                              <a:lumMod val="25000"/>
+                            </a:schemeClr>
+                          </a:solidFill>
+                          <a:effectLst/>
+                        </a:rPr>
+                        <a:t>&lt;0.0001</a:t>
+                      </a:r>
+                      <a:endParaRPr lang="en-GB" sz="1400" kern="100">
+                        <a:solidFill>
+                          <a:schemeClr val="bg2">
+                            <a:lumMod val="25000"/>
+                          </a:schemeClr>
+                        </a:solidFill>
+                        <a:effectLst/>
+                        <a:latin typeface="Calibri" panose="020F0502020204030204" pitchFamily="34" charset="0"/>
+                        <a:ea typeface="Calibri" panose="020F0502020204030204" pitchFamily="34" charset="0"/>
+                        <a:cs typeface="Times New Roman" panose="02020603050405020304" pitchFamily="18" charset="0"/>
+                      </a:endParaRPr>
+                    </a:p>
+                  </a:txBody>
+                  <a:tcPr marL="19050" marR="19050" marT="0" marB="0" anchor="ctr">
+                    <a:lnT w="12700" cap="flat" cmpd="sng" algn="ctr">
+                      <a:solidFill>
+                        <a:schemeClr val="tx1"/>
+                      </a:solidFill>
+                      <a:prstDash val="solid"/>
+                      <a:round/>
+                      <a:headEnd type="none" w="med" len="med"/>
+                      <a:tailEnd type="none" w="med" len="med"/>
+                    </a:lnT>
+                    <a:noFill/>
+                  </a:tcPr>
+                </a:tc>
+                <a:tc>
+                  <a:txBody>
+                    <a:bodyPr/>
+                    <a:lstStyle/>
+                    <a:p>
+                      <a:pPr algn="ctr">
+                        <a:lnSpc>
+                          <a:spcPct val="107000"/>
+                        </a:lnSpc>
+                        <a:spcAft>
+                          <a:spcPts val="800"/>
+                        </a:spcAft>
+                      </a:pPr>
+                      <a:r>
+                        <a:rPr lang="en-GB" sz="1400" kern="0" dirty="0">
+                          <a:solidFill>
+                            <a:schemeClr val="bg2">
+                              <a:lumMod val="25000"/>
+                            </a:schemeClr>
+                          </a:solidFill>
+                          <a:effectLst/>
+                        </a:rPr>
+                        <a:t>***</a:t>
+                      </a:r>
+                      <a:endParaRPr lang="en-GB" sz="1400" kern="100" dirty="0">
+                        <a:solidFill>
+                          <a:schemeClr val="bg2">
+                            <a:lumMod val="25000"/>
+                          </a:schemeClr>
+                        </a:solidFill>
+                        <a:effectLst/>
+                        <a:latin typeface="Calibri" panose="020F0502020204030204" pitchFamily="34" charset="0"/>
+                        <a:ea typeface="Calibri" panose="020F0502020204030204" pitchFamily="34" charset="0"/>
+                        <a:cs typeface="Times New Roman" panose="02020603050405020304" pitchFamily="18" charset="0"/>
+                      </a:endParaRPr>
+                    </a:p>
+                  </a:txBody>
+                  <a:tcPr marL="19050" marR="19050" marT="0" marB="0" anchor="ctr">
+                    <a:noFill/>
+                  </a:tcPr>
+                </a:tc>
+                <a:extLst>
+                  <a:ext uri="{0D108BD9-81ED-4DB2-BD59-A6C34878D82A}">
+                    <a16:rowId xmlns:a16="http://schemas.microsoft.com/office/drawing/2014/main" val="1119811409"/>
+                  </a:ext>
+                </a:extLst>
+              </a:tr>
+              <a:tr h="166370">
+                <a:tc>
+                  <a:txBody>
+                    <a:bodyPr/>
+                    <a:lstStyle/>
+                    <a:p>
+                      <a:pPr algn="l">
+                        <a:lnSpc>
+                          <a:spcPct val="107000"/>
+                        </a:lnSpc>
+                        <a:spcAft>
+                          <a:spcPts val="800"/>
+                        </a:spcAft>
+                      </a:pPr>
+                      <a:r>
+                        <a:rPr lang="en-GB" sz="1400" kern="0" dirty="0">
+                          <a:solidFill>
+                            <a:schemeClr val="bg2">
+                              <a:lumMod val="25000"/>
+                            </a:schemeClr>
+                          </a:solidFill>
+                          <a:effectLst/>
+                        </a:rPr>
+                        <a:t>year_orig</a:t>
+                      </a:r>
+                      <a:endParaRPr lang="en-GB" sz="1400" kern="100" dirty="0">
+                        <a:solidFill>
+                          <a:schemeClr val="bg2">
+                            <a:lumMod val="25000"/>
+                          </a:schemeClr>
+                        </a:solidFill>
+                        <a:effectLst/>
+                        <a:latin typeface="Calibri" panose="020F0502020204030204" pitchFamily="34" charset="0"/>
+                        <a:ea typeface="Calibri" panose="020F0502020204030204" pitchFamily="34" charset="0"/>
+                        <a:cs typeface="Times New Roman" panose="02020603050405020304" pitchFamily="18" charset="0"/>
+                      </a:endParaRPr>
+                    </a:p>
+                  </a:txBody>
+                  <a:tcPr marL="19050" marR="19050" marT="0" marB="0" anchor="ctr">
+                    <a:noFill/>
+                  </a:tcPr>
+                </a:tc>
+                <a:tc>
+                  <a:txBody>
+                    <a:bodyPr/>
+                    <a:lstStyle/>
+                    <a:p>
+                      <a:pPr algn="r">
+                        <a:lnSpc>
+                          <a:spcPct val="107000"/>
+                        </a:lnSpc>
+                        <a:spcAft>
+                          <a:spcPts val="800"/>
+                        </a:spcAft>
+                      </a:pPr>
+                      <a:r>
+                        <a:rPr lang="en-GB" sz="1400" kern="0" dirty="0">
+                          <a:solidFill>
+                            <a:schemeClr val="bg2">
+                              <a:lumMod val="25000"/>
+                            </a:schemeClr>
+                          </a:solidFill>
+                          <a:effectLst/>
+                        </a:rPr>
+                        <a:t>463.97</a:t>
+                      </a:r>
+                      <a:endParaRPr lang="en-GB" sz="1400" kern="100" dirty="0">
+                        <a:solidFill>
+                          <a:schemeClr val="bg2">
+                            <a:lumMod val="25000"/>
+                          </a:schemeClr>
+                        </a:solidFill>
+                        <a:effectLst/>
+                        <a:latin typeface="Calibri" panose="020F0502020204030204" pitchFamily="34" charset="0"/>
+                        <a:ea typeface="Calibri" panose="020F0502020204030204" pitchFamily="34" charset="0"/>
+                        <a:cs typeface="Times New Roman" panose="02020603050405020304" pitchFamily="18" charset="0"/>
+                      </a:endParaRPr>
+                    </a:p>
+                  </a:txBody>
+                  <a:tcPr marL="19050" marR="19050" marT="0" marB="0" anchor="ctr">
+                    <a:noFill/>
+                  </a:tcPr>
+                </a:tc>
+                <a:tc>
+                  <a:txBody>
+                    <a:bodyPr/>
+                    <a:lstStyle/>
+                    <a:p>
+                      <a:pPr algn="r">
+                        <a:lnSpc>
+                          <a:spcPct val="107000"/>
+                        </a:lnSpc>
+                        <a:spcAft>
+                          <a:spcPts val="800"/>
+                        </a:spcAft>
+                      </a:pPr>
+                      <a:r>
+                        <a:rPr lang="en-GB" sz="1400" kern="0" dirty="0">
+                          <a:solidFill>
+                            <a:schemeClr val="bg2">
+                              <a:lumMod val="25000"/>
+                            </a:schemeClr>
+                          </a:solidFill>
+                          <a:effectLst/>
+                        </a:rPr>
+                        <a:t>75.62</a:t>
+                      </a:r>
+                      <a:endParaRPr lang="en-GB" sz="1400" kern="100" dirty="0">
+                        <a:solidFill>
+                          <a:schemeClr val="bg2">
+                            <a:lumMod val="25000"/>
+                          </a:schemeClr>
+                        </a:solidFill>
+                        <a:effectLst/>
+                        <a:latin typeface="Calibri" panose="020F0502020204030204" pitchFamily="34" charset="0"/>
+                        <a:ea typeface="Calibri" panose="020F0502020204030204" pitchFamily="34" charset="0"/>
+                        <a:cs typeface="Times New Roman" panose="02020603050405020304" pitchFamily="18" charset="0"/>
+                      </a:endParaRPr>
+                    </a:p>
+                  </a:txBody>
+                  <a:tcPr marL="19050" marR="19050" marT="0" marB="0" anchor="ctr">
+                    <a:noFill/>
+                  </a:tcPr>
+                </a:tc>
+                <a:tc>
+                  <a:txBody>
+                    <a:bodyPr/>
+                    <a:lstStyle/>
+                    <a:p>
+                      <a:pPr algn="r">
+                        <a:lnSpc>
+                          <a:spcPct val="107000"/>
+                        </a:lnSpc>
+                        <a:spcAft>
+                          <a:spcPts val="800"/>
+                        </a:spcAft>
+                      </a:pPr>
+                      <a:r>
+                        <a:rPr lang="en-GB" sz="1400" kern="0" dirty="0">
+                          <a:solidFill>
+                            <a:schemeClr val="bg2">
+                              <a:lumMod val="25000"/>
+                            </a:schemeClr>
+                          </a:solidFill>
+                          <a:effectLst/>
+                        </a:rPr>
+                        <a:t>6.14</a:t>
+                      </a:r>
+                      <a:endParaRPr lang="en-GB" sz="1400" kern="100" dirty="0">
+                        <a:solidFill>
+                          <a:schemeClr val="bg2">
+                            <a:lumMod val="25000"/>
+                          </a:schemeClr>
+                        </a:solidFill>
+                        <a:effectLst/>
+                        <a:latin typeface="Calibri" panose="020F0502020204030204" pitchFamily="34" charset="0"/>
+                        <a:ea typeface="Calibri" panose="020F0502020204030204" pitchFamily="34" charset="0"/>
+                        <a:cs typeface="Times New Roman" panose="02020603050405020304" pitchFamily="18" charset="0"/>
+                      </a:endParaRPr>
+                    </a:p>
+                  </a:txBody>
+                  <a:tcPr marL="19050" marR="19050" marT="0" marB="0" anchor="ctr">
+                    <a:noFill/>
+                  </a:tcPr>
+                </a:tc>
+                <a:tc>
+                  <a:txBody>
+                    <a:bodyPr/>
+                    <a:lstStyle/>
+                    <a:p>
+                      <a:pPr algn="r">
+                        <a:lnSpc>
+                          <a:spcPct val="107000"/>
+                        </a:lnSpc>
+                        <a:spcAft>
+                          <a:spcPts val="800"/>
+                        </a:spcAft>
+                      </a:pPr>
+                      <a:r>
+                        <a:rPr lang="en-GB" sz="1400" kern="0">
+                          <a:solidFill>
+                            <a:schemeClr val="bg2">
+                              <a:lumMod val="25000"/>
+                            </a:schemeClr>
+                          </a:solidFill>
+                          <a:effectLst/>
+                        </a:rPr>
+                        <a:t>&lt;0.0001</a:t>
+                      </a:r>
+                      <a:endParaRPr lang="en-GB" sz="1400" kern="100">
+                        <a:solidFill>
+                          <a:schemeClr val="bg2">
+                            <a:lumMod val="25000"/>
+                          </a:schemeClr>
+                        </a:solidFill>
+                        <a:effectLst/>
+                        <a:latin typeface="Calibri" panose="020F0502020204030204" pitchFamily="34" charset="0"/>
+                        <a:ea typeface="Calibri" panose="020F0502020204030204" pitchFamily="34" charset="0"/>
+                        <a:cs typeface="Times New Roman" panose="02020603050405020304" pitchFamily="18" charset="0"/>
+                      </a:endParaRPr>
+                    </a:p>
+                  </a:txBody>
+                  <a:tcPr marL="19050" marR="19050" marT="0" marB="0" anchor="ctr">
+                    <a:noFill/>
+                  </a:tcPr>
+                </a:tc>
+                <a:tc>
+                  <a:txBody>
+                    <a:bodyPr/>
+                    <a:lstStyle/>
+                    <a:p>
+                      <a:pPr algn="ctr">
+                        <a:lnSpc>
+                          <a:spcPct val="107000"/>
+                        </a:lnSpc>
+                        <a:spcAft>
+                          <a:spcPts val="800"/>
+                        </a:spcAft>
+                      </a:pPr>
+                      <a:r>
+                        <a:rPr lang="en-GB" sz="1400" kern="0" dirty="0">
+                          <a:solidFill>
+                            <a:schemeClr val="bg2">
+                              <a:lumMod val="25000"/>
+                            </a:schemeClr>
+                          </a:solidFill>
+                          <a:effectLst/>
+                        </a:rPr>
+                        <a:t>***</a:t>
+                      </a:r>
+                      <a:endParaRPr lang="en-GB" sz="1400" kern="100" dirty="0">
+                        <a:solidFill>
+                          <a:schemeClr val="bg2">
+                            <a:lumMod val="25000"/>
+                          </a:schemeClr>
+                        </a:solidFill>
+                        <a:effectLst/>
+                        <a:latin typeface="Calibri" panose="020F0502020204030204" pitchFamily="34" charset="0"/>
+                        <a:ea typeface="Calibri" panose="020F0502020204030204" pitchFamily="34" charset="0"/>
+                        <a:cs typeface="Times New Roman" panose="02020603050405020304" pitchFamily="18" charset="0"/>
+                      </a:endParaRPr>
+                    </a:p>
+                  </a:txBody>
+                  <a:tcPr marL="19050" marR="19050" marT="0" marB="0" anchor="ctr">
+                    <a:noFill/>
+                  </a:tcPr>
+                </a:tc>
+                <a:extLst>
+                  <a:ext uri="{0D108BD9-81ED-4DB2-BD59-A6C34878D82A}">
+                    <a16:rowId xmlns:a16="http://schemas.microsoft.com/office/drawing/2014/main" val="1512302050"/>
+                  </a:ext>
+                </a:extLst>
+              </a:tr>
+              <a:tr h="166370">
+                <a:tc>
+                  <a:txBody>
+                    <a:bodyPr/>
+                    <a:lstStyle/>
+                    <a:p>
+                      <a:pPr algn="l">
+                        <a:lnSpc>
+                          <a:spcPct val="107000"/>
+                        </a:lnSpc>
+                        <a:spcAft>
+                          <a:spcPts val="800"/>
+                        </a:spcAft>
+                      </a:pPr>
+                      <a:r>
+                        <a:rPr lang="en-GB" sz="1400" kern="0" dirty="0">
+                          <a:solidFill>
+                            <a:schemeClr val="bg2">
+                              <a:lumMod val="25000"/>
+                            </a:schemeClr>
+                          </a:solidFill>
+                          <a:effectLst/>
+                        </a:rPr>
+                        <a:t>yrs_sch</a:t>
+                      </a:r>
+                      <a:endParaRPr lang="en-GB" sz="1400" kern="100" dirty="0">
+                        <a:solidFill>
+                          <a:schemeClr val="bg2">
+                            <a:lumMod val="25000"/>
+                          </a:schemeClr>
+                        </a:solidFill>
+                        <a:effectLst/>
+                        <a:latin typeface="Calibri" panose="020F0502020204030204" pitchFamily="34" charset="0"/>
+                        <a:ea typeface="Calibri" panose="020F0502020204030204" pitchFamily="34" charset="0"/>
+                        <a:cs typeface="Times New Roman" panose="02020603050405020304" pitchFamily="18" charset="0"/>
+                      </a:endParaRPr>
+                    </a:p>
+                  </a:txBody>
+                  <a:tcPr marL="19050" marR="19050" marT="0" marB="0" anchor="ctr">
+                    <a:noFill/>
+                  </a:tcPr>
+                </a:tc>
+                <a:tc>
+                  <a:txBody>
+                    <a:bodyPr/>
+                    <a:lstStyle/>
+                    <a:p>
+                      <a:pPr algn="r">
+                        <a:lnSpc>
+                          <a:spcPct val="107000"/>
+                        </a:lnSpc>
+                        <a:spcAft>
+                          <a:spcPts val="800"/>
+                        </a:spcAft>
+                      </a:pPr>
+                      <a:r>
+                        <a:rPr lang="en-GB" sz="1400" kern="0" dirty="0">
+                          <a:solidFill>
+                            <a:schemeClr val="bg2">
+                              <a:lumMod val="25000"/>
+                            </a:schemeClr>
+                          </a:solidFill>
+                          <a:effectLst/>
+                        </a:rPr>
+                        <a:t>1572.45</a:t>
+                      </a:r>
+                      <a:endParaRPr lang="en-GB" sz="1400" kern="100" dirty="0">
+                        <a:solidFill>
+                          <a:schemeClr val="bg2">
+                            <a:lumMod val="25000"/>
+                          </a:schemeClr>
+                        </a:solidFill>
+                        <a:effectLst/>
+                        <a:latin typeface="Calibri" panose="020F0502020204030204" pitchFamily="34" charset="0"/>
+                        <a:ea typeface="Calibri" panose="020F0502020204030204" pitchFamily="34" charset="0"/>
+                        <a:cs typeface="Times New Roman" panose="02020603050405020304" pitchFamily="18" charset="0"/>
+                      </a:endParaRPr>
+                    </a:p>
+                  </a:txBody>
+                  <a:tcPr marL="19050" marR="19050" marT="0" marB="0" anchor="ctr">
+                    <a:noFill/>
+                  </a:tcPr>
+                </a:tc>
+                <a:tc>
+                  <a:txBody>
+                    <a:bodyPr/>
+                    <a:lstStyle/>
+                    <a:p>
+                      <a:pPr algn="r">
+                        <a:lnSpc>
+                          <a:spcPct val="107000"/>
+                        </a:lnSpc>
+                        <a:spcAft>
+                          <a:spcPts val="800"/>
+                        </a:spcAft>
+                      </a:pPr>
+                      <a:r>
+                        <a:rPr lang="en-GB" sz="1400" kern="0" dirty="0">
+                          <a:solidFill>
+                            <a:schemeClr val="bg2">
+                              <a:lumMod val="25000"/>
+                            </a:schemeClr>
+                          </a:solidFill>
+                          <a:effectLst/>
+                        </a:rPr>
+                        <a:t>585.18</a:t>
+                      </a:r>
+                      <a:endParaRPr lang="en-GB" sz="1400" kern="100" dirty="0">
+                        <a:solidFill>
+                          <a:schemeClr val="bg2">
+                            <a:lumMod val="25000"/>
+                          </a:schemeClr>
+                        </a:solidFill>
+                        <a:effectLst/>
+                        <a:latin typeface="Calibri" panose="020F0502020204030204" pitchFamily="34" charset="0"/>
+                        <a:ea typeface="Calibri" panose="020F0502020204030204" pitchFamily="34" charset="0"/>
+                        <a:cs typeface="Times New Roman" panose="02020603050405020304" pitchFamily="18" charset="0"/>
+                      </a:endParaRPr>
+                    </a:p>
+                  </a:txBody>
+                  <a:tcPr marL="19050" marR="19050" marT="0" marB="0" anchor="ctr">
+                    <a:noFill/>
+                  </a:tcPr>
+                </a:tc>
+                <a:tc>
+                  <a:txBody>
+                    <a:bodyPr/>
+                    <a:lstStyle/>
+                    <a:p>
+                      <a:pPr algn="r">
+                        <a:lnSpc>
+                          <a:spcPct val="107000"/>
+                        </a:lnSpc>
+                        <a:spcAft>
+                          <a:spcPts val="800"/>
+                        </a:spcAft>
+                      </a:pPr>
+                      <a:r>
+                        <a:rPr lang="en-GB" sz="1400" kern="0" dirty="0">
+                          <a:solidFill>
+                            <a:schemeClr val="bg2">
+                              <a:lumMod val="25000"/>
+                            </a:schemeClr>
+                          </a:solidFill>
+                          <a:effectLst/>
+                        </a:rPr>
+                        <a:t>2.69</a:t>
+                      </a:r>
+                      <a:endParaRPr lang="en-GB" sz="1400" kern="100" dirty="0">
+                        <a:solidFill>
+                          <a:schemeClr val="bg2">
+                            <a:lumMod val="25000"/>
+                          </a:schemeClr>
+                        </a:solidFill>
+                        <a:effectLst/>
+                        <a:latin typeface="Calibri" panose="020F0502020204030204" pitchFamily="34" charset="0"/>
+                        <a:ea typeface="Calibri" panose="020F0502020204030204" pitchFamily="34" charset="0"/>
+                        <a:cs typeface="Times New Roman" panose="02020603050405020304" pitchFamily="18" charset="0"/>
+                      </a:endParaRPr>
+                    </a:p>
+                  </a:txBody>
+                  <a:tcPr marL="19050" marR="19050" marT="0" marB="0" anchor="ctr">
+                    <a:noFill/>
+                  </a:tcPr>
+                </a:tc>
+                <a:tc>
+                  <a:txBody>
+                    <a:bodyPr/>
+                    <a:lstStyle/>
+                    <a:p>
+                      <a:pPr algn="r">
+                        <a:lnSpc>
+                          <a:spcPct val="107000"/>
+                        </a:lnSpc>
+                        <a:spcAft>
+                          <a:spcPts val="800"/>
+                        </a:spcAft>
+                      </a:pPr>
+                      <a:r>
+                        <a:rPr lang="en-GB" sz="1400" kern="0">
+                          <a:solidFill>
+                            <a:schemeClr val="bg2">
+                              <a:lumMod val="25000"/>
+                            </a:schemeClr>
+                          </a:solidFill>
+                          <a:effectLst/>
+                        </a:rPr>
+                        <a:t>0.0078</a:t>
+                      </a:r>
+                      <a:endParaRPr lang="en-GB" sz="1400" kern="100">
+                        <a:solidFill>
+                          <a:schemeClr val="bg2">
+                            <a:lumMod val="25000"/>
+                          </a:schemeClr>
+                        </a:solidFill>
+                        <a:effectLst/>
+                        <a:latin typeface="Calibri" panose="020F0502020204030204" pitchFamily="34" charset="0"/>
+                        <a:ea typeface="Calibri" panose="020F0502020204030204" pitchFamily="34" charset="0"/>
+                        <a:cs typeface="Times New Roman" panose="02020603050405020304" pitchFamily="18" charset="0"/>
+                      </a:endParaRPr>
+                    </a:p>
+                  </a:txBody>
+                  <a:tcPr marL="19050" marR="19050" marT="0" marB="0" anchor="ctr">
+                    <a:noFill/>
+                  </a:tcPr>
+                </a:tc>
+                <a:tc>
+                  <a:txBody>
+                    <a:bodyPr/>
+                    <a:lstStyle/>
+                    <a:p>
+                      <a:pPr algn="ctr">
+                        <a:lnSpc>
+                          <a:spcPct val="107000"/>
+                        </a:lnSpc>
+                        <a:spcAft>
+                          <a:spcPts val="800"/>
+                        </a:spcAft>
+                      </a:pPr>
+                      <a:r>
+                        <a:rPr lang="en-GB" sz="1400" kern="0" dirty="0">
+                          <a:solidFill>
+                            <a:schemeClr val="bg2">
+                              <a:lumMod val="25000"/>
+                            </a:schemeClr>
+                          </a:solidFill>
+                          <a:effectLst/>
+                        </a:rPr>
+                        <a:t>***</a:t>
+                      </a:r>
+                      <a:endParaRPr lang="en-GB" sz="1400" kern="100" dirty="0">
+                        <a:solidFill>
+                          <a:schemeClr val="bg2">
+                            <a:lumMod val="25000"/>
+                          </a:schemeClr>
+                        </a:solidFill>
+                        <a:effectLst/>
+                        <a:latin typeface="Calibri" panose="020F0502020204030204" pitchFamily="34" charset="0"/>
+                        <a:ea typeface="Calibri" panose="020F0502020204030204" pitchFamily="34" charset="0"/>
+                        <a:cs typeface="Times New Roman" panose="02020603050405020304" pitchFamily="18" charset="0"/>
+                      </a:endParaRPr>
+                    </a:p>
+                  </a:txBody>
+                  <a:tcPr marL="19050" marR="19050" marT="0" marB="0" anchor="ctr">
+                    <a:noFill/>
+                  </a:tcPr>
+                </a:tc>
+                <a:extLst>
+                  <a:ext uri="{0D108BD9-81ED-4DB2-BD59-A6C34878D82A}">
+                    <a16:rowId xmlns:a16="http://schemas.microsoft.com/office/drawing/2014/main" val="950602863"/>
+                  </a:ext>
+                </a:extLst>
+              </a:tr>
+              <a:tr h="166370">
+                <a:tc>
+                  <a:txBody>
+                    <a:bodyPr/>
+                    <a:lstStyle/>
+                    <a:p>
+                      <a:pPr algn="l">
+                        <a:lnSpc>
+                          <a:spcPct val="107000"/>
+                        </a:lnSpc>
+                        <a:spcAft>
+                          <a:spcPts val="800"/>
+                        </a:spcAft>
+                      </a:pPr>
+                      <a:r>
+                        <a:rPr lang="en-GB" sz="1400" kern="0" dirty="0">
+                          <a:solidFill>
+                            <a:schemeClr val="bg2">
+                              <a:lumMod val="25000"/>
+                            </a:schemeClr>
+                          </a:solidFill>
+                          <a:effectLst/>
+                        </a:rPr>
+                        <a:t>voc</a:t>
+                      </a:r>
+                      <a:endParaRPr lang="en-GB" sz="1400" kern="100" dirty="0">
+                        <a:solidFill>
+                          <a:schemeClr val="bg2">
+                            <a:lumMod val="25000"/>
+                          </a:schemeClr>
+                        </a:solidFill>
+                        <a:effectLst/>
+                        <a:latin typeface="Calibri" panose="020F0502020204030204" pitchFamily="34" charset="0"/>
+                        <a:ea typeface="Calibri" panose="020F0502020204030204" pitchFamily="34" charset="0"/>
+                        <a:cs typeface="Times New Roman" panose="02020603050405020304" pitchFamily="18" charset="0"/>
+                      </a:endParaRPr>
+                    </a:p>
+                  </a:txBody>
+                  <a:tcPr marL="19050" marR="19050" marT="0" marB="0" anchor="ctr">
+                    <a:noFill/>
+                  </a:tcPr>
+                </a:tc>
+                <a:tc>
+                  <a:txBody>
+                    <a:bodyPr/>
+                    <a:lstStyle/>
+                    <a:p>
+                      <a:pPr algn="r">
+                        <a:lnSpc>
+                          <a:spcPct val="107000"/>
+                        </a:lnSpc>
+                        <a:spcAft>
+                          <a:spcPts val="800"/>
+                        </a:spcAft>
+                      </a:pPr>
+                      <a:r>
+                        <a:rPr lang="en-GB" sz="1400" kern="0" dirty="0">
+                          <a:solidFill>
+                            <a:schemeClr val="bg2">
+                              <a:lumMod val="25000"/>
+                            </a:schemeClr>
+                          </a:solidFill>
+                          <a:effectLst/>
+                        </a:rPr>
+                        <a:t>1606.11</a:t>
+                      </a:r>
+                      <a:endParaRPr lang="en-GB" sz="1400" kern="100" dirty="0">
+                        <a:solidFill>
+                          <a:schemeClr val="bg2">
+                            <a:lumMod val="25000"/>
+                          </a:schemeClr>
+                        </a:solidFill>
+                        <a:effectLst/>
+                        <a:latin typeface="Calibri" panose="020F0502020204030204" pitchFamily="34" charset="0"/>
+                        <a:ea typeface="Calibri" panose="020F0502020204030204" pitchFamily="34" charset="0"/>
+                        <a:cs typeface="Times New Roman" panose="02020603050405020304" pitchFamily="18" charset="0"/>
+                      </a:endParaRPr>
+                    </a:p>
+                  </a:txBody>
+                  <a:tcPr marL="19050" marR="19050" marT="0" marB="0" anchor="ctr">
+                    <a:noFill/>
+                  </a:tcPr>
+                </a:tc>
+                <a:tc>
+                  <a:txBody>
+                    <a:bodyPr/>
+                    <a:lstStyle/>
+                    <a:p>
+                      <a:pPr algn="r">
+                        <a:lnSpc>
+                          <a:spcPct val="107000"/>
+                        </a:lnSpc>
+                        <a:spcAft>
+                          <a:spcPts val="800"/>
+                        </a:spcAft>
+                      </a:pPr>
+                      <a:r>
+                        <a:rPr lang="en-GB" sz="1400" kern="0" dirty="0">
+                          <a:solidFill>
+                            <a:schemeClr val="bg2">
+                              <a:lumMod val="25000"/>
+                            </a:schemeClr>
+                          </a:solidFill>
+                          <a:effectLst/>
+                        </a:rPr>
+                        <a:t>1209.39</a:t>
+                      </a:r>
+                      <a:endParaRPr lang="en-GB" sz="1400" kern="100" dirty="0">
+                        <a:solidFill>
+                          <a:schemeClr val="bg2">
+                            <a:lumMod val="25000"/>
+                          </a:schemeClr>
+                        </a:solidFill>
+                        <a:effectLst/>
+                        <a:latin typeface="Calibri" panose="020F0502020204030204" pitchFamily="34" charset="0"/>
+                        <a:ea typeface="Calibri" panose="020F0502020204030204" pitchFamily="34" charset="0"/>
+                        <a:cs typeface="Times New Roman" panose="02020603050405020304" pitchFamily="18" charset="0"/>
+                      </a:endParaRPr>
+                    </a:p>
+                  </a:txBody>
+                  <a:tcPr marL="19050" marR="19050" marT="0" marB="0" anchor="ctr">
+                    <a:noFill/>
+                  </a:tcPr>
+                </a:tc>
+                <a:tc>
+                  <a:txBody>
+                    <a:bodyPr/>
+                    <a:lstStyle/>
+                    <a:p>
+                      <a:pPr algn="r">
+                        <a:lnSpc>
+                          <a:spcPct val="107000"/>
+                        </a:lnSpc>
+                        <a:spcAft>
+                          <a:spcPts val="800"/>
+                        </a:spcAft>
+                      </a:pPr>
+                      <a:r>
+                        <a:rPr lang="en-GB" sz="1400" kern="0" dirty="0">
+                          <a:solidFill>
+                            <a:schemeClr val="bg2">
+                              <a:lumMod val="25000"/>
+                            </a:schemeClr>
+                          </a:solidFill>
+                          <a:effectLst/>
+                        </a:rPr>
+                        <a:t>1.33</a:t>
+                      </a:r>
+                      <a:endParaRPr lang="en-GB" sz="1400" kern="100" dirty="0">
+                        <a:solidFill>
+                          <a:schemeClr val="bg2">
+                            <a:lumMod val="25000"/>
+                          </a:schemeClr>
+                        </a:solidFill>
+                        <a:effectLst/>
+                        <a:latin typeface="Calibri" panose="020F0502020204030204" pitchFamily="34" charset="0"/>
+                        <a:ea typeface="Calibri" panose="020F0502020204030204" pitchFamily="34" charset="0"/>
+                        <a:cs typeface="Times New Roman" panose="02020603050405020304" pitchFamily="18" charset="0"/>
+                      </a:endParaRPr>
+                    </a:p>
+                  </a:txBody>
+                  <a:tcPr marL="19050" marR="19050" marT="0" marB="0" anchor="ctr">
+                    <a:noFill/>
+                  </a:tcPr>
+                </a:tc>
+                <a:tc>
+                  <a:txBody>
+                    <a:bodyPr/>
+                    <a:lstStyle/>
+                    <a:p>
+                      <a:pPr algn="r">
+                        <a:lnSpc>
+                          <a:spcPct val="107000"/>
+                        </a:lnSpc>
+                        <a:spcAft>
+                          <a:spcPts val="800"/>
+                        </a:spcAft>
+                      </a:pPr>
+                      <a:r>
+                        <a:rPr lang="en-GB" sz="1400" kern="0" dirty="0">
+                          <a:solidFill>
+                            <a:schemeClr val="bg2">
+                              <a:lumMod val="25000"/>
+                            </a:schemeClr>
+                          </a:solidFill>
+                          <a:effectLst/>
+                        </a:rPr>
+                        <a:t>0.1857</a:t>
+                      </a:r>
+                      <a:endParaRPr lang="en-GB" sz="1400" kern="100" dirty="0">
+                        <a:solidFill>
+                          <a:schemeClr val="bg2">
+                            <a:lumMod val="25000"/>
+                          </a:schemeClr>
+                        </a:solidFill>
+                        <a:effectLst/>
+                        <a:latin typeface="Calibri" panose="020F0502020204030204" pitchFamily="34" charset="0"/>
+                        <a:ea typeface="Calibri" panose="020F0502020204030204" pitchFamily="34" charset="0"/>
+                        <a:cs typeface="Times New Roman" panose="02020603050405020304" pitchFamily="18" charset="0"/>
+                      </a:endParaRPr>
+                    </a:p>
+                  </a:txBody>
+                  <a:tcPr marL="19050" marR="19050" marT="0" marB="0" anchor="ctr">
+                    <a:noFill/>
+                  </a:tcPr>
+                </a:tc>
+                <a:tc>
+                  <a:txBody>
+                    <a:bodyPr/>
+                    <a:lstStyle/>
+                    <a:p>
+                      <a:pPr algn="ctr">
+                        <a:lnSpc>
+                          <a:spcPct val="107000"/>
+                        </a:lnSpc>
+                        <a:spcAft>
+                          <a:spcPts val="800"/>
+                        </a:spcAft>
+                      </a:pPr>
+                      <a:r>
+                        <a:rPr lang="en-GB" sz="1400" kern="0" dirty="0">
+                          <a:solidFill>
+                            <a:schemeClr val="bg2">
+                              <a:lumMod val="25000"/>
+                            </a:schemeClr>
+                          </a:solidFill>
+                          <a:effectLst/>
+                        </a:rPr>
+                        <a:t> </a:t>
+                      </a:r>
+                      <a:endParaRPr lang="en-GB" sz="1400" kern="100" dirty="0">
+                        <a:solidFill>
+                          <a:schemeClr val="bg2">
+                            <a:lumMod val="25000"/>
+                          </a:schemeClr>
+                        </a:solidFill>
+                        <a:effectLst/>
+                        <a:latin typeface="Calibri" panose="020F0502020204030204" pitchFamily="34" charset="0"/>
+                        <a:ea typeface="Calibri" panose="020F0502020204030204" pitchFamily="34" charset="0"/>
+                        <a:cs typeface="Times New Roman" panose="02020603050405020304" pitchFamily="18" charset="0"/>
+                      </a:endParaRPr>
+                    </a:p>
+                  </a:txBody>
+                  <a:tcPr marL="19050" marR="19050" marT="0" marB="0" anchor="ctr">
+                    <a:noFill/>
+                  </a:tcPr>
+                </a:tc>
+                <a:extLst>
+                  <a:ext uri="{0D108BD9-81ED-4DB2-BD59-A6C34878D82A}">
+                    <a16:rowId xmlns:a16="http://schemas.microsoft.com/office/drawing/2014/main" val="620415857"/>
+                  </a:ext>
+                </a:extLst>
+              </a:tr>
+              <a:tr h="166370">
+                <a:tc>
+                  <a:txBody>
+                    <a:bodyPr/>
+                    <a:lstStyle/>
+                    <a:p>
+                      <a:pPr algn="l">
+                        <a:lnSpc>
+                          <a:spcPct val="107000"/>
+                        </a:lnSpc>
+                        <a:spcAft>
+                          <a:spcPts val="800"/>
+                        </a:spcAft>
+                      </a:pPr>
+                      <a:r>
+                        <a:rPr lang="en-GB" sz="1400" kern="0" dirty="0">
+                          <a:solidFill>
+                            <a:schemeClr val="bg2">
+                              <a:lumMod val="25000"/>
+                            </a:schemeClr>
+                          </a:solidFill>
+                          <a:effectLst/>
+                        </a:rPr>
+                        <a:t>ctfp</a:t>
+                      </a:r>
+                      <a:endParaRPr lang="en-GB" sz="1400" kern="100" dirty="0">
+                        <a:solidFill>
+                          <a:schemeClr val="bg2">
+                            <a:lumMod val="25000"/>
+                          </a:schemeClr>
+                        </a:solidFill>
+                        <a:effectLst/>
+                        <a:latin typeface="Calibri" panose="020F0502020204030204" pitchFamily="34" charset="0"/>
+                        <a:ea typeface="Calibri" panose="020F0502020204030204" pitchFamily="34" charset="0"/>
+                        <a:cs typeface="Times New Roman" panose="02020603050405020304" pitchFamily="18" charset="0"/>
+                      </a:endParaRPr>
+                    </a:p>
+                  </a:txBody>
+                  <a:tcPr marL="19050" marR="19050" marT="0" marB="0" anchor="ctr">
+                    <a:noFill/>
+                  </a:tcPr>
+                </a:tc>
+                <a:tc>
+                  <a:txBody>
+                    <a:bodyPr/>
+                    <a:lstStyle/>
+                    <a:p>
+                      <a:pPr algn="r">
+                        <a:lnSpc>
+                          <a:spcPct val="107000"/>
+                        </a:lnSpc>
+                        <a:spcAft>
+                          <a:spcPts val="800"/>
+                        </a:spcAft>
+                      </a:pPr>
+                      <a:r>
+                        <a:rPr lang="en-GB" sz="1400" kern="0" dirty="0">
+                          <a:solidFill>
+                            <a:schemeClr val="bg2">
+                              <a:lumMod val="25000"/>
+                            </a:schemeClr>
+                          </a:solidFill>
+                          <a:effectLst/>
+                        </a:rPr>
+                        <a:t>30130.70</a:t>
+                      </a:r>
+                      <a:endParaRPr lang="en-GB" sz="1400" kern="100" dirty="0">
+                        <a:solidFill>
+                          <a:schemeClr val="bg2">
+                            <a:lumMod val="25000"/>
+                          </a:schemeClr>
+                        </a:solidFill>
+                        <a:effectLst/>
+                        <a:latin typeface="Calibri" panose="020F0502020204030204" pitchFamily="34" charset="0"/>
+                        <a:ea typeface="Calibri" panose="020F0502020204030204" pitchFamily="34" charset="0"/>
+                        <a:cs typeface="Times New Roman" panose="02020603050405020304" pitchFamily="18" charset="0"/>
+                      </a:endParaRPr>
+                    </a:p>
+                  </a:txBody>
+                  <a:tcPr marL="19050" marR="19050" marT="0" marB="0" anchor="ctr">
+                    <a:noFill/>
+                  </a:tcPr>
+                </a:tc>
+                <a:tc>
+                  <a:txBody>
+                    <a:bodyPr/>
+                    <a:lstStyle/>
+                    <a:p>
+                      <a:pPr algn="r">
+                        <a:lnSpc>
+                          <a:spcPct val="107000"/>
+                        </a:lnSpc>
+                        <a:spcAft>
+                          <a:spcPts val="800"/>
+                        </a:spcAft>
+                      </a:pPr>
+                      <a:r>
+                        <a:rPr lang="en-GB" sz="1400" kern="0" dirty="0">
+                          <a:solidFill>
+                            <a:schemeClr val="bg2">
+                              <a:lumMod val="25000"/>
+                            </a:schemeClr>
+                          </a:solidFill>
+                          <a:effectLst/>
+                        </a:rPr>
+                        <a:t>3359.27</a:t>
+                      </a:r>
+                      <a:endParaRPr lang="en-GB" sz="1400" kern="100" dirty="0">
+                        <a:solidFill>
+                          <a:schemeClr val="bg2">
+                            <a:lumMod val="25000"/>
+                          </a:schemeClr>
+                        </a:solidFill>
+                        <a:effectLst/>
+                        <a:latin typeface="Calibri" panose="020F0502020204030204" pitchFamily="34" charset="0"/>
+                        <a:ea typeface="Calibri" panose="020F0502020204030204" pitchFamily="34" charset="0"/>
+                        <a:cs typeface="Times New Roman" panose="02020603050405020304" pitchFamily="18" charset="0"/>
+                      </a:endParaRPr>
+                    </a:p>
+                  </a:txBody>
+                  <a:tcPr marL="19050" marR="19050" marT="0" marB="0" anchor="ctr">
+                    <a:noFill/>
+                  </a:tcPr>
+                </a:tc>
+                <a:tc>
+                  <a:txBody>
+                    <a:bodyPr/>
+                    <a:lstStyle/>
+                    <a:p>
+                      <a:pPr algn="r">
+                        <a:lnSpc>
+                          <a:spcPct val="107000"/>
+                        </a:lnSpc>
+                        <a:spcAft>
+                          <a:spcPts val="800"/>
+                        </a:spcAft>
+                      </a:pPr>
+                      <a:r>
+                        <a:rPr lang="en-GB" sz="1400" kern="0" dirty="0">
+                          <a:solidFill>
+                            <a:schemeClr val="bg2">
+                              <a:lumMod val="25000"/>
+                            </a:schemeClr>
+                          </a:solidFill>
+                          <a:effectLst/>
+                        </a:rPr>
+                        <a:t>8.97</a:t>
+                      </a:r>
+                      <a:endParaRPr lang="en-GB" sz="1400" kern="100" dirty="0">
+                        <a:solidFill>
+                          <a:schemeClr val="bg2">
+                            <a:lumMod val="25000"/>
+                          </a:schemeClr>
+                        </a:solidFill>
+                        <a:effectLst/>
+                        <a:latin typeface="Calibri" panose="020F0502020204030204" pitchFamily="34" charset="0"/>
+                        <a:ea typeface="Calibri" panose="020F0502020204030204" pitchFamily="34" charset="0"/>
+                        <a:cs typeface="Times New Roman" panose="02020603050405020304" pitchFamily="18" charset="0"/>
+                      </a:endParaRPr>
+                    </a:p>
+                  </a:txBody>
+                  <a:tcPr marL="19050" marR="19050" marT="0" marB="0" anchor="ctr">
+                    <a:noFill/>
+                  </a:tcPr>
+                </a:tc>
+                <a:tc>
+                  <a:txBody>
+                    <a:bodyPr/>
+                    <a:lstStyle/>
+                    <a:p>
+                      <a:pPr algn="r">
+                        <a:lnSpc>
+                          <a:spcPct val="107000"/>
+                        </a:lnSpc>
+                        <a:spcAft>
+                          <a:spcPts val="800"/>
+                        </a:spcAft>
+                      </a:pPr>
+                      <a:r>
+                        <a:rPr lang="en-GB" sz="1400" kern="0" dirty="0">
+                          <a:solidFill>
+                            <a:schemeClr val="bg2">
+                              <a:lumMod val="25000"/>
+                            </a:schemeClr>
+                          </a:solidFill>
+                          <a:effectLst/>
+                        </a:rPr>
+                        <a:t>&lt;0.0001</a:t>
+                      </a:r>
+                      <a:endParaRPr lang="en-GB" sz="1400" kern="100" dirty="0">
+                        <a:solidFill>
+                          <a:schemeClr val="bg2">
+                            <a:lumMod val="25000"/>
+                          </a:schemeClr>
+                        </a:solidFill>
+                        <a:effectLst/>
+                        <a:latin typeface="Calibri" panose="020F0502020204030204" pitchFamily="34" charset="0"/>
+                        <a:ea typeface="Calibri" panose="020F0502020204030204" pitchFamily="34" charset="0"/>
+                        <a:cs typeface="Times New Roman" panose="02020603050405020304" pitchFamily="18" charset="0"/>
+                      </a:endParaRPr>
+                    </a:p>
+                  </a:txBody>
+                  <a:tcPr marL="19050" marR="19050" marT="0" marB="0" anchor="ctr">
+                    <a:noFill/>
+                  </a:tcPr>
+                </a:tc>
+                <a:tc>
+                  <a:txBody>
+                    <a:bodyPr/>
+                    <a:lstStyle/>
+                    <a:p>
+                      <a:pPr algn="ctr">
+                        <a:lnSpc>
+                          <a:spcPct val="107000"/>
+                        </a:lnSpc>
+                        <a:spcAft>
+                          <a:spcPts val="800"/>
+                        </a:spcAft>
+                      </a:pPr>
+                      <a:r>
+                        <a:rPr lang="en-GB" sz="1400" kern="0" dirty="0">
+                          <a:solidFill>
+                            <a:schemeClr val="bg2">
+                              <a:lumMod val="25000"/>
+                            </a:schemeClr>
+                          </a:solidFill>
+                          <a:effectLst/>
+                        </a:rPr>
+                        <a:t>***</a:t>
+                      </a:r>
+                      <a:endParaRPr lang="en-GB" sz="1400" kern="100" dirty="0">
+                        <a:solidFill>
+                          <a:schemeClr val="bg2">
+                            <a:lumMod val="25000"/>
+                          </a:schemeClr>
+                        </a:solidFill>
+                        <a:effectLst/>
+                        <a:latin typeface="Calibri" panose="020F0502020204030204" pitchFamily="34" charset="0"/>
+                        <a:ea typeface="Calibri" panose="020F0502020204030204" pitchFamily="34" charset="0"/>
+                        <a:cs typeface="Times New Roman" panose="02020603050405020304" pitchFamily="18" charset="0"/>
+                      </a:endParaRPr>
+                    </a:p>
+                  </a:txBody>
+                  <a:tcPr marL="19050" marR="19050" marT="0" marB="0" anchor="ctr">
+                    <a:noFill/>
+                  </a:tcPr>
+                </a:tc>
+                <a:extLst>
+                  <a:ext uri="{0D108BD9-81ED-4DB2-BD59-A6C34878D82A}">
+                    <a16:rowId xmlns:a16="http://schemas.microsoft.com/office/drawing/2014/main" val="4269142335"/>
+                  </a:ext>
+                </a:extLst>
+              </a:tr>
+            </a:tbl>
+          </a:graphicData>
+        </a:graphic>
+      </p:graphicFrame>
+      <p:graphicFrame>
+        <p:nvGraphicFramePr>
+          <p:cNvPr id="6" name="Table 5">
+            <a:extLst>
+              <a:ext uri="{FF2B5EF4-FFF2-40B4-BE49-F238E27FC236}">
+                <a16:creationId xmlns:a16="http://schemas.microsoft.com/office/drawing/2014/main" id="{50F437B6-D432-4D8D-FB69-CE650111F507}"/>
+              </a:ext>
+            </a:extLst>
+          </p:cNvPr>
+          <p:cNvGraphicFramePr>
+            <a:graphicFrameLocks noGrp="1"/>
+          </p:cNvGraphicFramePr>
+          <p:nvPr>
+            <p:extLst>
+              <p:ext uri="{D42A27DB-BD31-4B8C-83A1-F6EECF244321}">
+                <p14:modId xmlns:p14="http://schemas.microsoft.com/office/powerpoint/2010/main" val="3412844944"/>
+              </p:ext>
+            </p:extLst>
+          </p:nvPr>
+        </p:nvGraphicFramePr>
+        <p:xfrm>
+          <a:off x="1176863" y="5332884"/>
+          <a:ext cx="6619252" cy="878841"/>
+        </p:xfrm>
+        <a:graphic>
+          <a:graphicData uri="http://schemas.openxmlformats.org/drawingml/2006/table">
+            <a:tbl>
+              <a:tblPr firstRow="1" firstCol="1" bandRow="1">
+                <a:tableStyleId>{5C22544A-7EE6-4342-B048-85BDC9FD1C3A}</a:tableStyleId>
+              </a:tblPr>
+              <a:tblGrid>
+                <a:gridCol w="1219252">
+                  <a:extLst>
+                    <a:ext uri="{9D8B030D-6E8A-4147-A177-3AD203B41FA5}">
+                      <a16:colId xmlns:a16="http://schemas.microsoft.com/office/drawing/2014/main" val="1222103558"/>
+                    </a:ext>
+                  </a:extLst>
+                </a:gridCol>
+                <a:gridCol w="792000">
+                  <a:extLst>
+                    <a:ext uri="{9D8B030D-6E8A-4147-A177-3AD203B41FA5}">
+                      <a16:colId xmlns:a16="http://schemas.microsoft.com/office/drawing/2014/main" val="2369140177"/>
+                    </a:ext>
+                  </a:extLst>
+                </a:gridCol>
+                <a:gridCol w="792000">
+                  <a:extLst>
+                    <a:ext uri="{9D8B030D-6E8A-4147-A177-3AD203B41FA5}">
+                      <a16:colId xmlns:a16="http://schemas.microsoft.com/office/drawing/2014/main" val="2552375350"/>
+                    </a:ext>
+                  </a:extLst>
+                </a:gridCol>
+                <a:gridCol w="792000">
+                  <a:extLst>
+                    <a:ext uri="{9D8B030D-6E8A-4147-A177-3AD203B41FA5}">
+                      <a16:colId xmlns:a16="http://schemas.microsoft.com/office/drawing/2014/main" val="1908535312"/>
+                    </a:ext>
+                  </a:extLst>
+                </a:gridCol>
+                <a:gridCol w="1008000">
+                  <a:extLst>
+                    <a:ext uri="{9D8B030D-6E8A-4147-A177-3AD203B41FA5}">
+                      <a16:colId xmlns:a16="http://schemas.microsoft.com/office/drawing/2014/main" val="211318402"/>
+                    </a:ext>
+                  </a:extLst>
+                </a:gridCol>
+                <a:gridCol w="1008000">
+                  <a:extLst>
+                    <a:ext uri="{9D8B030D-6E8A-4147-A177-3AD203B41FA5}">
+                      <a16:colId xmlns:a16="http://schemas.microsoft.com/office/drawing/2014/main" val="3755795751"/>
+                    </a:ext>
+                  </a:extLst>
+                </a:gridCol>
+                <a:gridCol w="1008000">
+                  <a:extLst>
+                    <a:ext uri="{9D8B030D-6E8A-4147-A177-3AD203B41FA5}">
+                      <a16:colId xmlns:a16="http://schemas.microsoft.com/office/drawing/2014/main" val="1602776447"/>
+                    </a:ext>
+                  </a:extLst>
+                </a:gridCol>
+              </a:tblGrid>
+              <a:tr h="0">
+                <a:tc>
+                  <a:txBody>
+                    <a:bodyPr/>
+                    <a:lstStyle/>
+                    <a:p>
+                      <a:pPr algn="l">
+                        <a:lnSpc>
+                          <a:spcPct val="107000"/>
+                        </a:lnSpc>
+                        <a:spcAft>
+                          <a:spcPts val="800"/>
+                        </a:spcAft>
+                      </a:pPr>
+                      <a:r>
+                        <a:rPr lang="en-GB" sz="1400" b="0" kern="100" dirty="0">
+                          <a:solidFill>
+                            <a:schemeClr val="tx1">
+                              <a:lumMod val="85000"/>
+                              <a:lumOff val="15000"/>
+                            </a:schemeClr>
+                          </a:solidFill>
+                          <a:effectLst/>
+                        </a:rPr>
+                        <a:t>Model</a:t>
+                      </a:r>
+                      <a:endParaRPr lang="en-GB" sz="1400" b="0" kern="100" dirty="0">
+                        <a:solidFill>
+                          <a:schemeClr val="tx1">
+                            <a:lumMod val="85000"/>
+                            <a:lumOff val="15000"/>
+                          </a:schemeClr>
+                        </a:solidFill>
+                        <a:effectLst/>
+                        <a:latin typeface="Calibri" panose="020F0502020204030204" pitchFamily="34" charset="0"/>
+                        <a:ea typeface="Calibri" panose="020F0502020204030204" pitchFamily="34" charset="0"/>
+                        <a:cs typeface="Times New Roman" panose="02020603050405020304" pitchFamily="18" charset="0"/>
+                      </a:endParaRPr>
+                    </a:p>
+                  </a:txBody>
+                  <a:tcPr marL="68580" marR="68580" marT="0" marB="0" anchor="ctr">
+                    <a:lnL w="12700" cmpd="sng">
+                      <a:noFill/>
+                    </a:lnL>
+                    <a:lnR w="12700" cmpd="sng">
+                      <a:noFill/>
+                    </a:lnR>
+                    <a:lnT w="12700" cmpd="sng">
+                      <a:noFill/>
+                    </a:lnT>
+                    <a:lnB w="12700" cap="flat" cmpd="sng" algn="ctr">
+                      <a:solidFill>
+                        <a:schemeClr val="tx1"/>
+                      </a:solidFill>
+                      <a:prstDash val="solid"/>
+                      <a:round/>
+                      <a:headEnd type="none" w="med" len="med"/>
+                      <a:tailEnd type="none" w="med" len="med"/>
+                    </a:lnB>
+                    <a:lnTlToBr w="12700" cmpd="sng">
+                      <a:noFill/>
+                      <a:prstDash val="solid"/>
+                    </a:lnTlToBr>
+                    <a:lnBlToTr w="12700" cmpd="sng">
+                      <a:noFill/>
+                      <a:prstDash val="solid"/>
+                    </a:lnBlToTr>
+                    <a:noFill/>
+                  </a:tcPr>
+                </a:tc>
+                <a:tc>
+                  <a:txBody>
+                    <a:bodyPr/>
+                    <a:lstStyle/>
+                    <a:p>
+                      <a:pPr algn="r">
+                        <a:lnSpc>
+                          <a:spcPct val="107000"/>
+                        </a:lnSpc>
+                        <a:spcAft>
+                          <a:spcPts val="800"/>
+                        </a:spcAft>
+                      </a:pPr>
+                      <a:r>
+                        <a:rPr lang="en-GB" sz="1400" b="0" kern="100" dirty="0">
+                          <a:solidFill>
+                            <a:schemeClr val="tx1">
+                              <a:lumMod val="85000"/>
+                              <a:lumOff val="15000"/>
+                            </a:schemeClr>
+                          </a:solidFill>
+                          <a:effectLst/>
+                        </a:rPr>
+                        <a:t>R</a:t>
+                      </a:r>
+                      <a:r>
+                        <a:rPr lang="en-GB" sz="1400" b="0" kern="100" baseline="30000" dirty="0">
+                          <a:solidFill>
+                            <a:schemeClr val="tx1">
+                              <a:lumMod val="85000"/>
+                              <a:lumOff val="15000"/>
+                            </a:schemeClr>
+                          </a:solidFill>
+                          <a:effectLst/>
+                        </a:rPr>
+                        <a:t>2</a:t>
+                      </a:r>
+                      <a:r>
+                        <a:rPr lang="en-GB" sz="1400" b="0" kern="100" dirty="0">
+                          <a:solidFill>
+                            <a:schemeClr val="tx1">
+                              <a:lumMod val="85000"/>
+                              <a:lumOff val="15000"/>
+                            </a:schemeClr>
+                          </a:solidFill>
+                          <a:effectLst/>
+                        </a:rPr>
+                        <a:t> Value</a:t>
+                      </a:r>
+                      <a:endParaRPr lang="en-GB" sz="1400" b="0" kern="100" dirty="0">
+                        <a:solidFill>
+                          <a:schemeClr val="tx1">
+                            <a:lumMod val="85000"/>
+                            <a:lumOff val="15000"/>
+                          </a:schemeClr>
+                        </a:solidFill>
+                        <a:effectLst/>
+                        <a:latin typeface="Calibri" panose="020F0502020204030204" pitchFamily="34" charset="0"/>
+                        <a:ea typeface="Calibri" panose="020F0502020204030204" pitchFamily="34" charset="0"/>
+                        <a:cs typeface="Times New Roman" panose="02020603050405020304" pitchFamily="18" charset="0"/>
+                      </a:endParaRPr>
+                    </a:p>
+                  </a:txBody>
+                  <a:tcPr marL="68580" marR="68580" marT="0" marB="0" anchor="ctr">
+                    <a:lnL w="12700" cmpd="sng">
+                      <a:noFill/>
+                    </a:lnL>
+                    <a:lnR w="12700" cmpd="sng">
+                      <a:noFill/>
+                    </a:lnR>
+                    <a:lnT w="12700" cmpd="sng">
+                      <a:noFill/>
+                    </a:lnT>
+                    <a:lnB w="12700" cap="flat" cmpd="sng" algn="ctr">
+                      <a:solidFill>
+                        <a:schemeClr val="tx1"/>
+                      </a:solidFill>
+                      <a:prstDash val="solid"/>
+                      <a:round/>
+                      <a:headEnd type="none" w="med" len="med"/>
+                      <a:tailEnd type="none" w="med" len="med"/>
+                    </a:lnB>
+                    <a:lnTlToBr w="12700" cmpd="sng">
+                      <a:noFill/>
+                      <a:prstDash val="solid"/>
+                    </a:lnTlToBr>
+                    <a:lnBlToTr w="12700" cmpd="sng">
+                      <a:noFill/>
+                      <a:prstDash val="solid"/>
+                    </a:lnBlToTr>
+                    <a:noFill/>
+                  </a:tcPr>
+                </a:tc>
+                <a:tc>
+                  <a:txBody>
+                    <a:bodyPr/>
+                    <a:lstStyle/>
+                    <a:p>
+                      <a:pPr algn="r">
+                        <a:lnSpc>
+                          <a:spcPct val="107000"/>
+                        </a:lnSpc>
+                        <a:spcAft>
+                          <a:spcPts val="800"/>
+                        </a:spcAft>
+                      </a:pPr>
+                      <a:r>
+                        <a:rPr lang="en-GB" sz="1400" b="0" kern="100" dirty="0">
+                          <a:solidFill>
+                            <a:schemeClr val="tx1">
+                              <a:lumMod val="85000"/>
+                              <a:lumOff val="15000"/>
+                            </a:schemeClr>
+                          </a:solidFill>
+                          <a:effectLst/>
+                        </a:rPr>
+                        <a:t>Adj. R</a:t>
+                      </a:r>
+                      <a:r>
+                        <a:rPr lang="en-GB" sz="1400" b="0" kern="100" baseline="30000" dirty="0">
+                          <a:solidFill>
+                            <a:schemeClr val="tx1">
+                              <a:lumMod val="85000"/>
+                              <a:lumOff val="15000"/>
+                            </a:schemeClr>
+                          </a:solidFill>
+                          <a:effectLst/>
+                        </a:rPr>
+                        <a:t>2 </a:t>
+                      </a:r>
+                      <a:r>
+                        <a:rPr lang="en-GB" sz="1400" b="0" kern="100" dirty="0">
+                          <a:solidFill>
+                            <a:schemeClr val="tx1">
+                              <a:lumMod val="85000"/>
+                              <a:lumOff val="15000"/>
+                            </a:schemeClr>
+                          </a:solidFill>
+                          <a:effectLst/>
+                        </a:rPr>
+                        <a:t>Value</a:t>
+                      </a:r>
+                      <a:endParaRPr lang="en-GB" sz="1400" b="0" kern="100" dirty="0">
+                        <a:solidFill>
+                          <a:schemeClr val="tx1">
+                            <a:lumMod val="85000"/>
+                            <a:lumOff val="15000"/>
+                          </a:schemeClr>
+                        </a:solidFill>
+                        <a:effectLst/>
+                        <a:latin typeface="Calibri" panose="020F0502020204030204" pitchFamily="34" charset="0"/>
+                        <a:ea typeface="Calibri" panose="020F0502020204030204" pitchFamily="34" charset="0"/>
+                        <a:cs typeface="Times New Roman" panose="02020603050405020304" pitchFamily="18" charset="0"/>
+                      </a:endParaRPr>
+                    </a:p>
+                  </a:txBody>
+                  <a:tcPr marL="68580" marR="68580" marT="0" marB="0" anchor="ctr">
+                    <a:lnL w="12700" cmpd="sng">
+                      <a:noFill/>
+                    </a:lnL>
+                    <a:lnR w="12700" cmpd="sng">
+                      <a:noFill/>
+                    </a:lnR>
+                    <a:lnT w="12700" cmpd="sng">
+                      <a:noFill/>
+                    </a:lnT>
+                    <a:lnB w="12700" cap="flat" cmpd="sng" algn="ctr">
+                      <a:solidFill>
+                        <a:schemeClr val="tx1"/>
+                      </a:solidFill>
+                      <a:prstDash val="solid"/>
+                      <a:round/>
+                      <a:headEnd type="none" w="med" len="med"/>
+                      <a:tailEnd type="none" w="med" len="med"/>
+                    </a:lnB>
+                    <a:lnTlToBr w="12700" cmpd="sng">
+                      <a:noFill/>
+                      <a:prstDash val="solid"/>
+                    </a:lnTlToBr>
+                    <a:lnBlToTr w="12700" cmpd="sng">
+                      <a:noFill/>
+                      <a:prstDash val="solid"/>
+                    </a:lnBlToTr>
+                    <a:noFill/>
+                  </a:tcPr>
+                </a:tc>
+                <a:tc>
+                  <a:txBody>
+                    <a:bodyPr/>
+                    <a:lstStyle/>
+                    <a:p>
+                      <a:pPr algn="r">
+                        <a:lnSpc>
+                          <a:spcPct val="107000"/>
+                        </a:lnSpc>
+                        <a:spcAft>
+                          <a:spcPts val="800"/>
+                        </a:spcAft>
+                      </a:pPr>
+                      <a:r>
+                        <a:rPr lang="en-GB" sz="1400" b="0" kern="100" dirty="0">
+                          <a:solidFill>
+                            <a:schemeClr val="tx1">
+                              <a:lumMod val="85000"/>
+                              <a:lumOff val="15000"/>
+                            </a:schemeClr>
+                          </a:solidFill>
+                          <a:effectLst/>
+                        </a:rPr>
+                        <a:t>Durbin-Watson</a:t>
+                      </a:r>
+                      <a:endParaRPr lang="en-GB" sz="1400" b="0" kern="100" dirty="0">
+                        <a:solidFill>
+                          <a:schemeClr val="tx1">
+                            <a:lumMod val="85000"/>
+                            <a:lumOff val="15000"/>
+                          </a:schemeClr>
+                        </a:solidFill>
+                        <a:effectLst/>
+                        <a:latin typeface="Calibri" panose="020F0502020204030204" pitchFamily="34" charset="0"/>
+                        <a:ea typeface="Calibri" panose="020F0502020204030204" pitchFamily="34" charset="0"/>
+                        <a:cs typeface="Times New Roman" panose="02020603050405020304" pitchFamily="18" charset="0"/>
+                      </a:endParaRPr>
+                    </a:p>
+                  </a:txBody>
+                  <a:tcPr marL="68580" marR="68580" marT="0" marB="0" anchor="ctr">
+                    <a:lnL w="12700" cmpd="sng">
+                      <a:noFill/>
+                    </a:lnL>
+                    <a:lnR w="12700" cmpd="sng">
+                      <a:noFill/>
+                    </a:lnR>
+                    <a:lnT w="12700" cmpd="sng">
+                      <a:noFill/>
+                    </a:lnT>
+                    <a:lnB w="12700" cap="flat" cmpd="sng" algn="ctr">
+                      <a:solidFill>
+                        <a:schemeClr val="tx1"/>
+                      </a:solidFill>
+                      <a:prstDash val="solid"/>
+                      <a:round/>
+                      <a:headEnd type="none" w="med" len="med"/>
+                      <a:tailEnd type="none" w="med" len="med"/>
+                    </a:lnB>
+                    <a:lnTlToBr w="12700" cmpd="sng">
+                      <a:noFill/>
+                      <a:prstDash val="solid"/>
+                    </a:lnTlToBr>
+                    <a:lnBlToTr w="12700" cmpd="sng">
+                      <a:noFill/>
+                      <a:prstDash val="solid"/>
+                    </a:lnBlToTr>
+                    <a:noFill/>
+                  </a:tcPr>
+                </a:tc>
+                <a:tc>
+                  <a:txBody>
+                    <a:bodyPr/>
+                    <a:lstStyle/>
+                    <a:p>
+                      <a:pPr algn="r">
+                        <a:lnSpc>
+                          <a:spcPct val="107000"/>
+                        </a:lnSpc>
+                        <a:spcAft>
+                          <a:spcPts val="800"/>
+                        </a:spcAft>
+                      </a:pPr>
+                      <a:r>
+                        <a:rPr lang="en-GB" sz="1400" b="0" kern="100" dirty="0">
+                          <a:solidFill>
+                            <a:schemeClr val="tx1">
+                              <a:lumMod val="85000"/>
+                              <a:lumOff val="15000"/>
+                            </a:schemeClr>
+                          </a:solidFill>
+                          <a:effectLst/>
+                        </a:rPr>
+                        <a:t>Durbin Lower</a:t>
+                      </a:r>
+                      <a:endParaRPr lang="en-GB" sz="1400" b="0" kern="100" dirty="0">
+                        <a:solidFill>
+                          <a:schemeClr val="tx1">
+                            <a:lumMod val="85000"/>
+                            <a:lumOff val="15000"/>
+                          </a:schemeClr>
+                        </a:solidFill>
+                        <a:effectLst/>
+                        <a:latin typeface="Calibri" panose="020F0502020204030204" pitchFamily="34" charset="0"/>
+                        <a:ea typeface="Calibri" panose="020F0502020204030204" pitchFamily="34" charset="0"/>
+                        <a:cs typeface="Times New Roman" panose="02020603050405020304" pitchFamily="18" charset="0"/>
+                      </a:endParaRPr>
+                    </a:p>
+                  </a:txBody>
+                  <a:tcPr marL="68580" marR="68580" marT="0" marB="0" anchor="ctr">
+                    <a:lnL w="12700" cmpd="sng">
+                      <a:noFill/>
+                    </a:lnL>
+                    <a:lnR w="12700" cmpd="sng">
+                      <a:noFill/>
+                    </a:lnR>
+                    <a:lnT w="12700" cmpd="sng">
+                      <a:noFill/>
+                    </a:lnT>
+                    <a:lnB w="12700" cap="flat" cmpd="sng" algn="ctr">
+                      <a:solidFill>
+                        <a:schemeClr val="tx1"/>
+                      </a:solidFill>
+                      <a:prstDash val="solid"/>
+                      <a:round/>
+                      <a:headEnd type="none" w="med" len="med"/>
+                      <a:tailEnd type="none" w="med" len="med"/>
+                    </a:lnB>
+                    <a:lnTlToBr w="12700" cmpd="sng">
+                      <a:noFill/>
+                      <a:prstDash val="solid"/>
+                    </a:lnTlToBr>
+                    <a:lnBlToTr w="12700" cmpd="sng">
+                      <a:noFill/>
+                      <a:prstDash val="solid"/>
+                    </a:lnBlToTr>
+                    <a:noFill/>
+                  </a:tcPr>
+                </a:tc>
+                <a:tc>
+                  <a:txBody>
+                    <a:bodyPr/>
+                    <a:lstStyle/>
+                    <a:p>
+                      <a:pPr algn="r">
+                        <a:lnSpc>
+                          <a:spcPct val="107000"/>
+                        </a:lnSpc>
+                        <a:spcAft>
+                          <a:spcPts val="800"/>
+                        </a:spcAft>
+                      </a:pPr>
+                      <a:r>
+                        <a:rPr lang="en-GB" sz="1400" b="0" kern="100" dirty="0">
+                          <a:solidFill>
+                            <a:schemeClr val="tx1">
+                              <a:lumMod val="85000"/>
+                              <a:lumOff val="15000"/>
+                            </a:schemeClr>
+                          </a:solidFill>
+                          <a:effectLst/>
+                        </a:rPr>
+                        <a:t>Durbin Upper</a:t>
+                      </a:r>
+                      <a:endParaRPr lang="en-GB" sz="1400" b="0" kern="100" dirty="0">
+                        <a:solidFill>
+                          <a:schemeClr val="tx1">
+                            <a:lumMod val="85000"/>
+                            <a:lumOff val="15000"/>
+                          </a:schemeClr>
+                        </a:solidFill>
+                        <a:effectLst/>
+                        <a:latin typeface="Calibri" panose="020F0502020204030204" pitchFamily="34" charset="0"/>
+                        <a:ea typeface="Calibri" panose="020F0502020204030204" pitchFamily="34" charset="0"/>
+                        <a:cs typeface="Times New Roman" panose="02020603050405020304" pitchFamily="18" charset="0"/>
+                      </a:endParaRPr>
+                    </a:p>
+                  </a:txBody>
+                  <a:tcPr marL="68580" marR="68580" marT="0" marB="0" anchor="ctr">
+                    <a:lnL w="12700" cmpd="sng">
+                      <a:noFill/>
+                    </a:lnL>
+                    <a:lnR w="12700" cmpd="sng">
+                      <a:noFill/>
+                    </a:lnR>
+                    <a:lnT w="12700" cmpd="sng">
+                      <a:noFill/>
+                    </a:lnT>
+                    <a:lnB w="12700" cap="flat" cmpd="sng" algn="ctr">
+                      <a:solidFill>
+                        <a:schemeClr val="tx1"/>
+                      </a:solidFill>
+                      <a:prstDash val="solid"/>
+                      <a:round/>
+                      <a:headEnd type="none" w="med" len="med"/>
+                      <a:tailEnd type="none" w="med" len="med"/>
+                    </a:lnB>
+                    <a:lnTlToBr w="12700" cmpd="sng">
+                      <a:noFill/>
+                      <a:prstDash val="solid"/>
+                    </a:lnTlToBr>
+                    <a:lnBlToTr w="12700" cmpd="sng">
+                      <a:noFill/>
+                      <a:prstDash val="solid"/>
+                    </a:lnBlToTr>
+                    <a:noFill/>
+                  </a:tcPr>
+                </a:tc>
+                <a:tc>
+                  <a:txBody>
+                    <a:bodyPr/>
+                    <a:lstStyle/>
+                    <a:p>
+                      <a:pPr algn="r">
+                        <a:lnSpc>
+                          <a:spcPct val="107000"/>
+                        </a:lnSpc>
+                        <a:spcAft>
+                          <a:spcPts val="800"/>
+                        </a:spcAft>
+                      </a:pPr>
+                      <a:r>
+                        <a:rPr lang="en-GB" sz="1400" b="0" kern="100" dirty="0">
+                          <a:solidFill>
+                            <a:schemeClr val="tx1">
+                              <a:lumMod val="85000"/>
+                              <a:lumOff val="15000"/>
+                            </a:schemeClr>
+                          </a:solidFill>
+                          <a:effectLst/>
+                          <a:latin typeface="+mj-lt"/>
+                          <a:ea typeface="Calibri" panose="020F0502020204030204" pitchFamily="34" charset="0"/>
+                          <a:cs typeface="Times New Roman" panose="02020603050405020304" pitchFamily="18" charset="0"/>
+                        </a:rPr>
+                        <a:t>White’s Test</a:t>
+                      </a:r>
+                    </a:p>
+                  </a:txBody>
+                  <a:tcPr marL="68580" marR="68580" marT="0" marB="0" anchor="ctr">
+                    <a:lnL w="12700" cmpd="sng">
+                      <a:noFill/>
+                    </a:lnL>
+                    <a:lnR w="12700" cmpd="sng">
+                      <a:noFill/>
+                    </a:lnR>
+                    <a:lnT w="12700" cmpd="sng">
+                      <a:noFill/>
+                    </a:lnT>
+                    <a:lnB w="12700" cap="flat" cmpd="sng" algn="ctr">
+                      <a:solidFill>
+                        <a:schemeClr val="tx1"/>
+                      </a:solidFill>
+                      <a:prstDash val="solid"/>
+                      <a:round/>
+                      <a:headEnd type="none" w="med" len="med"/>
+                      <a:tailEnd type="none" w="med" len="med"/>
+                    </a:lnB>
+                    <a:lnTlToBr w="12700" cmpd="sng">
+                      <a:noFill/>
+                      <a:prstDash val="solid"/>
+                    </a:lnTlToBr>
+                    <a:lnBlToTr w="12700" cmpd="sng">
+                      <a:noFill/>
+                      <a:prstDash val="solid"/>
+                    </a:lnBlToTr>
+                    <a:noFill/>
+                  </a:tcPr>
+                </a:tc>
+                <a:extLst>
+                  <a:ext uri="{0D108BD9-81ED-4DB2-BD59-A6C34878D82A}">
+                    <a16:rowId xmlns:a16="http://schemas.microsoft.com/office/drawing/2014/main" val="2161241437"/>
+                  </a:ext>
+                </a:extLst>
+              </a:tr>
+              <a:tr h="0">
+                <a:tc>
+                  <a:txBody>
+                    <a:bodyPr/>
+                    <a:lstStyle/>
+                    <a:p>
+                      <a:pPr algn="l">
+                        <a:lnSpc>
+                          <a:spcPct val="107000"/>
+                        </a:lnSpc>
+                        <a:spcAft>
+                          <a:spcPts val="800"/>
+                        </a:spcAft>
+                      </a:pPr>
+                      <a:r>
+                        <a:rPr lang="en-GB" sz="1400" b="0" kern="100" dirty="0">
+                          <a:solidFill>
+                            <a:schemeClr val="tx1">
+                              <a:lumMod val="85000"/>
+                              <a:lumOff val="15000"/>
+                            </a:schemeClr>
+                          </a:solidFill>
+                          <a:effectLst/>
+                        </a:rPr>
+                        <a:t>Model 1</a:t>
+                      </a:r>
+                      <a:endParaRPr lang="en-GB" sz="1400" b="0" kern="100" dirty="0">
+                        <a:solidFill>
+                          <a:schemeClr val="tx1">
+                            <a:lumMod val="85000"/>
+                            <a:lumOff val="15000"/>
+                          </a:schemeClr>
+                        </a:solidFill>
+                        <a:effectLst/>
+                        <a:latin typeface="Calibri" panose="020F0502020204030204" pitchFamily="34" charset="0"/>
+                        <a:ea typeface="Calibri" panose="020F0502020204030204" pitchFamily="34" charset="0"/>
+                        <a:cs typeface="Times New Roman" panose="02020603050405020304" pitchFamily="18" charset="0"/>
+                      </a:endParaRPr>
+                    </a:p>
+                  </a:txBody>
+                  <a:tcPr marL="68580" marR="68580" marT="0" marB="0" anchor="ctr">
+                    <a:lnL w="12700" cmpd="sng">
+                      <a:noFill/>
+                    </a:lnL>
+                    <a:lnR w="12700" cmpd="sng">
+                      <a:noFill/>
+                    </a:lnR>
+                    <a:lnT w="12700" cap="flat" cmpd="sng" algn="ctr">
+                      <a:solidFill>
+                        <a:schemeClr val="tx1"/>
+                      </a:solidFill>
+                      <a:prstDash val="solid"/>
+                      <a:round/>
+                      <a:headEnd type="none" w="med" len="med"/>
+                      <a:tailEnd type="none" w="med" len="med"/>
+                    </a:lnT>
+                    <a:lnB w="12700" cmpd="sng">
+                      <a:noFill/>
+                    </a:lnB>
+                    <a:lnTlToBr w="12700" cmpd="sng">
+                      <a:noFill/>
+                      <a:prstDash val="solid"/>
+                    </a:lnTlToBr>
+                    <a:lnBlToTr w="12700" cmpd="sng">
+                      <a:noFill/>
+                      <a:prstDash val="solid"/>
+                    </a:lnBlToTr>
+                    <a:noFill/>
+                  </a:tcPr>
+                </a:tc>
+                <a:tc>
+                  <a:txBody>
+                    <a:bodyPr/>
+                    <a:lstStyle/>
+                    <a:p>
+                      <a:pPr algn="r">
+                        <a:lnSpc>
+                          <a:spcPct val="107000"/>
+                        </a:lnSpc>
+                        <a:spcAft>
+                          <a:spcPts val="800"/>
+                        </a:spcAft>
+                      </a:pPr>
+                      <a:r>
+                        <a:rPr lang="en-GB" sz="1400" kern="100" dirty="0">
+                          <a:solidFill>
+                            <a:schemeClr val="tx1">
+                              <a:lumMod val="85000"/>
+                              <a:lumOff val="15000"/>
+                            </a:schemeClr>
+                          </a:solidFill>
+                          <a:effectLst/>
+                        </a:rPr>
+                        <a:t>0.482</a:t>
+                      </a:r>
+                      <a:endParaRPr lang="en-GB" sz="1400" kern="100" dirty="0">
+                        <a:solidFill>
+                          <a:schemeClr val="tx1">
+                            <a:lumMod val="85000"/>
+                            <a:lumOff val="15000"/>
+                          </a:schemeClr>
+                        </a:solidFill>
+                        <a:effectLst/>
+                        <a:latin typeface="Calibri" panose="020F0502020204030204" pitchFamily="34" charset="0"/>
+                        <a:ea typeface="Calibri" panose="020F0502020204030204" pitchFamily="34" charset="0"/>
+                        <a:cs typeface="Times New Roman" panose="02020603050405020304" pitchFamily="18" charset="0"/>
+                      </a:endParaRPr>
+                    </a:p>
+                  </a:txBody>
+                  <a:tcPr marL="68580" marR="68580" marT="0" marB="0" anchor="ctr">
+                    <a:lnL w="12700" cmpd="sng">
+                      <a:noFill/>
+                    </a:lnL>
+                    <a:lnR w="12700" cmpd="sng">
+                      <a:noFill/>
+                    </a:lnR>
+                    <a:lnT w="12700" cap="flat" cmpd="sng" algn="ctr">
+                      <a:solidFill>
+                        <a:schemeClr val="tx1"/>
+                      </a:solidFill>
+                      <a:prstDash val="solid"/>
+                      <a:round/>
+                      <a:headEnd type="none" w="med" len="med"/>
+                      <a:tailEnd type="none" w="med" len="med"/>
+                    </a:lnT>
+                    <a:lnB w="12700" cmpd="sng">
+                      <a:noFill/>
+                    </a:lnB>
+                    <a:lnTlToBr w="12700" cmpd="sng">
+                      <a:noFill/>
+                      <a:prstDash val="solid"/>
+                    </a:lnTlToBr>
+                    <a:lnBlToTr w="12700" cmpd="sng">
+                      <a:noFill/>
+                      <a:prstDash val="solid"/>
+                    </a:lnBlToTr>
+                    <a:noFill/>
+                  </a:tcPr>
+                </a:tc>
+                <a:tc>
+                  <a:txBody>
+                    <a:bodyPr/>
+                    <a:lstStyle/>
+                    <a:p>
+                      <a:pPr algn="r">
+                        <a:lnSpc>
+                          <a:spcPct val="107000"/>
+                        </a:lnSpc>
+                        <a:spcAft>
+                          <a:spcPts val="800"/>
+                        </a:spcAft>
+                      </a:pPr>
+                      <a:r>
+                        <a:rPr lang="en-GB" sz="1400" kern="100" dirty="0">
+                          <a:solidFill>
+                            <a:schemeClr val="tx1">
+                              <a:lumMod val="85000"/>
+                              <a:lumOff val="15000"/>
+                            </a:schemeClr>
+                          </a:solidFill>
+                          <a:effectLst/>
+                        </a:rPr>
+                        <a:t>0.475</a:t>
+                      </a:r>
+                      <a:endParaRPr lang="en-GB" sz="1400" kern="100" dirty="0">
+                        <a:solidFill>
+                          <a:schemeClr val="tx1">
+                            <a:lumMod val="85000"/>
+                            <a:lumOff val="15000"/>
+                          </a:schemeClr>
+                        </a:solidFill>
+                        <a:effectLst/>
+                        <a:latin typeface="Calibri" panose="020F0502020204030204" pitchFamily="34" charset="0"/>
+                        <a:ea typeface="Calibri" panose="020F0502020204030204" pitchFamily="34" charset="0"/>
+                        <a:cs typeface="Times New Roman" panose="02020603050405020304" pitchFamily="18" charset="0"/>
+                      </a:endParaRPr>
+                    </a:p>
+                  </a:txBody>
+                  <a:tcPr marL="68580" marR="68580" marT="0" marB="0" anchor="ctr">
+                    <a:lnL w="12700" cmpd="sng">
+                      <a:noFill/>
+                    </a:lnL>
+                    <a:lnR w="12700" cmpd="sng">
+                      <a:noFill/>
+                    </a:lnR>
+                    <a:lnT w="12700" cap="flat" cmpd="sng" algn="ctr">
+                      <a:solidFill>
+                        <a:schemeClr val="tx1"/>
+                      </a:solidFill>
+                      <a:prstDash val="solid"/>
+                      <a:round/>
+                      <a:headEnd type="none" w="med" len="med"/>
+                      <a:tailEnd type="none" w="med" len="med"/>
+                    </a:lnT>
+                    <a:lnB w="12700" cmpd="sng">
+                      <a:noFill/>
+                    </a:lnB>
+                    <a:lnTlToBr w="12700" cmpd="sng">
+                      <a:noFill/>
+                      <a:prstDash val="solid"/>
+                    </a:lnTlToBr>
+                    <a:lnBlToTr w="12700" cmpd="sng">
+                      <a:noFill/>
+                      <a:prstDash val="solid"/>
+                    </a:lnBlToTr>
+                    <a:noFill/>
+                  </a:tcPr>
+                </a:tc>
+                <a:tc>
+                  <a:txBody>
+                    <a:bodyPr/>
+                    <a:lstStyle/>
+                    <a:p>
+                      <a:pPr algn="r">
+                        <a:lnSpc>
+                          <a:spcPct val="107000"/>
+                        </a:lnSpc>
+                        <a:spcAft>
+                          <a:spcPts val="800"/>
+                        </a:spcAft>
+                      </a:pPr>
+                      <a:r>
+                        <a:rPr lang="en-GB" sz="1400" kern="100" dirty="0">
+                          <a:solidFill>
+                            <a:schemeClr val="tx1">
+                              <a:lumMod val="85000"/>
+                              <a:lumOff val="15000"/>
+                            </a:schemeClr>
+                          </a:solidFill>
+                          <a:effectLst/>
+                        </a:rPr>
+                        <a:t>1.636</a:t>
+                      </a:r>
+                      <a:endParaRPr lang="en-GB" sz="1400" kern="100" dirty="0">
+                        <a:solidFill>
+                          <a:schemeClr val="tx1">
+                            <a:lumMod val="85000"/>
+                            <a:lumOff val="15000"/>
+                          </a:schemeClr>
+                        </a:solidFill>
+                        <a:effectLst/>
+                        <a:latin typeface="Calibri" panose="020F0502020204030204" pitchFamily="34" charset="0"/>
+                        <a:ea typeface="Calibri" panose="020F0502020204030204" pitchFamily="34" charset="0"/>
+                        <a:cs typeface="Times New Roman" panose="02020603050405020304" pitchFamily="18" charset="0"/>
+                      </a:endParaRPr>
+                    </a:p>
+                  </a:txBody>
+                  <a:tcPr marL="68580" marR="68580" marT="0" marB="0" anchor="ctr">
+                    <a:lnL w="12700" cmpd="sng">
+                      <a:noFill/>
+                    </a:lnL>
+                    <a:lnR w="12700" cmpd="sng">
+                      <a:noFill/>
+                    </a:lnR>
+                    <a:lnT w="12700" cap="flat" cmpd="sng" algn="ctr">
+                      <a:solidFill>
+                        <a:schemeClr val="tx1"/>
+                      </a:solidFill>
+                      <a:prstDash val="solid"/>
+                      <a:round/>
+                      <a:headEnd type="none" w="med" len="med"/>
+                      <a:tailEnd type="none" w="med" len="med"/>
+                    </a:lnT>
+                    <a:lnB w="12700" cmpd="sng">
+                      <a:noFill/>
+                    </a:lnB>
+                    <a:lnTlToBr w="12700" cmpd="sng">
+                      <a:noFill/>
+                      <a:prstDash val="solid"/>
+                    </a:lnTlToBr>
+                    <a:lnBlToTr w="12700" cmpd="sng">
+                      <a:noFill/>
+                      <a:prstDash val="solid"/>
+                    </a:lnBlToTr>
+                    <a:noFill/>
+                  </a:tcPr>
+                </a:tc>
+                <a:tc>
+                  <a:txBody>
+                    <a:bodyPr/>
+                    <a:lstStyle/>
+                    <a:p>
+                      <a:pPr algn="r">
+                        <a:lnSpc>
+                          <a:spcPct val="107000"/>
+                        </a:lnSpc>
+                        <a:spcAft>
+                          <a:spcPts val="800"/>
+                        </a:spcAft>
+                      </a:pPr>
+                      <a:r>
+                        <a:rPr lang="en-GB" sz="1400" kern="100" dirty="0">
+                          <a:solidFill>
+                            <a:schemeClr val="tx1">
+                              <a:lumMod val="85000"/>
+                              <a:lumOff val="15000"/>
+                            </a:schemeClr>
+                          </a:solidFill>
+                          <a:effectLst/>
+                        </a:rPr>
+                        <a:t>1.61 (k=4)</a:t>
+                      </a:r>
+                      <a:endParaRPr lang="en-GB" sz="1400" kern="100" dirty="0">
+                        <a:solidFill>
+                          <a:schemeClr val="tx1">
+                            <a:lumMod val="85000"/>
+                            <a:lumOff val="15000"/>
+                          </a:schemeClr>
+                        </a:solidFill>
+                        <a:effectLst/>
+                        <a:latin typeface="Calibri" panose="020F0502020204030204" pitchFamily="34" charset="0"/>
+                        <a:ea typeface="Calibri" panose="020F0502020204030204" pitchFamily="34" charset="0"/>
+                        <a:cs typeface="Times New Roman" panose="02020603050405020304" pitchFamily="18" charset="0"/>
+                      </a:endParaRPr>
+                    </a:p>
+                  </a:txBody>
+                  <a:tcPr marL="68580" marR="68580" marT="0" marB="0" anchor="ctr">
+                    <a:lnL w="12700" cmpd="sng">
+                      <a:noFill/>
+                    </a:lnL>
+                    <a:lnR w="12700" cmpd="sng">
+                      <a:noFill/>
+                    </a:lnR>
+                    <a:lnT w="12700" cap="flat" cmpd="sng" algn="ctr">
+                      <a:solidFill>
+                        <a:schemeClr val="tx1"/>
+                      </a:solidFill>
+                      <a:prstDash val="solid"/>
+                      <a:round/>
+                      <a:headEnd type="none" w="med" len="med"/>
+                      <a:tailEnd type="none" w="med" len="med"/>
+                    </a:lnT>
+                    <a:lnB w="12700" cmpd="sng">
+                      <a:noFill/>
+                    </a:lnB>
+                    <a:lnTlToBr w="12700" cmpd="sng">
+                      <a:noFill/>
+                      <a:prstDash val="solid"/>
+                    </a:lnTlToBr>
+                    <a:lnBlToTr w="12700" cmpd="sng">
+                      <a:noFill/>
+                      <a:prstDash val="solid"/>
+                    </a:lnBlToTr>
+                    <a:noFill/>
+                  </a:tcPr>
+                </a:tc>
+                <a:tc>
+                  <a:txBody>
+                    <a:bodyPr/>
+                    <a:lstStyle/>
+                    <a:p>
+                      <a:pPr algn="r">
+                        <a:lnSpc>
+                          <a:spcPct val="107000"/>
+                        </a:lnSpc>
+                        <a:spcAft>
+                          <a:spcPts val="800"/>
+                        </a:spcAft>
+                      </a:pPr>
+                      <a:r>
+                        <a:rPr lang="en-GB" sz="1400" kern="100" dirty="0">
+                          <a:solidFill>
+                            <a:schemeClr val="tx1">
+                              <a:lumMod val="85000"/>
+                              <a:lumOff val="15000"/>
+                            </a:schemeClr>
+                          </a:solidFill>
+                          <a:effectLst/>
+                        </a:rPr>
+                        <a:t>1.74 (k=4)</a:t>
+                      </a:r>
+                      <a:endParaRPr lang="en-GB" sz="1400" kern="100" dirty="0">
+                        <a:solidFill>
+                          <a:schemeClr val="tx1">
+                            <a:lumMod val="85000"/>
+                            <a:lumOff val="15000"/>
+                          </a:schemeClr>
+                        </a:solidFill>
+                        <a:effectLst/>
+                        <a:latin typeface="Calibri" panose="020F0502020204030204" pitchFamily="34" charset="0"/>
+                        <a:ea typeface="Calibri" panose="020F0502020204030204" pitchFamily="34" charset="0"/>
+                        <a:cs typeface="Times New Roman" panose="02020603050405020304" pitchFamily="18" charset="0"/>
+                      </a:endParaRPr>
+                    </a:p>
+                  </a:txBody>
+                  <a:tcPr marL="68580" marR="68580" marT="0" marB="0" anchor="ctr">
+                    <a:lnL w="12700" cmpd="sng">
+                      <a:noFill/>
+                    </a:lnL>
+                    <a:lnR w="12700" cmpd="sng">
+                      <a:noFill/>
+                    </a:lnR>
+                    <a:lnT w="12700" cap="flat" cmpd="sng" algn="ctr">
+                      <a:solidFill>
+                        <a:schemeClr val="tx1"/>
+                      </a:solidFill>
+                      <a:prstDash val="solid"/>
+                      <a:round/>
+                      <a:headEnd type="none" w="med" len="med"/>
+                      <a:tailEnd type="none" w="med" len="med"/>
+                    </a:lnT>
+                    <a:lnB w="12700" cmpd="sng">
+                      <a:noFill/>
+                    </a:lnB>
+                    <a:lnTlToBr w="12700" cmpd="sng">
+                      <a:noFill/>
+                      <a:prstDash val="solid"/>
+                    </a:lnTlToBr>
+                    <a:lnBlToTr w="12700" cmpd="sng">
+                      <a:noFill/>
+                      <a:prstDash val="solid"/>
+                    </a:lnBlToTr>
+                    <a:noFill/>
+                  </a:tcPr>
+                </a:tc>
+                <a:tc>
+                  <a:txBody>
+                    <a:bodyPr/>
+                    <a:lstStyle/>
+                    <a:p>
+                      <a:pPr algn="r">
+                        <a:lnSpc>
+                          <a:spcPct val="107000"/>
+                        </a:lnSpc>
+                        <a:spcAft>
+                          <a:spcPts val="800"/>
+                        </a:spcAft>
+                      </a:pPr>
+                      <a:r>
+                        <a:rPr lang="en-GB" sz="1400" kern="100" dirty="0">
+                          <a:solidFill>
+                            <a:schemeClr val="tx1">
+                              <a:lumMod val="85000"/>
+                              <a:lumOff val="15000"/>
+                            </a:schemeClr>
+                          </a:solidFill>
+                          <a:effectLst/>
+                          <a:latin typeface="+mj-lt"/>
+                          <a:ea typeface="Calibri" panose="020F0502020204030204" pitchFamily="34" charset="0"/>
+                          <a:cs typeface="Times New Roman" panose="02020603050405020304" pitchFamily="18" charset="0"/>
+                        </a:rPr>
+                        <a:t>0.000013</a:t>
+                      </a:r>
+                    </a:p>
+                  </a:txBody>
+                  <a:tcPr marL="68580" marR="68580" marT="0" marB="0" anchor="ctr">
+                    <a:lnL w="12700" cmpd="sng">
+                      <a:noFill/>
+                    </a:lnL>
+                    <a:lnR w="12700" cmpd="sng">
+                      <a:noFill/>
+                    </a:lnR>
+                    <a:lnT w="12700" cap="flat" cmpd="sng" algn="ctr">
+                      <a:solidFill>
+                        <a:schemeClr val="tx1"/>
+                      </a:solidFill>
+                      <a:prstDash val="solid"/>
+                      <a:round/>
+                      <a:headEnd type="none" w="med" len="med"/>
+                      <a:tailEnd type="none" w="med" len="med"/>
+                    </a:lnT>
+                    <a:lnB w="12700" cmpd="sng">
+                      <a:noFill/>
+                    </a:lnB>
+                    <a:lnTlToBr w="12700" cmpd="sng">
+                      <a:noFill/>
+                      <a:prstDash val="solid"/>
+                    </a:lnTlToBr>
+                    <a:lnBlToTr w="12700" cmpd="sng">
+                      <a:noFill/>
+                      <a:prstDash val="solid"/>
+                    </a:lnBlToTr>
+                    <a:noFill/>
+                  </a:tcPr>
+                </a:tc>
+                <a:extLst>
+                  <a:ext uri="{0D108BD9-81ED-4DB2-BD59-A6C34878D82A}">
+                    <a16:rowId xmlns:a16="http://schemas.microsoft.com/office/drawing/2014/main" val="3352058392"/>
+                  </a:ext>
+                </a:extLst>
+              </a:tr>
+              <a:tr h="0">
+                <a:tc>
+                  <a:txBody>
+                    <a:bodyPr/>
+                    <a:lstStyle/>
+                    <a:p>
+                      <a:pPr algn="l">
+                        <a:lnSpc>
+                          <a:spcPct val="107000"/>
+                        </a:lnSpc>
+                        <a:spcAft>
+                          <a:spcPts val="800"/>
+                        </a:spcAft>
+                      </a:pPr>
+                      <a:r>
+                        <a:rPr lang="en-GB" sz="1400" b="0" kern="100" dirty="0">
+                          <a:solidFill>
+                            <a:schemeClr val="tx1">
+                              <a:lumMod val="85000"/>
+                              <a:lumOff val="15000"/>
+                            </a:schemeClr>
+                          </a:solidFill>
+                          <a:effectLst/>
+                        </a:rPr>
+                        <a:t>Model 2</a:t>
+                      </a:r>
+                      <a:endParaRPr lang="en-GB" sz="1400" b="0" kern="100" dirty="0">
+                        <a:solidFill>
+                          <a:schemeClr val="tx1">
+                            <a:lumMod val="85000"/>
+                            <a:lumOff val="15000"/>
+                          </a:schemeClr>
+                        </a:solidFill>
+                        <a:effectLst/>
+                        <a:latin typeface="Calibri" panose="020F0502020204030204" pitchFamily="34" charset="0"/>
+                        <a:ea typeface="Calibri" panose="020F0502020204030204" pitchFamily="34" charset="0"/>
+                        <a:cs typeface="Times New Roman" panose="02020603050405020304" pitchFamily="18" charset="0"/>
+                      </a:endParaRPr>
+                    </a:p>
+                  </a:txBody>
+                  <a:tcPr marL="68580" marR="68580" marT="0" marB="0" anchor="ctr">
+                    <a:lnL w="12700" cmpd="sng">
+                      <a:noFill/>
+                    </a:lnL>
+                    <a:lnR w="12700" cmpd="sng">
+                      <a:noFill/>
+                    </a:lnR>
+                    <a:lnT w="12700" cmpd="sng">
+                      <a:noFill/>
+                    </a:lnT>
+                    <a:lnB w="12700" cmpd="sng">
+                      <a:noFill/>
+                    </a:lnB>
+                    <a:lnTlToBr w="12700" cmpd="sng">
+                      <a:noFill/>
+                      <a:prstDash val="solid"/>
+                    </a:lnTlToBr>
+                    <a:lnBlToTr w="12700" cmpd="sng">
+                      <a:noFill/>
+                      <a:prstDash val="solid"/>
+                    </a:lnBlToTr>
+                    <a:noFill/>
+                  </a:tcPr>
+                </a:tc>
+                <a:tc>
+                  <a:txBody>
+                    <a:bodyPr/>
+                    <a:lstStyle/>
+                    <a:p>
+                      <a:pPr algn="r">
+                        <a:lnSpc>
+                          <a:spcPct val="107000"/>
+                        </a:lnSpc>
+                        <a:spcAft>
+                          <a:spcPts val="800"/>
+                        </a:spcAft>
+                      </a:pPr>
+                      <a:r>
+                        <a:rPr lang="en-GB" sz="1400" kern="100" dirty="0">
+                          <a:solidFill>
+                            <a:schemeClr val="tx1">
+                              <a:lumMod val="85000"/>
+                              <a:lumOff val="15000"/>
+                            </a:schemeClr>
+                          </a:solidFill>
+                          <a:effectLst/>
+                        </a:rPr>
+                        <a:t>0.621</a:t>
+                      </a:r>
+                      <a:endParaRPr lang="en-GB" sz="1400" kern="100" dirty="0">
+                        <a:solidFill>
+                          <a:schemeClr val="tx1">
+                            <a:lumMod val="85000"/>
+                            <a:lumOff val="15000"/>
+                          </a:schemeClr>
+                        </a:solidFill>
+                        <a:effectLst/>
+                        <a:latin typeface="Calibri" panose="020F0502020204030204" pitchFamily="34" charset="0"/>
+                        <a:ea typeface="Calibri" panose="020F0502020204030204" pitchFamily="34" charset="0"/>
+                        <a:cs typeface="Times New Roman" panose="02020603050405020304" pitchFamily="18" charset="0"/>
+                      </a:endParaRPr>
+                    </a:p>
+                  </a:txBody>
+                  <a:tcPr marL="68580" marR="68580" marT="0" marB="0" anchor="ctr">
+                    <a:lnL w="12700" cmpd="sng">
+                      <a:noFill/>
+                    </a:lnL>
+                    <a:lnR w="12700" cmpd="sng">
+                      <a:noFill/>
+                    </a:lnR>
+                    <a:lnT w="12700" cmpd="sng">
+                      <a:noFill/>
+                    </a:lnT>
+                    <a:lnB w="12700" cmpd="sng">
+                      <a:noFill/>
+                    </a:lnB>
+                    <a:lnTlToBr w="12700" cmpd="sng">
+                      <a:noFill/>
+                      <a:prstDash val="solid"/>
+                    </a:lnTlToBr>
+                    <a:lnBlToTr w="12700" cmpd="sng">
+                      <a:noFill/>
+                      <a:prstDash val="solid"/>
+                    </a:lnBlToTr>
+                    <a:noFill/>
+                  </a:tcPr>
+                </a:tc>
+                <a:tc>
+                  <a:txBody>
+                    <a:bodyPr/>
+                    <a:lstStyle/>
+                    <a:p>
+                      <a:pPr algn="r">
+                        <a:lnSpc>
+                          <a:spcPct val="107000"/>
+                        </a:lnSpc>
+                        <a:spcAft>
+                          <a:spcPts val="800"/>
+                        </a:spcAft>
+                      </a:pPr>
+                      <a:r>
+                        <a:rPr lang="en-GB" sz="1400" kern="100" dirty="0">
+                          <a:solidFill>
+                            <a:schemeClr val="tx1">
+                              <a:lumMod val="85000"/>
+                              <a:lumOff val="15000"/>
+                            </a:schemeClr>
+                          </a:solidFill>
+                          <a:effectLst/>
+                        </a:rPr>
+                        <a:t>0.614</a:t>
+                      </a:r>
+                      <a:endParaRPr lang="en-GB" sz="1400" kern="100" dirty="0">
+                        <a:solidFill>
+                          <a:schemeClr val="tx1">
+                            <a:lumMod val="85000"/>
+                            <a:lumOff val="15000"/>
+                          </a:schemeClr>
+                        </a:solidFill>
+                        <a:effectLst/>
+                        <a:latin typeface="Calibri" panose="020F0502020204030204" pitchFamily="34" charset="0"/>
+                        <a:ea typeface="Calibri" panose="020F0502020204030204" pitchFamily="34" charset="0"/>
+                        <a:cs typeface="Times New Roman" panose="02020603050405020304" pitchFamily="18" charset="0"/>
+                      </a:endParaRPr>
+                    </a:p>
+                  </a:txBody>
+                  <a:tcPr marL="68580" marR="68580" marT="0" marB="0" anchor="ctr">
+                    <a:lnL w="12700" cmpd="sng">
+                      <a:noFill/>
+                    </a:lnL>
+                    <a:lnR w="12700" cmpd="sng">
+                      <a:noFill/>
+                    </a:lnR>
+                    <a:lnT w="12700" cmpd="sng">
+                      <a:noFill/>
+                    </a:lnT>
+                    <a:lnB w="12700" cmpd="sng">
+                      <a:noFill/>
+                    </a:lnB>
+                    <a:lnTlToBr w="12700" cmpd="sng">
+                      <a:noFill/>
+                      <a:prstDash val="solid"/>
+                    </a:lnTlToBr>
+                    <a:lnBlToTr w="12700" cmpd="sng">
+                      <a:noFill/>
+                      <a:prstDash val="solid"/>
+                    </a:lnBlToTr>
+                    <a:noFill/>
+                  </a:tcPr>
+                </a:tc>
+                <a:tc>
+                  <a:txBody>
+                    <a:bodyPr/>
+                    <a:lstStyle/>
+                    <a:p>
+                      <a:pPr algn="r">
+                        <a:lnSpc>
+                          <a:spcPct val="107000"/>
+                        </a:lnSpc>
+                        <a:spcAft>
+                          <a:spcPts val="800"/>
+                        </a:spcAft>
+                      </a:pPr>
+                      <a:r>
+                        <a:rPr lang="en-GB" sz="1400" kern="100" dirty="0">
+                          <a:solidFill>
+                            <a:schemeClr val="tx1">
+                              <a:lumMod val="85000"/>
+                              <a:lumOff val="15000"/>
+                            </a:schemeClr>
+                          </a:solidFill>
+                          <a:effectLst/>
+                        </a:rPr>
+                        <a:t>1.702</a:t>
+                      </a:r>
+                      <a:endParaRPr lang="en-GB" sz="1400" kern="100" dirty="0">
+                        <a:solidFill>
+                          <a:schemeClr val="tx1">
+                            <a:lumMod val="85000"/>
+                            <a:lumOff val="15000"/>
+                          </a:schemeClr>
+                        </a:solidFill>
+                        <a:effectLst/>
+                        <a:latin typeface="Calibri" panose="020F0502020204030204" pitchFamily="34" charset="0"/>
+                        <a:ea typeface="Calibri" panose="020F0502020204030204" pitchFamily="34" charset="0"/>
+                        <a:cs typeface="Times New Roman" panose="02020603050405020304" pitchFamily="18" charset="0"/>
+                      </a:endParaRPr>
+                    </a:p>
+                  </a:txBody>
+                  <a:tcPr marL="68580" marR="68580" marT="0" marB="0" anchor="ctr">
+                    <a:lnL w="12700" cmpd="sng">
+                      <a:noFill/>
+                    </a:lnL>
+                    <a:lnR w="12700" cmpd="sng">
+                      <a:noFill/>
+                    </a:lnR>
+                    <a:lnT w="12700" cmpd="sng">
+                      <a:noFill/>
+                    </a:lnT>
+                    <a:lnB w="12700" cmpd="sng">
+                      <a:noFill/>
+                    </a:lnB>
+                    <a:lnTlToBr w="12700" cmpd="sng">
+                      <a:noFill/>
+                      <a:prstDash val="solid"/>
+                    </a:lnTlToBr>
+                    <a:lnBlToTr w="12700" cmpd="sng">
+                      <a:noFill/>
+                      <a:prstDash val="solid"/>
+                    </a:lnBlToTr>
+                    <a:noFill/>
+                  </a:tcPr>
+                </a:tc>
+                <a:tc>
+                  <a:txBody>
+                    <a:bodyPr/>
+                    <a:lstStyle/>
+                    <a:p>
+                      <a:pPr algn="r">
+                        <a:lnSpc>
+                          <a:spcPct val="107000"/>
+                        </a:lnSpc>
+                        <a:spcAft>
+                          <a:spcPts val="800"/>
+                        </a:spcAft>
+                      </a:pPr>
+                      <a:r>
+                        <a:rPr lang="en-GB" sz="1400" kern="100" dirty="0">
+                          <a:solidFill>
+                            <a:schemeClr val="tx1">
+                              <a:lumMod val="85000"/>
+                              <a:lumOff val="15000"/>
+                            </a:schemeClr>
+                          </a:solidFill>
+                          <a:effectLst/>
+                        </a:rPr>
+                        <a:t>1.59 (k=5)</a:t>
+                      </a:r>
+                      <a:endParaRPr lang="en-GB" sz="1400" kern="100" dirty="0">
+                        <a:solidFill>
+                          <a:schemeClr val="tx1">
+                            <a:lumMod val="85000"/>
+                            <a:lumOff val="15000"/>
+                          </a:schemeClr>
+                        </a:solidFill>
+                        <a:effectLst/>
+                        <a:latin typeface="Calibri" panose="020F0502020204030204" pitchFamily="34" charset="0"/>
+                        <a:ea typeface="Calibri" panose="020F0502020204030204" pitchFamily="34" charset="0"/>
+                        <a:cs typeface="Times New Roman" panose="02020603050405020304" pitchFamily="18" charset="0"/>
+                      </a:endParaRPr>
+                    </a:p>
+                  </a:txBody>
+                  <a:tcPr marL="68580" marR="68580" marT="0" marB="0" anchor="ctr">
+                    <a:lnL w="12700" cmpd="sng">
+                      <a:noFill/>
+                    </a:lnL>
+                    <a:lnR w="12700" cmpd="sng">
+                      <a:noFill/>
+                    </a:lnR>
+                    <a:lnT w="12700" cmpd="sng">
+                      <a:noFill/>
+                    </a:lnT>
+                    <a:lnB w="12700" cmpd="sng">
+                      <a:noFill/>
+                    </a:lnB>
+                    <a:lnTlToBr w="12700" cmpd="sng">
+                      <a:noFill/>
+                      <a:prstDash val="solid"/>
+                    </a:lnTlToBr>
+                    <a:lnBlToTr w="12700" cmpd="sng">
+                      <a:noFill/>
+                      <a:prstDash val="solid"/>
+                    </a:lnBlToTr>
+                    <a:noFill/>
+                  </a:tcPr>
+                </a:tc>
+                <a:tc>
+                  <a:txBody>
+                    <a:bodyPr/>
+                    <a:lstStyle/>
+                    <a:p>
+                      <a:pPr algn="r">
+                        <a:lnSpc>
+                          <a:spcPct val="107000"/>
+                        </a:lnSpc>
+                        <a:spcAft>
+                          <a:spcPts val="800"/>
+                        </a:spcAft>
+                      </a:pPr>
+                      <a:r>
+                        <a:rPr lang="en-GB" sz="1400" kern="100" dirty="0">
+                          <a:solidFill>
+                            <a:schemeClr val="tx1">
+                              <a:lumMod val="85000"/>
+                              <a:lumOff val="15000"/>
+                            </a:schemeClr>
+                          </a:solidFill>
+                          <a:effectLst/>
+                        </a:rPr>
+                        <a:t>1.76 (k=5)</a:t>
+                      </a:r>
+                      <a:endParaRPr lang="en-GB" sz="1400" kern="100" dirty="0">
+                        <a:solidFill>
+                          <a:schemeClr val="tx1">
+                            <a:lumMod val="85000"/>
+                            <a:lumOff val="15000"/>
+                          </a:schemeClr>
+                        </a:solidFill>
+                        <a:effectLst/>
+                        <a:latin typeface="Calibri" panose="020F0502020204030204" pitchFamily="34" charset="0"/>
+                        <a:ea typeface="Calibri" panose="020F0502020204030204" pitchFamily="34" charset="0"/>
+                        <a:cs typeface="Times New Roman" panose="02020603050405020304" pitchFamily="18" charset="0"/>
+                      </a:endParaRPr>
+                    </a:p>
+                  </a:txBody>
+                  <a:tcPr marL="68580" marR="68580" marT="0" marB="0" anchor="ctr">
+                    <a:lnL w="12700" cmpd="sng">
+                      <a:noFill/>
+                    </a:lnL>
+                    <a:lnR w="12700" cmpd="sng">
+                      <a:noFill/>
+                    </a:lnR>
+                    <a:lnT w="12700" cmpd="sng">
+                      <a:noFill/>
+                    </a:lnT>
+                    <a:lnB w="12700" cmpd="sng">
+                      <a:noFill/>
+                    </a:lnB>
+                    <a:lnTlToBr w="12700" cmpd="sng">
+                      <a:noFill/>
+                      <a:prstDash val="solid"/>
+                    </a:lnTlToBr>
+                    <a:lnBlToTr w="12700" cmpd="sng">
+                      <a:noFill/>
+                      <a:prstDash val="solid"/>
+                    </a:lnBlToTr>
+                    <a:noFill/>
+                  </a:tcPr>
+                </a:tc>
+                <a:tc>
+                  <a:txBody>
+                    <a:bodyPr/>
+                    <a:lstStyle/>
+                    <a:p>
+                      <a:pPr algn="r">
+                        <a:lnSpc>
+                          <a:spcPct val="107000"/>
+                        </a:lnSpc>
+                        <a:spcAft>
+                          <a:spcPts val="800"/>
+                        </a:spcAft>
+                      </a:pPr>
+                      <a:r>
+                        <a:rPr lang="en-GB" sz="1400" kern="100" dirty="0">
+                          <a:solidFill>
+                            <a:schemeClr val="tx1">
+                              <a:lumMod val="85000"/>
+                              <a:lumOff val="15000"/>
+                            </a:schemeClr>
+                          </a:solidFill>
+                          <a:effectLst/>
+                          <a:latin typeface="+mj-lt"/>
+                          <a:ea typeface="Calibri" panose="020F0502020204030204" pitchFamily="34" charset="0"/>
+                          <a:cs typeface="Times New Roman" panose="02020603050405020304" pitchFamily="18" charset="0"/>
+                        </a:rPr>
+                        <a:t>0.000000</a:t>
+                      </a:r>
+                    </a:p>
+                  </a:txBody>
+                  <a:tcPr marL="68580" marR="68580" marT="0" marB="0" anchor="ctr">
+                    <a:lnL w="12700" cmpd="sng">
+                      <a:noFill/>
+                    </a:lnL>
+                    <a:lnR w="12700" cmpd="sng">
+                      <a:noFill/>
+                    </a:lnR>
+                    <a:lnT w="12700" cmpd="sng">
+                      <a:noFill/>
+                    </a:lnT>
+                    <a:lnB w="12700" cmpd="sng">
+                      <a:noFill/>
+                    </a:lnB>
+                    <a:lnTlToBr w="12700" cmpd="sng">
+                      <a:noFill/>
+                      <a:prstDash val="solid"/>
+                    </a:lnTlToBr>
+                    <a:lnBlToTr w="12700" cmpd="sng">
+                      <a:noFill/>
+                      <a:prstDash val="solid"/>
+                    </a:lnBlToTr>
+                    <a:noFill/>
+                  </a:tcPr>
+                </a:tc>
+                <a:extLst>
+                  <a:ext uri="{0D108BD9-81ED-4DB2-BD59-A6C34878D82A}">
+                    <a16:rowId xmlns:a16="http://schemas.microsoft.com/office/drawing/2014/main" val="1169130314"/>
+                  </a:ext>
+                </a:extLst>
+              </a:tr>
+            </a:tbl>
+          </a:graphicData>
+        </a:graphic>
+      </p:graphicFrame>
     </p:spTree>
     <p:extLst>
       <p:ext uri="{BB962C8B-B14F-4D97-AF65-F5344CB8AC3E}">
-        <p14:creationId xmlns:p14="http://schemas.microsoft.com/office/powerpoint/2010/main" val="2017660607"/>
+        <p14:creationId xmlns:p14="http://schemas.microsoft.com/office/powerpoint/2010/main" val="3400164036"/>
       </p:ext>
     </p:extLst>
   </p:cSld>
   <p:clrMapOvr>
     <a:masterClrMapping/>
   </p:clrMapOvr>
+  <p:extLst>
+    <p:ext uri="{6950BFC3-D8DA-4A85-94F7-54DA5524770B}">
+      <p188:commentRel xmlns:p188="http://schemas.microsoft.com/office/powerpoint/2018/8/main" r:id="rId2"/>
+    </p:ext>
+  </p:extLst>
 </p:sld>
 </file>
 
@@ -8940,14 +16284,19 @@
             <p:ph type="title"/>
           </p:nvPr>
         </p:nvSpPr>
-        <p:spPr/>
+        <p:spPr>
+          <a:xfrm>
+            <a:off x="677334" y="609600"/>
+            <a:ext cx="8596668" cy="795867"/>
+          </a:xfrm>
+        </p:spPr>
         <p:txBody>
           <a:bodyPr/>
           <a:lstStyle/>
           <a:p>
             <a:r>
               <a:rPr lang="en-GB" dirty="0"/>
-              <a:t>Your plan for the next steps</a:t>
+              <a:t>Discussion of your results</a:t>
             </a:r>
           </a:p>
         </p:txBody>
@@ -8962,22 +16311,95 @@
             <p:ph idx="1"/>
           </p:nvPr>
         </p:nvSpPr>
-        <p:spPr/>
+        <p:spPr>
+          <a:xfrm>
+            <a:off x="677334" y="1405467"/>
+            <a:ext cx="8596668" cy="5071533"/>
+          </a:xfrm>
+        </p:spPr>
         <p:txBody>
           <a:bodyPr vert="horz" lIns="91440" tIns="45720" rIns="91440" bIns="45720" rtlCol="0" anchor="t">
-            <a:normAutofit/>
+            <a:normAutofit fontScale="92500" lnSpcReduction="10000"/>
           </a:bodyPr>
           <a:lstStyle/>
           <a:p>
             <a:r>
-              <a:rPr lang="en-GB" dirty="0"/>
-              <a:t>Describe your next estimation strategy and make it clear which problems it will address – it does not have to solve all of them</a:t>
+              <a:rPr lang="en-GB" sz="1100" dirty="0"/>
+              <a:t>Starting with the adjusted R</a:t>
             </a:r>
-          </a:p>
-          <a:p>
             <a:r>
-              <a:rPr lang="en-GB" dirty="0"/>
-              <a:t>If you have made a start at this already you can describe what you have done here (in a similar way) to what you did previously</a:t>
+              <a:rPr lang="en-GB" sz="1100" baseline="30000" dirty="0"/>
+              <a:t>2</a:t>
+            </a:r>
+            <a:r>
+              <a:rPr lang="en-GB" sz="1100" dirty="0"/>
+              <a:t> values, Model 1 had an adjusted R</a:t>
+            </a:r>
+            <a:r>
+              <a:rPr lang="en-GB" sz="1100" baseline="30000" dirty="0"/>
+              <a:t>2</a:t>
+            </a:r>
+            <a:r>
+              <a:rPr lang="en-GB" sz="1100" dirty="0"/>
+              <a:t> value of 0.475 and Model 2 a value of 0.614, meaning that both models explain a high proportion of the variance in the impact variable, and that the initial model specification is likely broadly sensible.</a:t>
+            </a:r>
+          </a:p>
+          <a:p>
+            <a:r>
+              <a:rPr lang="en-GB" sz="1100" dirty="0"/>
+              <a:t>Ignoring model constants, all model predictor variables were statistically significant, except for voc, which is a binary variable which controls for if the prevalence of vocational education in a country is above the EU average. The variable voc has a p-value of 0.16-0.19 across the two models, meaning that while this variable is not statistically significant at the 10% significance level, it may still be useful to include this variable when controlling for qualitative differences in education by country.</a:t>
+            </a:r>
+          </a:p>
+          <a:p>
+            <a:r>
+              <a:rPr lang="en-GB" sz="1100" dirty="0"/>
+              <a:t>Looking first at Model 1, we can see that there is a positive economic relationship between number of years of education and GDP output per capita, when controlling for differences in type of education (voc) and changes in productivity over time (captured indirectly with year_orig). To ease interpretation of the model, we used year_orig, which is the number of years since the base year 1970, to avoid having a large negative constant in this model.</a:t>
+            </a:r>
+          </a:p>
+          <a:p>
+            <a:r>
+              <a:rPr lang="en-GB" sz="1100" dirty="0"/>
+              <a:t>Looking at model 2, the addition of productivity variable ctfp led to some change in the size of other coefficients, but (ignoring the constant) all remains within one standard error of their original estimate. While the addition of ctfp increased the adjusted R</a:t>
+            </a:r>
+            <a:r>
+              <a:rPr lang="en-GB" sz="1100" baseline="30000" dirty="0"/>
+              <a:t>2</a:t>
+            </a:r>
+            <a:r>
+              <a:rPr lang="en-GB" sz="1100" dirty="0"/>
+              <a:t> and model p-value, the scale of this coefficient reduces overall model interpretability, and as such it may also be useful to consider adding in Instrumental Variable such as average hours worked to examine how this impacts the existing parameter estimates.</a:t>
+            </a:r>
+          </a:p>
+          <a:p>
+            <a:r>
+              <a:rPr lang="en-GB" sz="1100" dirty="0"/>
+              <a:t>The Durbin-Watson test statistic for each model both fall within the zone of indecision, although both are very close to the Durbin lower bound. As such, at the 5% significance level we do not have sufficient evidence of autocorrelation and will not be adding a lagged variable to the model. Given the limited sample size this model analyses for each country (10 half-decade data points between 1970 and 2015), it would be impractical to include a lagged variable regardless. However, a future study with more data points may be able to better examine a lag between increased education and higher GDP output per capita.</a:t>
+            </a:r>
+          </a:p>
+          <a:p>
+            <a:r>
+              <a:rPr lang="en-GB" sz="1100" dirty="0"/>
+              <a:t>We also performed a White’s test for heteroscedasticity for both model, and both had p-values of less than 0.01, meaning that we may reject H</a:t>
+            </a:r>
+            <a:r>
+              <a:rPr lang="en-GB" sz="1100" baseline="-25000" dirty="0"/>
+              <a:t>0</a:t>
+            </a:r>
+            <a:r>
+              <a:rPr lang="en-GB" sz="1100" dirty="0"/>
+              <a:t>, as heteroscedasticity is present in the data. We will log-transform the rgdpo.pop variable to see if this better models the relationship between number of years in education and GDP output per capita.</a:t>
+            </a:r>
+          </a:p>
+          <a:p>
+            <a:r>
+              <a:rPr lang="en-GB" sz="1100" dirty="0"/>
+              <a:t>At a later stage, we will build on these initial models, using Breusch-Pagan LM and Hausman tests to consider if a Fixed Effects model might be more appropriate than a pooled OLS model for this panel data.</a:t>
+            </a:r>
+          </a:p>
+          <a:p>
+            <a:r>
+              <a:rPr lang="en-GB" sz="1100" dirty="0"/>
+              <a:t>While these initial models might help to make some early inferences into the relationship between education and GDP output per capita, there are some important caveats to note. Firstly, pooled OLS does not account for country-specific or time-specific effects. That is, the marginal return of an additional year of education might be different, for example, between Norway and Poland, depending on factors such as the existing number of years of education and the quality of educational training in terms of improving GDP output within a country.</a:t>
             </a:r>
           </a:p>
         </p:txBody>
@@ -8985,13 +16407,18 @@
     </p:spTree>
     <p:extLst>
       <p:ext uri="{BB962C8B-B14F-4D97-AF65-F5344CB8AC3E}">
-        <p14:creationId xmlns:p14="http://schemas.microsoft.com/office/powerpoint/2010/main" val="2346731156"/>
+        <p14:creationId xmlns:p14="http://schemas.microsoft.com/office/powerpoint/2010/main" val="2017660607"/>
       </p:ext>
     </p:extLst>
   </p:cSld>
   <p:clrMapOvr>
     <a:masterClrMapping/>
   </p:clrMapOvr>
+  <p:extLst>
+    <p:ext uri="{6950BFC3-D8DA-4A85-94F7-54DA5524770B}">
+      <p188:commentRel xmlns:p188="http://schemas.microsoft.com/office/powerpoint/2018/8/main" r:id="rId2"/>
+    </p:ext>
+  </p:extLst>
 </p:sld>
 </file>
 
@@ -9029,7 +16456,7 @@
           <a:p>
             <a:r>
               <a:rPr lang="en-GB" dirty="0"/>
-              <a:t>Suggestions for future work</a:t>
+              <a:t>Your plan for the next steps</a:t>
             </a:r>
           </a:p>
         </p:txBody>
@@ -9044,6 +16471,111 @@
             <p:ph idx="1"/>
           </p:nvPr>
         </p:nvSpPr>
+        <p:spPr>
+          <a:xfrm>
+            <a:off x="677334" y="1490133"/>
+            <a:ext cx="8596668" cy="4551229"/>
+          </a:xfrm>
+        </p:spPr>
+        <p:txBody>
+          <a:bodyPr vert="horz" lIns="91440" tIns="45720" rIns="91440" bIns="45720" rtlCol="0" anchor="t">
+            <a:normAutofit/>
+          </a:bodyPr>
+          <a:lstStyle/>
+          <a:p>
+            <a:r>
+              <a:rPr lang="en-GB" dirty="0"/>
+              <a:t>Upon inspection of initial modelling, there were a few key problems to address. Firstly, we found evidence that heteroscedasticity is present in the data. We will attempt to resolve this by log-transforming our Y (impact) variable to account for possibly diminishing marginal returns to scale to an additional year of education as education increases.</a:t>
+            </a:r>
+          </a:p>
+          <a:p>
+            <a:r>
+              <a:rPr lang="en-GB" dirty="0"/>
+              <a:t>Secondly, there are some questions left unresolved relating to model structure. Given the panel structure of this data and the differences in initial GDP output per capita, it might be the case that a Fixed Effects model might be more appropriate than the initial pooled OLS approach. We will build an equivalent Fixed Effects model and use the Hausmann and Breusch-Pagan tests to examine the appropriateness of a Fixed Effects model for this data.</a:t>
+            </a:r>
+          </a:p>
+          <a:p>
+            <a:r>
+              <a:rPr lang="en-GB" dirty="0"/>
+              <a:t>Finally, we will add average hours worked as an instrumental variable, to see how this interacts with our parameter estimates of total factor productivity.</a:t>
+            </a:r>
+          </a:p>
+        </p:txBody>
+      </p:sp>
+      <p:pic>
+        <p:nvPicPr>
+          <p:cNvPr id="5" name="Picture 4">
+            <a:extLst>
+              <a:ext uri="{FF2B5EF4-FFF2-40B4-BE49-F238E27FC236}">
+                <a16:creationId xmlns:a16="http://schemas.microsoft.com/office/drawing/2014/main" id="{282A8C67-2033-56D7-E977-E2E25F494B2C}"/>
+              </a:ext>
+            </a:extLst>
+          </p:cNvPr>
+          <p:cNvPicPr>
+            <a:picLocks noChangeAspect="1"/>
+          </p:cNvPicPr>
+          <p:nvPr/>
+        </p:nvPicPr>
+        <p:blipFill rotWithShape="1">
+          <a:blip r:embed="rId3"/>
+          <a:srcRect l="1893" t="4207" r="14879" b="7570"/>
+          <a:stretch/>
+        </p:blipFill>
+        <p:spPr>
+          <a:xfrm>
+            <a:off x="6116582" y="3605843"/>
+            <a:ext cx="6075418" cy="3252158"/>
+          </a:xfrm>
+          <a:prstGeom prst="rect">
+            <a:avLst/>
+          </a:prstGeom>
+        </p:spPr>
+      </p:pic>
+    </p:spTree>
+    <p:extLst>
+      <p:ext uri="{BB962C8B-B14F-4D97-AF65-F5344CB8AC3E}">
+        <p14:creationId xmlns:p14="http://schemas.microsoft.com/office/powerpoint/2010/main" val="2346731156"/>
+      </p:ext>
+    </p:extLst>
+  </p:cSld>
+  <p:clrMapOvr>
+    <a:masterClrMapping/>
+  </p:clrMapOvr>
+  <p:extLst>
+    <p:ext uri="{6950BFC3-D8DA-4A85-94F7-54DA5524770B}">
+      <p188:commentRel xmlns:p188="http://schemas.microsoft.com/office/powerpoint/2018/8/main" r:id="rId2"/>
+    </p:ext>
+  </p:extLst>
+</p:sld>
+</file>
+
+<file path=ppt/slides/slide9.xml><?xml version="1.0" encoding="utf-8"?>
+<p:sld xmlns:a="http://schemas.openxmlformats.org/drawingml/2006/main" xmlns:r="http://schemas.openxmlformats.org/officeDocument/2006/relationships" xmlns:p="http://schemas.openxmlformats.org/presentationml/2006/main">
+  <p:cSld>
+    <p:spTree>
+      <p:nvGrpSpPr>
+        <p:cNvPr id="1" name=""/>
+        <p:cNvGrpSpPr/>
+        <p:nvPr/>
+      </p:nvGrpSpPr>
+      <p:grpSpPr>
+        <a:xfrm>
+          <a:off x="0" y="0"/>
+          <a:ext cx="0" cy="0"/>
+          <a:chOff x="0" y="0"/>
+          <a:chExt cx="0" cy="0"/>
+        </a:xfrm>
+      </p:grpSpPr>
+      <p:sp>
+        <p:nvSpPr>
+          <p:cNvPr id="2" name="Title 1"/>
+          <p:cNvSpPr>
+            <a:spLocks noGrp="1"/>
+          </p:cNvSpPr>
+          <p:nvPr>
+            <p:ph type="title"/>
+          </p:nvPr>
+        </p:nvSpPr>
         <p:spPr/>
         <p:txBody>
           <a:bodyPr/>
@@ -9051,7 +16583,40 @@
           <a:p>
             <a:r>
               <a:rPr lang="en-GB" dirty="0"/>
-              <a:t>What remains the biggest problem in your analysis to-date (i.e. what would you do differently if you started to answer this question afresh)?</a:t>
+              <a:t>Suggestions for future work</a:t>
+            </a:r>
+          </a:p>
+        </p:txBody>
+      </p:sp>
+      <p:sp>
+        <p:nvSpPr>
+          <p:cNvPr id="3" name="Content Placeholder 2"/>
+          <p:cNvSpPr>
+            <a:spLocks noGrp="1"/>
+          </p:cNvSpPr>
+          <p:nvPr>
+            <p:ph idx="1"/>
+          </p:nvPr>
+        </p:nvSpPr>
+        <p:spPr>
+          <a:xfrm>
+            <a:off x="677334" y="1557867"/>
+            <a:ext cx="8596668" cy="4483495"/>
+          </a:xfrm>
+        </p:spPr>
+        <p:txBody>
+          <a:bodyPr/>
+          <a:lstStyle/>
+          <a:p>
+            <a:r>
+              <a:rPr lang="en-GB" dirty="0"/>
+              <a:t>The biggest challenge with my analysis to date relates to data gaps. In a practical sense, this has forced me to choose between variable imputation (such as Foreign Direct Investment, see technical annex) where the number of gaps is very small, or narrowing the scope of the analysis (see countries removed due to significant data in the technical annex).</a:t>
+            </a:r>
+          </a:p>
+          <a:p>
+            <a:r>
+              <a:rPr lang="en-GB" dirty="0"/>
+              <a:t>It is possible that with more research and time to arrange access permissions, I would have been able to source alternative or estimated data, reducing the need to exclude countries. This would likely improve the generalisability of the findings of this analysis.</a:t>
             </a:r>
           </a:p>
         </p:txBody>
